--- a/MainProject/FITNESS TRACKER.pptx
+++ b/MainProject/FITNESS TRACKER.pptx
@@ -5,19 +5,23 @@
     <p:sldMasterId id="2147483696" r:id="rId1"/>
   </p:sldMasterIdLst>
   <p:notesMasterIdLst>
-    <p:notesMasterId r:id="rId12"/>
+    <p:notesMasterId r:id="rId16"/>
   </p:notesMasterIdLst>
   <p:sldIdLst>
     <p:sldId id="256" r:id="rId2"/>
-    <p:sldId id="259" r:id="rId3"/>
-    <p:sldId id="258" r:id="rId4"/>
-    <p:sldId id="260" r:id="rId5"/>
-    <p:sldId id="262" r:id="rId6"/>
-    <p:sldId id="261" r:id="rId7"/>
-    <p:sldId id="263" r:id="rId8"/>
-    <p:sldId id="265" r:id="rId9"/>
-    <p:sldId id="266" r:id="rId10"/>
-    <p:sldId id="264" r:id="rId11"/>
+    <p:sldId id="268" r:id="rId3"/>
+    <p:sldId id="259" r:id="rId4"/>
+    <p:sldId id="258" r:id="rId5"/>
+    <p:sldId id="270" r:id="rId6"/>
+    <p:sldId id="269" r:id="rId7"/>
+    <p:sldId id="260" r:id="rId8"/>
+    <p:sldId id="271" r:id="rId9"/>
+    <p:sldId id="262" r:id="rId10"/>
+    <p:sldId id="261" r:id="rId11"/>
+    <p:sldId id="263" r:id="rId12"/>
+    <p:sldId id="265" r:id="rId13"/>
+    <p:sldId id="266" r:id="rId14"/>
+    <p:sldId id="264" r:id="rId15"/>
   </p:sldIdLst>
   <p:sldSz cx="12192000" cy="6858000"/>
   <p:notesSz cx="6858000" cy="9144000"/>
@@ -116,6 +120,11 @@
       </a:defRPr>
     </a:lvl9pPr>
   </p:defaultTextStyle>
+  <p:extLst>
+    <p:ext uri="{EFAFB233-063F-42B5-8137-9DF3F51BA10A}">
+      <p15:sldGuideLst xmlns:p15="http://schemas.microsoft.com/office/powerpoint/2012/main"/>
+    </p:ext>
+  </p:extLst>
 </p:presentation>
 </file>
 
@@ -201,7 +210,7 @@
           <a:p>
             <a:fld id="{10693F47-FF69-4529-9E80-90C6185129D6}" type="datetimeFigureOut">
               <a:rPr lang="en-IN" smtClean="0"/>
-              <a:t>20-04-2024</a:t>
+              <a:t>23-04-2024</a:t>
             </a:fld>
             <a:endParaRPr lang="en-IN"/>
           </a:p>
@@ -695,7 +704,7 @@
           <a:p>
             <a:fld id="{AB0597A1-71F7-4EFB-BDEC-B61195297625}" type="datetime1">
               <a:rPr lang="en-IN" smtClean="0"/>
-              <a:t>20-04-2024</a:t>
+              <a:t>23-04-2024</a:t>
             </a:fld>
             <a:endParaRPr lang="en-IN"/>
           </a:p>
@@ -903,7 +912,7 @@
           <a:p>
             <a:fld id="{3285446F-E88B-4823-8576-E8B66DB1FFDB}" type="datetime1">
               <a:rPr lang="en-IN" smtClean="0"/>
-              <a:t>20-04-2024</a:t>
+              <a:t>23-04-2024</a:t>
             </a:fld>
             <a:endParaRPr lang="en-IN"/>
           </a:p>
@@ -1159,7 +1168,7 @@
           <a:p>
             <a:fld id="{16CBC340-FD17-4F5C-B0F3-A20615895973}" type="datetime1">
               <a:rPr lang="en-IN" smtClean="0"/>
-              <a:t>20-04-2024</a:t>
+              <a:t>23-04-2024</a:t>
             </a:fld>
             <a:endParaRPr lang="en-IN"/>
           </a:p>
@@ -1333,7 +1342,7 @@
           <a:p>
             <a:fld id="{7867ADD7-4632-49D5-9818-9C18933A64C8}" type="datetime1">
               <a:rPr lang="en-IN" smtClean="0"/>
-              <a:t>20-04-2024</a:t>
+              <a:t>23-04-2024</a:t>
             </a:fld>
             <a:endParaRPr lang="en-IN"/>
           </a:p>
@@ -1676,7 +1685,7 @@
           <a:p>
             <a:fld id="{F1753CF6-4BCB-475C-86C9-F4688CB1AAD2}" type="datetime1">
               <a:rPr lang="en-IN" smtClean="0"/>
-              <a:t>20-04-2024</a:t>
+              <a:t>23-04-2024</a:t>
             </a:fld>
             <a:endParaRPr lang="en-IN"/>
           </a:p>
@@ -1951,7 +1960,7 @@
           <a:p>
             <a:fld id="{66C047FD-29AE-4919-B29E-C5C10BDFE351}" type="datetime1">
               <a:rPr lang="en-IN" smtClean="0"/>
-              <a:t>20-04-2024</a:t>
+              <a:t>23-04-2024</a:t>
             </a:fld>
             <a:endParaRPr lang="en-IN"/>
           </a:p>
@@ -2330,7 +2339,7 @@
           <a:p>
             <a:fld id="{86177719-A995-4636-9A0A-B512E61CA160}" type="datetime1">
               <a:rPr lang="en-IN" smtClean="0"/>
-              <a:t>20-04-2024</a:t>
+              <a:t>23-04-2024</a:t>
             </a:fld>
             <a:endParaRPr lang="en-IN"/>
           </a:p>
@@ -2448,7 +2457,7 @@
           <a:p>
             <a:fld id="{34E73087-4E50-4A03-ADF1-7E1C178CA31C}" type="datetime1">
               <a:rPr lang="en-IN" smtClean="0"/>
-              <a:t>20-04-2024</a:t>
+              <a:t>23-04-2024</a:t>
             </a:fld>
             <a:endParaRPr lang="en-IN"/>
           </a:p>
@@ -2619,7 +2628,7 @@
           <a:p>
             <a:fld id="{0E6CC376-2566-47AD-9A25-BFADC656A836}" type="datetime1">
               <a:rPr lang="en-IN" smtClean="0"/>
-              <a:t>20-04-2024</a:t>
+              <a:t>23-04-2024</a:t>
             </a:fld>
             <a:endParaRPr lang="en-IN"/>
           </a:p>
@@ -2973,7 +2982,7 @@
           <a:p>
             <a:fld id="{8E77B510-B336-496A-BE6A-EB7301611493}" type="datetime1">
               <a:rPr lang="en-IN" smtClean="0"/>
-              <a:t>20-04-2024</a:t>
+              <a:t>23-04-2024</a:t>
             </a:fld>
             <a:endParaRPr lang="en-IN"/>
           </a:p>
@@ -3355,7 +3364,7 @@
           <a:p>
             <a:fld id="{0CF816CD-8957-4EBA-BAEC-54850AE79AA0}" type="datetime1">
               <a:rPr lang="en-IN" smtClean="0"/>
-              <a:t>20-04-2024</a:t>
+              <a:t>23-04-2024</a:t>
             </a:fld>
             <a:endParaRPr lang="en-IN"/>
           </a:p>
@@ -3642,7 +3651,7 @@
           <a:p>
             <a:fld id="{9BBCC989-D903-456E-848C-5AB16C6F3313}" type="datetime1">
               <a:rPr lang="en-IN" smtClean="0"/>
-              <a:t>20-04-2024</a:t>
+              <a:t>23-04-2024</a:t>
             </a:fld>
             <a:endParaRPr lang="en-IN"/>
           </a:p>
@@ -4169,71 +4178,6 @@
       </p:grpSpPr>
       <p:sp>
         <p:nvSpPr>
-          <p:cNvPr id="4" name="Title 3">
-            <a:extLst>
-              <a:ext uri="{FF2B5EF4-FFF2-40B4-BE49-F238E27FC236}">
-                <a16:creationId xmlns:a16="http://schemas.microsoft.com/office/drawing/2014/main" id="{60E2D90A-537F-B21B-DEC5-0AD73AC399CB}"/>
-              </a:ext>
-            </a:extLst>
-          </p:cNvPr>
-          <p:cNvSpPr>
-            <a:spLocks noGrp="1"/>
-          </p:cNvSpPr>
-          <p:nvPr>
-            <p:ph type="title" idx="4294967295"/>
-          </p:nvPr>
-        </p:nvSpPr>
-        <p:spPr>
-          <a:xfrm>
-            <a:off x="1294606" y="2588400"/>
-            <a:ext cx="9602788" cy="1047750"/>
-          </a:xfrm>
-        </p:spPr>
-        <p:txBody>
-          <a:bodyPr>
-            <a:normAutofit/>
-          </a:bodyPr>
-          <a:lstStyle/>
-          <a:p>
-            <a:pPr algn="ctr"/>
-            <a:r>
-              <a:rPr lang="en-US" sz="5400" b="1" dirty="0">
-                <a:solidFill>
-                  <a:schemeClr val="bg2">
-                    <a:lumMod val="50000"/>
-                  </a:schemeClr>
-                </a:solidFill>
-                <a:effectLst>
-                  <a:outerShdw blurRad="38100" dist="38100" dir="2700000" algn="tl">
-                    <a:srgbClr val="000000">
-                      <a:alpha val="43137"/>
-                    </a:srgbClr>
-                  </a:outerShdw>
-                </a:effectLst>
-                <a:latin typeface="Arial Black" panose="020B0A04020102020204" pitchFamily="34" charset="0"/>
-              </a:rPr>
-              <a:t>FITNESS TRACKER </a:t>
-            </a:r>
-            <a:endParaRPr lang="en-IN" sz="5400" b="1" dirty="0">
-              <a:solidFill>
-                <a:schemeClr val="bg2">
-                  <a:lumMod val="50000"/>
-                </a:schemeClr>
-              </a:solidFill>
-              <a:effectLst>
-                <a:outerShdw blurRad="38100" dist="38100" dir="2700000" algn="tl">
-                  <a:srgbClr val="000000">
-                    <a:alpha val="43137"/>
-                  </a:srgbClr>
-                </a:outerShdw>
-              </a:effectLst>
-              <a:latin typeface="Arial Black" panose="020B0A04020102020204" pitchFamily="34" charset="0"/>
-            </a:endParaRPr>
-          </a:p>
-        </p:txBody>
-      </p:sp>
-      <p:sp>
-        <p:nvSpPr>
           <p:cNvPr id="5" name="TextBox 4">
             <a:extLst>
               <a:ext uri="{FF2B5EF4-FFF2-40B4-BE49-F238E27FC236}">
@@ -4246,7 +4190,7 @@
         </p:nvSpPr>
         <p:spPr>
           <a:xfrm>
-            <a:off x="4606358" y="1572737"/>
+            <a:off x="4464951" y="719122"/>
             <a:ext cx="2445028" cy="830997"/>
           </a:xfrm>
           <a:prstGeom prst="rect">
@@ -4293,42 +4237,6 @@
               </a:solidFill>
               <a:latin typeface="Arial Black" panose="020B0A04020102020204" pitchFamily="34" charset="0"/>
             </a:endParaRPr>
-          </a:p>
-        </p:txBody>
-      </p:sp>
-      <p:sp>
-        <p:nvSpPr>
-          <p:cNvPr id="6" name="TextBox 5">
-            <a:extLst>
-              <a:ext uri="{FF2B5EF4-FFF2-40B4-BE49-F238E27FC236}">
-                <a16:creationId xmlns:a16="http://schemas.microsoft.com/office/drawing/2014/main" id="{41791E29-953B-9E1D-1B46-778298493B28}"/>
-              </a:ext>
-            </a:extLst>
-          </p:cNvPr>
-          <p:cNvSpPr txBox="1"/>
-          <p:nvPr/>
-        </p:nvSpPr>
-        <p:spPr>
-          <a:xfrm>
-            <a:off x="5104956" y="3636150"/>
-            <a:ext cx="1447832" cy="369332"/>
-          </a:xfrm>
-          <a:prstGeom prst="rect">
-            <a:avLst/>
-          </a:prstGeom>
-          <a:noFill/>
-        </p:spPr>
-        <p:txBody>
-          <a:bodyPr wrap="none" rtlCol="0">
-            <a:spAutoFit/>
-          </a:bodyPr>
-          <a:lstStyle/>
-          <a:p>
-            <a:r>
-              <a:rPr lang="en-US" b="1" dirty="0"/>
-              <a:t>2024 - 2025</a:t>
-            </a:r>
-            <a:endParaRPr lang="en-IN" b="1" dirty="0"/>
           </a:p>
         </p:txBody>
       </p:sp>
@@ -4346,8 +4254,8 @@
         </p:nvSpPr>
         <p:spPr>
           <a:xfrm>
-            <a:off x="8794678" y="5116531"/>
-            <a:ext cx="2007281" cy="646331"/>
+            <a:off x="8794678" y="5001031"/>
+            <a:ext cx="2540311" cy="923330"/>
           </a:xfrm>
           <a:prstGeom prst="rect">
             <a:avLst/>
@@ -4373,6 +4281,12 @@
             <a:r>
               <a:rPr lang="en-US" b="1" dirty="0"/>
               <a:t>Mrudula A P</a:t>
+            </a:r>
+          </a:p>
+          <a:p>
+            <a:r>
+              <a:rPr lang="en-US" b="1" dirty="0"/>
+              <a:t>Intern ID : MST03 – 0020</a:t>
             </a:r>
             <a:endParaRPr lang="en-IN" b="1" dirty="0"/>
           </a:p>
@@ -4392,7 +4306,7 @@
         </p:nvSpPr>
         <p:spPr>
           <a:xfrm>
-            <a:off x="768849" y="5003515"/>
+            <a:off x="1714739" y="5139530"/>
             <a:ext cx="1853392" cy="646331"/>
           </a:xfrm>
           <a:prstGeom prst="rect">
@@ -4522,6 +4436,161 @@
               <a:t>1</a:t>
             </a:fld>
             <a:endParaRPr lang="en-IN"/>
+          </a:p>
+        </p:txBody>
+      </p:sp>
+      <p:pic>
+        <p:nvPicPr>
+          <p:cNvPr id="3" name="Picture 2">
+            <a:extLst>
+              <a:ext uri="{FF2B5EF4-FFF2-40B4-BE49-F238E27FC236}">
+                <a16:creationId xmlns:a16="http://schemas.microsoft.com/office/drawing/2014/main" id="{DA778C6A-569F-BC1F-E0A5-2E1CF9FB15FE}"/>
+              </a:ext>
+            </a:extLst>
+          </p:cNvPr>
+          <p:cNvPicPr>
+            <a:picLocks noChangeAspect="1"/>
+          </p:cNvPicPr>
+          <p:nvPr/>
+        </p:nvPicPr>
+        <p:blipFill>
+          <a:blip r:embed="rId3"/>
+          <a:stretch>
+            <a:fillRect/>
+          </a:stretch>
+        </p:blipFill>
+        <p:spPr>
+          <a:xfrm>
+            <a:off x="9403499" y="33090"/>
+            <a:ext cx="2743583" cy="2048161"/>
+          </a:xfrm>
+          <a:prstGeom prst="rect">
+            <a:avLst/>
+          </a:prstGeom>
+        </p:spPr>
+      </p:pic>
+      <p:pic>
+        <p:nvPicPr>
+          <p:cNvPr id="13" name="Picture 12">
+            <a:extLst>
+              <a:ext uri="{FF2B5EF4-FFF2-40B4-BE49-F238E27FC236}">
+                <a16:creationId xmlns:a16="http://schemas.microsoft.com/office/drawing/2014/main" id="{3F83A055-16D8-D691-800D-6E76C5B7A962}"/>
+              </a:ext>
+            </a:extLst>
+          </p:cNvPr>
+          <p:cNvPicPr>
+            <a:picLocks noChangeAspect="1"/>
+          </p:cNvPicPr>
+          <p:nvPr/>
+        </p:nvPicPr>
+        <p:blipFill>
+          <a:blip r:embed="rId4"/>
+          <a:stretch>
+            <a:fillRect/>
+          </a:stretch>
+        </p:blipFill>
+        <p:spPr>
+          <a:xfrm>
+            <a:off x="28875" y="4143299"/>
+            <a:ext cx="1714739" cy="2162477"/>
+          </a:xfrm>
+          <a:prstGeom prst="rect">
+            <a:avLst/>
+          </a:prstGeom>
+        </p:spPr>
+      </p:pic>
+      <p:pic>
+        <p:nvPicPr>
+          <p:cNvPr id="14" name="Picture 13">
+            <a:extLst>
+              <a:ext uri="{FF2B5EF4-FFF2-40B4-BE49-F238E27FC236}">
+                <a16:creationId xmlns:a16="http://schemas.microsoft.com/office/drawing/2014/main" id="{6CFED57A-3AB0-35CB-FF7C-F65A506E4D10}"/>
+              </a:ext>
+            </a:extLst>
+          </p:cNvPr>
+          <p:cNvPicPr>
+            <a:picLocks noChangeAspect="1"/>
+          </p:cNvPicPr>
+          <p:nvPr/>
+        </p:nvPicPr>
+        <p:blipFill>
+          <a:blip r:embed="rId5"/>
+          <a:stretch>
+            <a:fillRect/>
+          </a:stretch>
+        </p:blipFill>
+        <p:spPr>
+          <a:xfrm>
+            <a:off x="3904666" y="2474990"/>
+            <a:ext cx="4768142" cy="2837626"/>
+          </a:xfrm>
+          <a:prstGeom prst="rect">
+            <a:avLst/>
+          </a:prstGeom>
+        </p:spPr>
+      </p:pic>
+      <p:sp>
+        <p:nvSpPr>
+          <p:cNvPr id="4" name="Title 3">
+            <a:extLst>
+              <a:ext uri="{FF2B5EF4-FFF2-40B4-BE49-F238E27FC236}">
+                <a16:creationId xmlns:a16="http://schemas.microsoft.com/office/drawing/2014/main" id="{60E2D90A-537F-B21B-DEC5-0AD73AC399CB}"/>
+              </a:ext>
+            </a:extLst>
+          </p:cNvPr>
+          <p:cNvSpPr>
+            <a:spLocks noGrp="1"/>
+          </p:cNvSpPr>
+          <p:nvPr>
+            <p:ph type="title" idx="4294967295"/>
+          </p:nvPr>
+        </p:nvSpPr>
+        <p:spPr>
+          <a:xfrm>
+            <a:off x="1172502" y="1545384"/>
+            <a:ext cx="9602788" cy="1047750"/>
+          </a:xfrm>
+        </p:spPr>
+        <p:txBody>
+          <a:bodyPr>
+            <a:normAutofit/>
+          </a:bodyPr>
+          <a:lstStyle/>
+          <a:p>
+            <a:pPr algn="ctr"/>
+            <a:r>
+              <a:rPr lang="en-US" sz="5400" b="1" dirty="0">
+                <a:solidFill>
+                  <a:schemeClr val="bg2">
+                    <a:lumMod val="50000"/>
+                  </a:schemeClr>
+                </a:solidFill>
+                <a:effectLst>
+                  <a:outerShdw blurRad="38100" dist="38100" dir="2700000" algn="tl">
+                    <a:srgbClr val="000000">
+                      <a:alpha val="43137"/>
+                    </a:srgbClr>
+                  </a:outerShdw>
+                </a:effectLst>
+                <a:latin typeface="Arial Black" panose="020B0A04020102020204" pitchFamily="34" charset="0"/>
+              </a:rPr>
+              <a:t>FITNESS TRACKER </a:t>
+            </a:r>
+            <a:endParaRPr lang="en-IN" sz="5400" b="1" dirty="0">
+              <a:solidFill>
+                <a:schemeClr val="bg2">
+                  <a:lumMod val="50000"/>
+                </a:schemeClr>
+              </a:solidFill>
+              <a:effectLst>
+                <a:outerShdw blurRad="38100" dist="38100" dir="2700000" algn="tl">
+                  <a:srgbClr val="000000">
+                    <a:alpha val="43137"/>
+                  </a:srgbClr>
+                </a:outerShdw>
+              </a:effectLst>
+              <a:latin typeface="Arial Black" panose="020B0A04020102020204" pitchFamily="34" charset="0"/>
+            </a:endParaRPr>
           </a:p>
         </p:txBody>
       </p:sp>
@@ -4557,6 +4626,1200 @@
       </p:grpSpPr>
       <p:sp>
         <p:nvSpPr>
+          <p:cNvPr id="3" name="TextBox 2">
+            <a:extLst>
+              <a:ext uri="{FF2B5EF4-FFF2-40B4-BE49-F238E27FC236}">
+                <a16:creationId xmlns:a16="http://schemas.microsoft.com/office/drawing/2014/main" id="{BC74DD8E-D424-9DEB-9387-86EAA1FC9C57}"/>
+              </a:ext>
+            </a:extLst>
+          </p:cNvPr>
+          <p:cNvSpPr txBox="1"/>
+          <p:nvPr/>
+        </p:nvSpPr>
+        <p:spPr>
+          <a:xfrm>
+            <a:off x="532544" y="130868"/>
+            <a:ext cx="11126912" cy="6217087"/>
+          </a:xfrm>
+          <a:prstGeom prst="rect">
+            <a:avLst/>
+          </a:prstGeom>
+          <a:noFill/>
+        </p:spPr>
+        <p:txBody>
+          <a:bodyPr wrap="square">
+            <a:spAutoFit/>
+          </a:bodyPr>
+          <a:lstStyle/>
+          <a:p>
+            <a:pPr marL="742950" lvl="1" indent="-285750" algn="l">
+              <a:buFont typeface="+mj-lt"/>
+              <a:buAutoNum type="arabicPeriod"/>
+            </a:pPr>
+            <a:endParaRPr lang="en-US" b="0" i="0" dirty="0">
+              <a:solidFill>
+                <a:srgbClr val="0D0D0D"/>
+              </a:solidFill>
+              <a:effectLst/>
+              <a:highlight>
+                <a:srgbClr val="FFFFFF"/>
+              </a:highlight>
+              <a:latin typeface="Söhne"/>
+            </a:endParaRPr>
+          </a:p>
+          <a:p>
+            <a:pPr algn="l"/>
+            <a:r>
+              <a:rPr lang="en-US" sz="2000" b="1" i="0" dirty="0">
+                <a:solidFill>
+                  <a:srgbClr val="0D0D0D"/>
+                </a:solidFill>
+                <a:effectLst/>
+                <a:highlight>
+                  <a:srgbClr val="FFFFFF"/>
+                </a:highlight>
+                <a:latin typeface="Aptos Display" panose="020B0004020202020204" pitchFamily="34" charset="0"/>
+              </a:rPr>
+              <a:t>5 . Integration with Streamlit:</a:t>
+            </a:r>
+            <a:endParaRPr lang="en-US" sz="2000" b="0" i="0" dirty="0">
+              <a:solidFill>
+                <a:srgbClr val="0D0D0D"/>
+              </a:solidFill>
+              <a:effectLst/>
+              <a:highlight>
+                <a:srgbClr val="FFFFFF"/>
+              </a:highlight>
+              <a:latin typeface="Aptos Display" panose="020B0004020202020204" pitchFamily="34" charset="0"/>
+            </a:endParaRPr>
+          </a:p>
+          <a:p>
+            <a:pPr marL="742950" lvl="1" indent="-285750" algn="l">
+              <a:buFont typeface="Arial" panose="020B0604020202020204" pitchFamily="34" charset="0"/>
+              <a:buChar char="•"/>
+            </a:pPr>
+            <a:r>
+              <a:rPr lang="en-US" sz="2000" b="0" i="0" dirty="0">
+                <a:solidFill>
+                  <a:srgbClr val="0D0D0D"/>
+                </a:solidFill>
+                <a:effectLst/>
+                <a:highlight>
+                  <a:srgbClr val="FFFFFF"/>
+                </a:highlight>
+                <a:latin typeface="Aptos Display" panose="020B0004020202020204" pitchFamily="34" charset="0"/>
+              </a:rPr>
+              <a:t>Develop a user interface using Streamlit to collect user inputs such as age group, gender, weight, height, sleep minutes, sedentary minutes, total active minutes, and total distance covered.</a:t>
+            </a:r>
+          </a:p>
+          <a:p>
+            <a:pPr marL="742950" lvl="1" indent="-285750" algn="l">
+              <a:buFont typeface="Arial" panose="020B0604020202020204" pitchFamily="34" charset="0"/>
+              <a:buChar char="•"/>
+            </a:pPr>
+            <a:r>
+              <a:rPr lang="en-US" sz="2000" b="0" i="0" dirty="0">
+                <a:solidFill>
+                  <a:srgbClr val="0D0D0D"/>
+                </a:solidFill>
+                <a:effectLst/>
+                <a:highlight>
+                  <a:srgbClr val="FFFFFF"/>
+                </a:highlight>
+                <a:latin typeface="Aptos Display" panose="020B0004020202020204" pitchFamily="34" charset="0"/>
+              </a:rPr>
+              <a:t>Pass these inputs to the trained XGBoost model to predict the step count for the user.</a:t>
+            </a:r>
+          </a:p>
+          <a:p>
+            <a:pPr lvl="1" algn="l"/>
+            <a:endParaRPr lang="en-US" sz="2000" b="0" i="0" dirty="0">
+              <a:solidFill>
+                <a:srgbClr val="0D0D0D"/>
+              </a:solidFill>
+              <a:effectLst/>
+              <a:highlight>
+                <a:srgbClr val="FFFFFF"/>
+              </a:highlight>
+              <a:latin typeface="Aptos Display" panose="020B0004020202020204" pitchFamily="34" charset="0"/>
+            </a:endParaRPr>
+          </a:p>
+          <a:p>
+            <a:pPr algn="l"/>
+            <a:r>
+              <a:rPr lang="en-US" sz="2000" b="1" i="0" dirty="0">
+                <a:solidFill>
+                  <a:srgbClr val="0D0D0D"/>
+                </a:solidFill>
+                <a:effectLst/>
+                <a:highlight>
+                  <a:srgbClr val="FFFFFF"/>
+                </a:highlight>
+                <a:latin typeface="Aptos Display" panose="020B0004020202020204" pitchFamily="34" charset="0"/>
+              </a:rPr>
+              <a:t>6. Frontend Design:</a:t>
+            </a:r>
+            <a:endParaRPr lang="en-US" sz="2000" b="0" i="0" dirty="0">
+              <a:solidFill>
+                <a:srgbClr val="0D0D0D"/>
+              </a:solidFill>
+              <a:effectLst/>
+              <a:highlight>
+                <a:srgbClr val="FFFFFF"/>
+              </a:highlight>
+              <a:latin typeface="Aptos Display" panose="020B0004020202020204" pitchFamily="34" charset="0"/>
+            </a:endParaRPr>
+          </a:p>
+          <a:p>
+            <a:pPr marL="742950" lvl="1" indent="-285750" algn="l">
+              <a:buFont typeface="Arial" panose="020B0604020202020204" pitchFamily="34" charset="0"/>
+              <a:buChar char="•"/>
+            </a:pPr>
+            <a:r>
+              <a:rPr lang="en-US" sz="2000" b="0" i="0" dirty="0">
+                <a:solidFill>
+                  <a:srgbClr val="0D0D0D"/>
+                </a:solidFill>
+                <a:effectLst/>
+                <a:highlight>
+                  <a:srgbClr val="FFFFFF"/>
+                </a:highlight>
+                <a:latin typeface="Aptos Display" panose="020B0004020202020204" pitchFamily="34" charset="0"/>
+              </a:rPr>
+              <a:t>Design an intuitive and user-friendly frontend interface using Streamlit, ensuring smooth navigation and a visually appealing layout.</a:t>
+            </a:r>
+          </a:p>
+          <a:p>
+            <a:pPr marL="742950" lvl="1" indent="-285750" algn="l">
+              <a:buFont typeface="Arial" panose="020B0604020202020204" pitchFamily="34" charset="0"/>
+              <a:buChar char="•"/>
+            </a:pPr>
+            <a:r>
+              <a:rPr lang="en-US" sz="2000" b="0" i="0" dirty="0">
+                <a:solidFill>
+                  <a:srgbClr val="0D0D0D"/>
+                </a:solidFill>
+                <a:effectLst/>
+                <a:highlight>
+                  <a:srgbClr val="FFFFFF"/>
+                </a:highlight>
+                <a:latin typeface="Aptos Display" panose="020B0004020202020204" pitchFamily="34" charset="0"/>
+              </a:rPr>
+              <a:t>Include features for input validation and error handling to enhance user experience.</a:t>
+            </a:r>
+          </a:p>
+          <a:p>
+            <a:pPr marL="742950" lvl="1" indent="-285750" algn="l">
+              <a:buFont typeface="Arial" panose="020B0604020202020204" pitchFamily="34" charset="0"/>
+              <a:buChar char="•"/>
+            </a:pPr>
+            <a:endParaRPr lang="en-US" sz="2000" b="0" i="0" dirty="0">
+              <a:solidFill>
+                <a:srgbClr val="0D0D0D"/>
+              </a:solidFill>
+              <a:effectLst/>
+              <a:highlight>
+                <a:srgbClr val="FFFFFF"/>
+              </a:highlight>
+              <a:latin typeface="Aptos Display" panose="020B0004020202020204" pitchFamily="34" charset="0"/>
+            </a:endParaRPr>
+          </a:p>
+          <a:p>
+            <a:pPr algn="l"/>
+            <a:r>
+              <a:rPr lang="en-US" sz="2000" b="1" i="0" dirty="0">
+                <a:solidFill>
+                  <a:srgbClr val="0D0D0D"/>
+                </a:solidFill>
+                <a:effectLst/>
+                <a:highlight>
+                  <a:srgbClr val="FFFFFF"/>
+                </a:highlight>
+                <a:latin typeface="Aptos Display" panose="020B0004020202020204" pitchFamily="34" charset="0"/>
+              </a:rPr>
+              <a:t>7. Deployment:</a:t>
+            </a:r>
+            <a:endParaRPr lang="en-US" sz="2000" b="0" i="0" dirty="0">
+              <a:solidFill>
+                <a:srgbClr val="0D0D0D"/>
+              </a:solidFill>
+              <a:effectLst/>
+              <a:highlight>
+                <a:srgbClr val="FFFFFF"/>
+              </a:highlight>
+              <a:latin typeface="Aptos Display" panose="020B0004020202020204" pitchFamily="34" charset="0"/>
+            </a:endParaRPr>
+          </a:p>
+          <a:p>
+            <a:pPr marL="742950" lvl="1" indent="-285750" algn="l">
+              <a:buFont typeface="Arial" panose="020B0604020202020204" pitchFamily="34" charset="0"/>
+              <a:buChar char="•"/>
+            </a:pPr>
+            <a:r>
+              <a:rPr lang="en-US" sz="2000" b="0" i="0" dirty="0">
+                <a:solidFill>
+                  <a:srgbClr val="0D0D0D"/>
+                </a:solidFill>
+                <a:effectLst/>
+                <a:highlight>
+                  <a:srgbClr val="FFFFFF"/>
+                </a:highlight>
+                <a:latin typeface="Aptos Display" panose="020B0004020202020204" pitchFamily="34" charset="0"/>
+              </a:rPr>
+              <a:t>Deploy the Streamlit application along with the trained XGBoost model on a server or cloud platform to make it accessible to users.</a:t>
+            </a:r>
+          </a:p>
+          <a:p>
+            <a:pPr marL="742950" lvl="1" indent="-285750" algn="l">
+              <a:buFont typeface="Arial" panose="020B0604020202020204" pitchFamily="34" charset="0"/>
+              <a:buChar char="•"/>
+            </a:pPr>
+            <a:r>
+              <a:rPr lang="en-US" sz="2000" b="0" i="0" dirty="0">
+                <a:solidFill>
+                  <a:srgbClr val="0D0D0D"/>
+                </a:solidFill>
+                <a:effectLst/>
+                <a:highlight>
+                  <a:srgbClr val="FFFFFF"/>
+                </a:highlight>
+                <a:latin typeface="Aptos Display" panose="020B0004020202020204" pitchFamily="34" charset="0"/>
+              </a:rPr>
+              <a:t>Ensure scalability and reliability of the deployed application to handle potential user traffic.</a:t>
+            </a:r>
+          </a:p>
+          <a:p>
+            <a:pPr marL="742950" lvl="1" indent="-285750" algn="l">
+              <a:buFont typeface="Arial" panose="020B0604020202020204" pitchFamily="34" charset="0"/>
+              <a:buChar char="•"/>
+            </a:pPr>
+            <a:endParaRPr lang="en-US" sz="2000" b="0" i="0" dirty="0">
+              <a:solidFill>
+                <a:srgbClr val="0D0D0D"/>
+              </a:solidFill>
+              <a:effectLst/>
+              <a:highlight>
+                <a:srgbClr val="FFFFFF"/>
+              </a:highlight>
+              <a:latin typeface="Aptos Display" panose="020B0004020202020204" pitchFamily="34" charset="0"/>
+            </a:endParaRPr>
+          </a:p>
+          <a:p>
+            <a:pPr algn="l"/>
+            <a:r>
+              <a:rPr lang="en-US" sz="2000" b="1" i="0" dirty="0">
+                <a:solidFill>
+                  <a:srgbClr val="0D0D0D"/>
+                </a:solidFill>
+                <a:effectLst/>
+                <a:highlight>
+                  <a:srgbClr val="FFFFFF"/>
+                </a:highlight>
+                <a:latin typeface="Aptos Display" panose="020B0004020202020204" pitchFamily="34" charset="0"/>
+              </a:rPr>
+              <a:t>8. Testing and Iteration:</a:t>
+            </a:r>
+            <a:endParaRPr lang="en-US" sz="2000" b="0" i="0" dirty="0">
+              <a:solidFill>
+                <a:srgbClr val="0D0D0D"/>
+              </a:solidFill>
+              <a:effectLst/>
+              <a:highlight>
+                <a:srgbClr val="FFFFFF"/>
+              </a:highlight>
+              <a:latin typeface="Aptos Display" panose="020B0004020202020204" pitchFamily="34" charset="0"/>
+            </a:endParaRPr>
+          </a:p>
+          <a:p>
+            <a:pPr marL="742950" lvl="1" indent="-285750" algn="l">
+              <a:buFont typeface="Arial" panose="020B0604020202020204" pitchFamily="34" charset="0"/>
+              <a:buChar char="•"/>
+            </a:pPr>
+            <a:r>
+              <a:rPr lang="en-US" sz="2000" b="0" i="0" dirty="0">
+                <a:solidFill>
+                  <a:srgbClr val="0D0D0D"/>
+                </a:solidFill>
+                <a:effectLst/>
+                <a:highlight>
+                  <a:srgbClr val="FFFFFF"/>
+                </a:highlight>
+                <a:latin typeface="Aptos Display" panose="020B0004020202020204" pitchFamily="34" charset="0"/>
+              </a:rPr>
+              <a:t>Conduct thorough testing of the integrated system to identify any bugs or issues.</a:t>
+            </a:r>
+          </a:p>
+          <a:p>
+            <a:pPr marL="742950" lvl="1" indent="-285750" algn="l">
+              <a:buFont typeface="Arial" panose="020B0604020202020204" pitchFamily="34" charset="0"/>
+              <a:buChar char="•"/>
+            </a:pPr>
+            <a:r>
+              <a:rPr lang="en-US" sz="2000" b="0" i="0" dirty="0">
+                <a:solidFill>
+                  <a:srgbClr val="0D0D0D"/>
+                </a:solidFill>
+                <a:effectLst/>
+                <a:highlight>
+                  <a:srgbClr val="FFFFFF"/>
+                </a:highlight>
+                <a:latin typeface="Aptos Display" panose="020B0004020202020204" pitchFamily="34" charset="0"/>
+              </a:rPr>
+              <a:t>Gather feedback from users to understand their experience and make necessary iterations to improve the application's functionality and usability.</a:t>
+            </a:r>
+          </a:p>
+        </p:txBody>
+      </p:sp>
+      <p:pic>
+        <p:nvPicPr>
+          <p:cNvPr id="4" name="Picture 3">
+            <a:extLst>
+              <a:ext uri="{FF2B5EF4-FFF2-40B4-BE49-F238E27FC236}">
+                <a16:creationId xmlns:a16="http://schemas.microsoft.com/office/drawing/2014/main" id="{9C2E400A-581B-1C04-5A55-4094E138B3A1}"/>
+              </a:ext>
+            </a:extLst>
+          </p:cNvPr>
+          <p:cNvPicPr>
+            <a:picLocks noChangeAspect="1"/>
+          </p:cNvPicPr>
+          <p:nvPr/>
+        </p:nvPicPr>
+        <p:blipFill>
+          <a:blip r:embed="rId2"/>
+          <a:stretch>
+            <a:fillRect/>
+          </a:stretch>
+        </p:blipFill>
+        <p:spPr>
+          <a:xfrm>
+            <a:off x="10799545" y="130868"/>
+            <a:ext cx="1026752" cy="611043"/>
+          </a:xfrm>
+          <a:prstGeom prst="rect">
+            <a:avLst/>
+          </a:prstGeom>
+        </p:spPr>
+      </p:pic>
+      <p:sp>
+        <p:nvSpPr>
+          <p:cNvPr id="5" name="Slide Number Placeholder 4">
+            <a:extLst>
+              <a:ext uri="{FF2B5EF4-FFF2-40B4-BE49-F238E27FC236}">
+                <a16:creationId xmlns:a16="http://schemas.microsoft.com/office/drawing/2014/main" id="{32CF112E-C685-0DCD-A271-D01432AEDC8F}"/>
+              </a:ext>
+            </a:extLst>
+          </p:cNvPr>
+          <p:cNvSpPr>
+            <a:spLocks noGrp="1"/>
+          </p:cNvSpPr>
+          <p:nvPr>
+            <p:ph type="sldNum" sz="quarter" idx="12"/>
+          </p:nvPr>
+        </p:nvSpPr>
+        <p:spPr/>
+        <p:txBody>
+          <a:bodyPr/>
+          <a:lstStyle/>
+          <a:p>
+            <a:fld id="{762A593B-48AA-4375-A704-2049C4AF33B6}" type="slidenum">
+              <a:rPr lang="en-IN" smtClean="0"/>
+              <a:t>10</a:t>
+            </a:fld>
+            <a:endParaRPr lang="en-IN"/>
+          </a:p>
+        </p:txBody>
+      </p:sp>
+    </p:spTree>
+    <p:extLst>
+      <p:ext uri="{BB962C8B-B14F-4D97-AF65-F5344CB8AC3E}">
+        <p14:creationId xmlns:p14="http://schemas.microsoft.com/office/powerpoint/2010/main" val="1954770952"/>
+      </p:ext>
+    </p:extLst>
+  </p:cSld>
+  <p:clrMapOvr>
+    <a:masterClrMapping/>
+  </p:clrMapOvr>
+</p:sld>
+</file>
+
+<file path=ppt/slides/slide11.xml><?xml version="1.0" encoding="utf-8"?>
+<p:sld xmlns:a="http://schemas.openxmlformats.org/drawingml/2006/main" xmlns:r="http://schemas.openxmlformats.org/officeDocument/2006/relationships" xmlns:p="http://schemas.openxmlformats.org/presentationml/2006/main">
+  <p:cSld>
+    <p:spTree>
+      <p:nvGrpSpPr>
+        <p:cNvPr id="1" name=""/>
+        <p:cNvGrpSpPr/>
+        <p:nvPr/>
+      </p:nvGrpSpPr>
+      <p:grpSpPr>
+        <a:xfrm>
+          <a:off x="0" y="0"/>
+          <a:ext cx="0" cy="0"/>
+          <a:chOff x="0" y="0"/>
+          <a:chExt cx="0" cy="0"/>
+        </a:xfrm>
+      </p:grpSpPr>
+      <p:pic>
+        <p:nvPicPr>
+          <p:cNvPr id="3" name="Picture 2">
+            <a:extLst>
+              <a:ext uri="{FF2B5EF4-FFF2-40B4-BE49-F238E27FC236}">
+                <a16:creationId xmlns:a16="http://schemas.microsoft.com/office/drawing/2014/main" id="{EEE00361-364C-9D8D-4433-BF82657337D3}"/>
+              </a:ext>
+            </a:extLst>
+          </p:cNvPr>
+          <p:cNvPicPr>
+            <a:picLocks noChangeAspect="1"/>
+          </p:cNvPicPr>
+          <p:nvPr/>
+        </p:nvPicPr>
+        <p:blipFill>
+          <a:blip r:embed="rId2"/>
+          <a:stretch>
+            <a:fillRect/>
+          </a:stretch>
+        </p:blipFill>
+        <p:spPr>
+          <a:xfrm>
+            <a:off x="1680518" y="396248"/>
+            <a:ext cx="8522262" cy="5055579"/>
+          </a:xfrm>
+          <a:prstGeom prst="rect">
+            <a:avLst/>
+          </a:prstGeom>
+        </p:spPr>
+      </p:pic>
+      <p:sp>
+        <p:nvSpPr>
+          <p:cNvPr id="4" name="TextBox 3">
+            <a:extLst>
+              <a:ext uri="{FF2B5EF4-FFF2-40B4-BE49-F238E27FC236}">
+                <a16:creationId xmlns:a16="http://schemas.microsoft.com/office/drawing/2014/main" id="{9AB045ED-602C-0950-7707-23A64A7194DC}"/>
+              </a:ext>
+            </a:extLst>
+          </p:cNvPr>
+          <p:cNvSpPr txBox="1"/>
+          <p:nvPr/>
+        </p:nvSpPr>
+        <p:spPr>
+          <a:xfrm>
+            <a:off x="1578543" y="5794408"/>
+            <a:ext cx="7964103" cy="369332"/>
+          </a:xfrm>
+          <a:prstGeom prst="rect">
+            <a:avLst/>
+          </a:prstGeom>
+          <a:noFill/>
+        </p:spPr>
+        <p:txBody>
+          <a:bodyPr wrap="none" rtlCol="0">
+            <a:spAutoFit/>
+          </a:bodyPr>
+          <a:lstStyle/>
+          <a:p>
+            <a:r>
+              <a:rPr lang="en-US" b="1" dirty="0"/>
+              <a:t>Streamlit Link </a:t>
+            </a:r>
+            <a:r>
+              <a:rPr lang="en-US" dirty="0"/>
+              <a:t>:  </a:t>
+            </a:r>
+            <a:r>
+              <a:rPr lang="en-US" u="sng" dirty="0">
+                <a:solidFill>
+                  <a:srgbClr val="0070C0"/>
+                </a:solidFill>
+              </a:rPr>
+              <a:t>https://mrudulaapscifor-6wofqwzdrwd7ybsf2djvph.streamlit.app/ </a:t>
+            </a:r>
+            <a:endParaRPr lang="en-IN" u="sng" dirty="0">
+              <a:solidFill>
+                <a:srgbClr val="0070C0"/>
+              </a:solidFill>
+            </a:endParaRPr>
+          </a:p>
+        </p:txBody>
+      </p:sp>
+      <p:sp>
+        <p:nvSpPr>
+          <p:cNvPr id="5" name="Slide Number Placeholder 4">
+            <a:extLst>
+              <a:ext uri="{FF2B5EF4-FFF2-40B4-BE49-F238E27FC236}">
+                <a16:creationId xmlns:a16="http://schemas.microsoft.com/office/drawing/2014/main" id="{430D8362-DF44-89D1-CFCA-2C0241F3A1E5}"/>
+              </a:ext>
+            </a:extLst>
+          </p:cNvPr>
+          <p:cNvSpPr>
+            <a:spLocks noGrp="1"/>
+          </p:cNvSpPr>
+          <p:nvPr>
+            <p:ph type="sldNum" sz="quarter" idx="12"/>
+          </p:nvPr>
+        </p:nvSpPr>
+        <p:spPr/>
+        <p:txBody>
+          <a:bodyPr/>
+          <a:lstStyle/>
+          <a:p>
+            <a:fld id="{762A593B-48AA-4375-A704-2049C4AF33B6}" type="slidenum">
+              <a:rPr lang="en-IN" smtClean="0"/>
+              <a:t>11</a:t>
+            </a:fld>
+            <a:endParaRPr lang="en-IN"/>
+          </a:p>
+        </p:txBody>
+      </p:sp>
+    </p:spTree>
+    <p:extLst>
+      <p:ext uri="{BB962C8B-B14F-4D97-AF65-F5344CB8AC3E}">
+        <p14:creationId xmlns:p14="http://schemas.microsoft.com/office/powerpoint/2010/main" val="2312934239"/>
+      </p:ext>
+    </p:extLst>
+  </p:cSld>
+  <p:clrMapOvr>
+    <a:masterClrMapping/>
+  </p:clrMapOvr>
+</p:sld>
+</file>
+
+<file path=ppt/slides/slide12.xml><?xml version="1.0" encoding="utf-8"?>
+<p:sld xmlns:a="http://schemas.openxmlformats.org/drawingml/2006/main" xmlns:r="http://schemas.openxmlformats.org/officeDocument/2006/relationships" xmlns:p="http://schemas.openxmlformats.org/presentationml/2006/main">
+  <p:cSld>
+    <p:spTree>
+      <p:nvGrpSpPr>
+        <p:cNvPr id="1" name=""/>
+        <p:cNvGrpSpPr/>
+        <p:nvPr/>
+      </p:nvGrpSpPr>
+      <p:grpSpPr>
+        <a:xfrm>
+          <a:off x="0" y="0"/>
+          <a:ext cx="0" cy="0"/>
+          <a:chOff x="0" y="0"/>
+          <a:chExt cx="0" cy="0"/>
+        </a:xfrm>
+      </p:grpSpPr>
+      <p:sp>
+        <p:nvSpPr>
+          <p:cNvPr id="2" name="Rectangle 1">
+            <a:extLst>
+              <a:ext uri="{FF2B5EF4-FFF2-40B4-BE49-F238E27FC236}">
+                <a16:creationId xmlns:a16="http://schemas.microsoft.com/office/drawing/2014/main" id="{BE831F22-835A-0C56-C438-BA6AECA54F71}"/>
+              </a:ext>
+            </a:extLst>
+          </p:cNvPr>
+          <p:cNvSpPr/>
+          <p:nvPr/>
+        </p:nvSpPr>
+        <p:spPr>
+          <a:xfrm>
+            <a:off x="638729" y="591302"/>
+            <a:ext cx="2347437" cy="523220"/>
+          </a:xfrm>
+          <a:prstGeom prst="rect">
+            <a:avLst/>
+          </a:prstGeom>
+          <a:noFill/>
+        </p:spPr>
+        <p:txBody>
+          <a:bodyPr wrap="none" lIns="91440" tIns="45720" rIns="91440" bIns="45720">
+            <a:spAutoFit/>
+          </a:bodyPr>
+          <a:lstStyle/>
+          <a:p>
+            <a:pPr algn="ctr"/>
+            <a:r>
+              <a:rPr lang="en-US" sz="2800" dirty="0">
+                <a:ln w="0"/>
+                <a:effectLst>
+                  <a:outerShdw blurRad="38100" dist="19050" dir="2700000" algn="tl" rotWithShape="0">
+                    <a:schemeClr val="dk1">
+                      <a:alpha val="40000"/>
+                    </a:schemeClr>
+                  </a:outerShdw>
+                </a:effectLst>
+                <a:latin typeface="Arial Black" panose="020B0A04020102020204" pitchFamily="34" charset="0"/>
+              </a:rPr>
+              <a:t>Conclusion</a:t>
+            </a:r>
+            <a:endParaRPr lang="en-US" sz="2800" b="0" cap="none" spc="0" dirty="0">
+              <a:ln w="0"/>
+              <a:solidFill>
+                <a:schemeClr val="tx1"/>
+              </a:solidFill>
+              <a:effectLst>
+                <a:outerShdw blurRad="38100" dist="19050" dir="2700000" algn="tl" rotWithShape="0">
+                  <a:schemeClr val="dk1">
+                    <a:alpha val="40000"/>
+                  </a:schemeClr>
+                </a:outerShdw>
+              </a:effectLst>
+              <a:latin typeface="Arial Black" panose="020B0A04020102020204" pitchFamily="34" charset="0"/>
+            </a:endParaRPr>
+          </a:p>
+        </p:txBody>
+      </p:sp>
+      <p:sp>
+        <p:nvSpPr>
+          <p:cNvPr id="6" name="TextBox 5">
+            <a:extLst>
+              <a:ext uri="{FF2B5EF4-FFF2-40B4-BE49-F238E27FC236}">
+                <a16:creationId xmlns:a16="http://schemas.microsoft.com/office/drawing/2014/main" id="{BADDB024-ABD3-9F96-BB8C-4135DC29E047}"/>
+              </a:ext>
+            </a:extLst>
+          </p:cNvPr>
+          <p:cNvSpPr txBox="1"/>
+          <p:nvPr/>
+        </p:nvSpPr>
+        <p:spPr>
+          <a:xfrm>
+            <a:off x="510138" y="1230224"/>
+            <a:ext cx="10385659" cy="4664610"/>
+          </a:xfrm>
+          <a:prstGeom prst="rect">
+            <a:avLst/>
+          </a:prstGeom>
+          <a:noFill/>
+        </p:spPr>
+        <p:txBody>
+          <a:bodyPr wrap="square">
+            <a:spAutoFit/>
+          </a:bodyPr>
+          <a:lstStyle/>
+          <a:p>
+            <a:pPr marL="285750" indent="-285750" algn="just">
+              <a:lnSpc>
+                <a:spcPct val="150000"/>
+              </a:lnSpc>
+              <a:buFont typeface="Arial" panose="020B0604020202020204" pitchFamily="34" charset="0"/>
+              <a:buChar char="•"/>
+            </a:pPr>
+            <a:r>
+              <a:rPr lang="en-US" sz="2000" dirty="0">
+                <a:solidFill>
+                  <a:srgbClr val="0D0D0D"/>
+                </a:solidFill>
+                <a:highlight>
+                  <a:srgbClr val="FFFFFF"/>
+                </a:highlight>
+                <a:latin typeface="Aptos Display" panose="020B0004020202020204" pitchFamily="34" charset="0"/>
+              </a:rPr>
+              <a:t>T</a:t>
+            </a:r>
+            <a:r>
+              <a:rPr lang="en-US" sz="2000" b="0" i="0" dirty="0">
+                <a:solidFill>
+                  <a:srgbClr val="0D0D0D"/>
+                </a:solidFill>
+                <a:effectLst/>
+                <a:highlight>
+                  <a:srgbClr val="FFFFFF"/>
+                </a:highlight>
+                <a:latin typeface="Aptos Display" panose="020B0004020202020204" pitchFamily="34" charset="0"/>
+              </a:rPr>
+              <a:t>he fitness tracker app using machine learning algorithms offers a data-driven approach to personalized fitness tracking and exercise recommendations. </a:t>
+            </a:r>
+          </a:p>
+          <a:p>
+            <a:pPr marL="285750" indent="-285750" algn="just">
+              <a:lnSpc>
+                <a:spcPct val="150000"/>
+              </a:lnSpc>
+              <a:buFont typeface="Arial" panose="020B0604020202020204" pitchFamily="34" charset="0"/>
+              <a:buChar char="•"/>
+            </a:pPr>
+            <a:endParaRPr lang="en-US" sz="2000" b="0" i="0" dirty="0">
+              <a:solidFill>
+                <a:srgbClr val="0D0D0D"/>
+              </a:solidFill>
+              <a:effectLst/>
+              <a:highlight>
+                <a:srgbClr val="FFFFFF"/>
+              </a:highlight>
+              <a:latin typeface="Aptos Display" panose="020B0004020202020204" pitchFamily="34" charset="0"/>
+            </a:endParaRPr>
+          </a:p>
+          <a:p>
+            <a:pPr marL="285750" indent="-285750" algn="just">
+              <a:lnSpc>
+                <a:spcPct val="150000"/>
+              </a:lnSpc>
+              <a:buFont typeface="Arial" panose="020B0604020202020204" pitchFamily="34" charset="0"/>
+              <a:buChar char="•"/>
+            </a:pPr>
+            <a:r>
+              <a:rPr lang="en-US" sz="2000" b="0" i="0" dirty="0">
+                <a:solidFill>
+                  <a:srgbClr val="0D0D0D"/>
+                </a:solidFill>
+                <a:effectLst/>
+                <a:highlight>
+                  <a:srgbClr val="FFFFFF"/>
+                </a:highlight>
+                <a:latin typeface="Aptos Display" panose="020B0004020202020204" pitchFamily="34" charset="0"/>
+              </a:rPr>
+              <a:t>By analyzing user data collected from Fitbit devices and employing machine learning models, the app aims to enhance user experience and support users in achieving their fitness goals more effectively. </a:t>
+            </a:r>
+          </a:p>
+          <a:p>
+            <a:pPr marL="285750" indent="-285750" algn="just">
+              <a:lnSpc>
+                <a:spcPct val="150000"/>
+              </a:lnSpc>
+              <a:buFont typeface="Arial" panose="020B0604020202020204" pitchFamily="34" charset="0"/>
+              <a:buChar char="•"/>
+            </a:pPr>
+            <a:endParaRPr lang="en-US" sz="2000" b="0" i="0" dirty="0">
+              <a:solidFill>
+                <a:srgbClr val="0D0D0D"/>
+              </a:solidFill>
+              <a:effectLst/>
+              <a:highlight>
+                <a:srgbClr val="FFFFFF"/>
+              </a:highlight>
+              <a:latin typeface="Aptos Display" panose="020B0004020202020204" pitchFamily="34" charset="0"/>
+            </a:endParaRPr>
+          </a:p>
+          <a:p>
+            <a:pPr marL="285750" indent="-285750" algn="just">
+              <a:lnSpc>
+                <a:spcPct val="150000"/>
+              </a:lnSpc>
+              <a:buFont typeface="Arial" panose="020B0604020202020204" pitchFamily="34" charset="0"/>
+              <a:buChar char="•"/>
+            </a:pPr>
+            <a:r>
+              <a:rPr lang="en-US" sz="2000" b="0" i="0" dirty="0">
+                <a:solidFill>
+                  <a:srgbClr val="0D0D0D"/>
+                </a:solidFill>
+                <a:effectLst/>
+                <a:highlight>
+                  <a:srgbClr val="FFFFFF"/>
+                </a:highlight>
+                <a:latin typeface="Aptos Display" panose="020B0004020202020204" pitchFamily="34" charset="0"/>
+              </a:rPr>
+              <a:t>Through data collection, preprocessing, exploratory data analysis, feature engineering, model development, evaluation, and personalized exercise recommendations, the app provides valuable insights and guidance to individuals on their fitness journey.</a:t>
+            </a:r>
+            <a:endParaRPr lang="en-IN" sz="2000" dirty="0">
+              <a:latin typeface="Aptos Display" panose="020B0004020202020204" pitchFamily="34" charset="0"/>
+            </a:endParaRPr>
+          </a:p>
+        </p:txBody>
+      </p:sp>
+      <p:pic>
+        <p:nvPicPr>
+          <p:cNvPr id="7" name="Picture 6">
+            <a:extLst>
+              <a:ext uri="{FF2B5EF4-FFF2-40B4-BE49-F238E27FC236}">
+                <a16:creationId xmlns:a16="http://schemas.microsoft.com/office/drawing/2014/main" id="{82D2C362-5209-1E6D-A1CE-BD11A9813197}"/>
+              </a:ext>
+            </a:extLst>
+          </p:cNvPr>
+          <p:cNvPicPr>
+            <a:picLocks noChangeAspect="1"/>
+          </p:cNvPicPr>
+          <p:nvPr/>
+        </p:nvPicPr>
+        <p:blipFill>
+          <a:blip r:embed="rId2"/>
+          <a:stretch>
+            <a:fillRect/>
+          </a:stretch>
+        </p:blipFill>
+        <p:spPr>
+          <a:xfrm>
+            <a:off x="10305019" y="224793"/>
+            <a:ext cx="1502028" cy="893890"/>
+          </a:xfrm>
+          <a:prstGeom prst="rect">
+            <a:avLst/>
+          </a:prstGeom>
+        </p:spPr>
+      </p:pic>
+      <p:sp>
+        <p:nvSpPr>
+          <p:cNvPr id="8" name="Slide Number Placeholder 7">
+            <a:extLst>
+              <a:ext uri="{FF2B5EF4-FFF2-40B4-BE49-F238E27FC236}">
+                <a16:creationId xmlns:a16="http://schemas.microsoft.com/office/drawing/2014/main" id="{C787574F-927C-C4E4-0D24-55742A8B5976}"/>
+              </a:ext>
+            </a:extLst>
+          </p:cNvPr>
+          <p:cNvSpPr>
+            <a:spLocks noGrp="1"/>
+          </p:cNvSpPr>
+          <p:nvPr>
+            <p:ph type="sldNum" sz="quarter" idx="12"/>
+          </p:nvPr>
+        </p:nvSpPr>
+        <p:spPr/>
+        <p:txBody>
+          <a:bodyPr/>
+          <a:lstStyle/>
+          <a:p>
+            <a:fld id="{762A593B-48AA-4375-A704-2049C4AF33B6}" type="slidenum">
+              <a:rPr lang="en-IN" smtClean="0"/>
+              <a:t>12</a:t>
+            </a:fld>
+            <a:endParaRPr lang="en-IN"/>
+          </a:p>
+        </p:txBody>
+      </p:sp>
+    </p:spTree>
+    <p:extLst>
+      <p:ext uri="{BB962C8B-B14F-4D97-AF65-F5344CB8AC3E}">
+        <p14:creationId xmlns:p14="http://schemas.microsoft.com/office/powerpoint/2010/main" val="4180310219"/>
+      </p:ext>
+    </p:extLst>
+  </p:cSld>
+  <p:clrMapOvr>
+    <a:masterClrMapping/>
+  </p:clrMapOvr>
+</p:sld>
+</file>
+
+<file path=ppt/slides/slide13.xml><?xml version="1.0" encoding="utf-8"?>
+<p:sld xmlns:a="http://schemas.openxmlformats.org/drawingml/2006/main" xmlns:r="http://schemas.openxmlformats.org/officeDocument/2006/relationships" xmlns:p="http://schemas.openxmlformats.org/presentationml/2006/main">
+  <p:cSld>
+    <p:spTree>
+      <p:nvGrpSpPr>
+        <p:cNvPr id="1" name=""/>
+        <p:cNvGrpSpPr/>
+        <p:nvPr/>
+      </p:nvGrpSpPr>
+      <p:grpSpPr>
+        <a:xfrm>
+          <a:off x="0" y="0"/>
+          <a:ext cx="0" cy="0"/>
+          <a:chOff x="0" y="0"/>
+          <a:chExt cx="0" cy="0"/>
+        </a:xfrm>
+      </p:grpSpPr>
+      <p:sp>
+        <p:nvSpPr>
+          <p:cNvPr id="3" name="TextBox 2">
+            <a:extLst>
+              <a:ext uri="{FF2B5EF4-FFF2-40B4-BE49-F238E27FC236}">
+                <a16:creationId xmlns:a16="http://schemas.microsoft.com/office/drawing/2014/main" id="{3B6E8776-52CF-D015-5DEA-578B6065A36C}"/>
+              </a:ext>
+            </a:extLst>
+          </p:cNvPr>
+          <p:cNvSpPr txBox="1"/>
+          <p:nvPr/>
+        </p:nvSpPr>
+        <p:spPr>
+          <a:xfrm>
+            <a:off x="368967" y="1287999"/>
+            <a:ext cx="11146055" cy="4401205"/>
+          </a:xfrm>
+          <a:prstGeom prst="rect">
+            <a:avLst/>
+          </a:prstGeom>
+          <a:noFill/>
+        </p:spPr>
+        <p:txBody>
+          <a:bodyPr wrap="square">
+            <a:spAutoFit/>
+          </a:bodyPr>
+          <a:lstStyle/>
+          <a:p>
+            <a:pPr algn="just"/>
+            <a:r>
+              <a:rPr lang="en-US" sz="2000" b="0" i="0" dirty="0">
+                <a:solidFill>
+                  <a:srgbClr val="0D0D0D"/>
+                </a:solidFill>
+                <a:effectLst/>
+                <a:highlight>
+                  <a:srgbClr val="FFFFFF"/>
+                </a:highlight>
+                <a:latin typeface="Aptos Display" panose="020B0004020202020204" pitchFamily="34" charset="0"/>
+              </a:rPr>
+              <a:t>While the current project aims to develop a robust fitness tracker application using machine learning techniques, there are several avenues for future enhancements and expansions:</a:t>
+            </a:r>
+          </a:p>
+          <a:p>
+            <a:pPr algn="just"/>
+            <a:endParaRPr lang="en-US" sz="2000" b="0" i="0" dirty="0">
+              <a:solidFill>
+                <a:srgbClr val="0D0D0D"/>
+              </a:solidFill>
+              <a:effectLst/>
+              <a:highlight>
+                <a:srgbClr val="FFFFFF"/>
+              </a:highlight>
+              <a:latin typeface="Aptos Display" panose="020B0004020202020204" pitchFamily="34" charset="0"/>
+            </a:endParaRPr>
+          </a:p>
+          <a:p>
+            <a:pPr algn="just">
+              <a:buFont typeface="+mj-lt"/>
+              <a:buAutoNum type="arabicPeriod"/>
+            </a:pPr>
+            <a:r>
+              <a:rPr lang="en-US" sz="2000" b="1" i="0" dirty="0">
+                <a:solidFill>
+                  <a:srgbClr val="0D0D0D"/>
+                </a:solidFill>
+                <a:effectLst/>
+                <a:highlight>
+                  <a:srgbClr val="FFFFFF"/>
+                </a:highlight>
+                <a:latin typeface="Aptos Display" panose="020B0004020202020204" pitchFamily="34" charset="0"/>
+              </a:rPr>
+              <a:t>Integration with More Wearable Devices:</a:t>
+            </a:r>
+            <a:r>
+              <a:rPr lang="en-US" sz="2000" b="0" i="0" dirty="0">
+                <a:solidFill>
+                  <a:srgbClr val="0D0D0D"/>
+                </a:solidFill>
+                <a:effectLst/>
+                <a:highlight>
+                  <a:srgbClr val="FFFFFF"/>
+                </a:highlight>
+                <a:latin typeface="Aptos Display" panose="020B0004020202020204" pitchFamily="34" charset="0"/>
+              </a:rPr>
+              <a:t> Expand the compatibility of the application to integrate with a wider range of wearable devices like smart clothing or biometric sensors beyond Fitbit. </a:t>
+            </a:r>
+          </a:p>
+          <a:p>
+            <a:pPr marL="457200" indent="-457200" algn="just">
+              <a:buFont typeface="+mj-lt"/>
+              <a:buAutoNum type="arabicPeriod"/>
+            </a:pPr>
+            <a:endParaRPr lang="en-US" sz="2000" b="0" i="0" dirty="0">
+              <a:solidFill>
+                <a:srgbClr val="0D0D0D"/>
+              </a:solidFill>
+              <a:effectLst/>
+              <a:highlight>
+                <a:srgbClr val="FFFFFF"/>
+              </a:highlight>
+              <a:latin typeface="Aptos Display" panose="020B0004020202020204" pitchFamily="34" charset="0"/>
+            </a:endParaRPr>
+          </a:p>
+          <a:p>
+            <a:pPr algn="just">
+              <a:buFont typeface="+mj-lt"/>
+              <a:buAutoNum type="arabicPeriod"/>
+            </a:pPr>
+            <a:r>
+              <a:rPr lang="en-US" sz="2000" b="1" i="0" dirty="0">
+                <a:solidFill>
+                  <a:srgbClr val="0D0D0D"/>
+                </a:solidFill>
+                <a:effectLst/>
+                <a:highlight>
+                  <a:srgbClr val="FFFFFF"/>
+                </a:highlight>
+                <a:latin typeface="Aptos Display" panose="020B0004020202020204" pitchFamily="34" charset="0"/>
+              </a:rPr>
+              <a:t>Real-time Data Processing:</a:t>
+            </a:r>
+            <a:r>
+              <a:rPr lang="en-US" sz="2000" b="0" i="0" dirty="0">
+                <a:solidFill>
+                  <a:srgbClr val="0D0D0D"/>
+                </a:solidFill>
+                <a:effectLst/>
+                <a:highlight>
+                  <a:srgbClr val="FFFFFF"/>
+                </a:highlight>
+                <a:latin typeface="Aptos Display" panose="020B0004020202020204" pitchFamily="34" charset="0"/>
+              </a:rPr>
+              <a:t> Incorporate real-time data processing capabilities to provide users with instant feedback and insights. This could involve streaming data from wearable devices and continuously updating the prediction models to adapt to changing user behavior and preferences.</a:t>
+            </a:r>
+          </a:p>
+          <a:p>
+            <a:pPr marL="457200" indent="-457200" algn="just">
+              <a:buFont typeface="+mj-lt"/>
+              <a:buAutoNum type="arabicPeriod"/>
+            </a:pPr>
+            <a:endParaRPr lang="en-US" sz="2000" b="0" i="0" dirty="0">
+              <a:solidFill>
+                <a:srgbClr val="0D0D0D"/>
+              </a:solidFill>
+              <a:effectLst/>
+              <a:highlight>
+                <a:srgbClr val="FFFFFF"/>
+              </a:highlight>
+              <a:latin typeface="Aptos Display" panose="020B0004020202020204" pitchFamily="34" charset="0"/>
+            </a:endParaRPr>
+          </a:p>
+          <a:p>
+            <a:pPr algn="just">
+              <a:buFont typeface="+mj-lt"/>
+              <a:buAutoNum type="arabicPeriod"/>
+            </a:pPr>
+            <a:r>
+              <a:rPr lang="en-US" sz="2000" b="1" i="0" dirty="0">
+                <a:solidFill>
+                  <a:srgbClr val="0D0D0D"/>
+                </a:solidFill>
+                <a:effectLst/>
+                <a:highlight>
+                  <a:srgbClr val="FFFFFF"/>
+                </a:highlight>
+                <a:latin typeface="Aptos Display" panose="020B0004020202020204" pitchFamily="34" charset="0"/>
+              </a:rPr>
+              <a:t>Enhanced Personalization:</a:t>
+            </a:r>
+            <a:r>
+              <a:rPr lang="en-US" sz="2000" b="0" i="0" dirty="0">
+                <a:solidFill>
+                  <a:srgbClr val="0D0D0D"/>
+                </a:solidFill>
+                <a:effectLst/>
+                <a:highlight>
+                  <a:srgbClr val="FFFFFF"/>
+                </a:highlight>
+                <a:latin typeface="Aptos Display" panose="020B0004020202020204" pitchFamily="34" charset="0"/>
+              </a:rPr>
+              <a:t> Further enhance the level of personalization in recommendations by incorporating additional user data, such as dietary preferences, fitness history, or health conditions. Utilize techniques like collaborative filtering or contextual bandits to tailor recommendations to individual users' unique contexts.</a:t>
+            </a:r>
+          </a:p>
+        </p:txBody>
+      </p:sp>
+      <p:sp>
+        <p:nvSpPr>
+          <p:cNvPr id="4" name="TextBox 3">
+            <a:extLst>
+              <a:ext uri="{FF2B5EF4-FFF2-40B4-BE49-F238E27FC236}">
+                <a16:creationId xmlns:a16="http://schemas.microsoft.com/office/drawing/2014/main" id="{C056DE4D-476F-62BF-4CAF-41E65F1BC1AB}"/>
+              </a:ext>
+            </a:extLst>
+          </p:cNvPr>
+          <p:cNvSpPr txBox="1"/>
+          <p:nvPr/>
+        </p:nvSpPr>
+        <p:spPr>
+          <a:xfrm>
+            <a:off x="4319337" y="418270"/>
+            <a:ext cx="2889985" cy="523220"/>
+          </a:xfrm>
+          <a:prstGeom prst="rect">
+            <a:avLst/>
+          </a:prstGeom>
+          <a:noFill/>
+        </p:spPr>
+        <p:txBody>
+          <a:bodyPr wrap="square">
+            <a:spAutoFit/>
+          </a:bodyPr>
+          <a:lstStyle/>
+          <a:p>
+            <a:r>
+              <a:rPr lang="en-US" sz="2800" dirty="0">
+                <a:ln w="0"/>
+                <a:effectLst>
+                  <a:outerShdw blurRad="38100" dist="19050" dir="2700000" algn="tl" rotWithShape="0">
+                    <a:schemeClr val="dk1">
+                      <a:alpha val="40000"/>
+                    </a:schemeClr>
+                  </a:outerShdw>
+                </a:effectLst>
+                <a:latin typeface="Arial Black" panose="020B0A04020102020204" pitchFamily="34" charset="0"/>
+              </a:rPr>
+              <a:t>Future Scope</a:t>
+            </a:r>
+            <a:endParaRPr lang="en-IN" sz="2800" dirty="0"/>
+          </a:p>
+        </p:txBody>
+      </p:sp>
+      <p:pic>
+        <p:nvPicPr>
+          <p:cNvPr id="5" name="Picture 4">
+            <a:extLst>
+              <a:ext uri="{FF2B5EF4-FFF2-40B4-BE49-F238E27FC236}">
+                <a16:creationId xmlns:a16="http://schemas.microsoft.com/office/drawing/2014/main" id="{39E55317-5198-B03A-4498-E5FA8D08F08D}"/>
+              </a:ext>
+            </a:extLst>
+          </p:cNvPr>
+          <p:cNvPicPr>
+            <a:picLocks noChangeAspect="1"/>
+          </p:cNvPicPr>
+          <p:nvPr/>
+        </p:nvPicPr>
+        <p:blipFill>
+          <a:blip r:embed="rId2"/>
+          <a:stretch>
+            <a:fillRect/>
+          </a:stretch>
+        </p:blipFill>
+        <p:spPr>
+          <a:xfrm>
+            <a:off x="10295393" y="220855"/>
+            <a:ext cx="1502028" cy="893890"/>
+          </a:xfrm>
+          <a:prstGeom prst="rect">
+            <a:avLst/>
+          </a:prstGeom>
+        </p:spPr>
+      </p:pic>
+      <p:sp>
+        <p:nvSpPr>
+          <p:cNvPr id="6" name="Slide Number Placeholder 5">
+            <a:extLst>
+              <a:ext uri="{FF2B5EF4-FFF2-40B4-BE49-F238E27FC236}">
+                <a16:creationId xmlns:a16="http://schemas.microsoft.com/office/drawing/2014/main" id="{AED5FC53-07AF-9C21-A85F-C782719A4CBE}"/>
+              </a:ext>
+            </a:extLst>
+          </p:cNvPr>
+          <p:cNvSpPr>
+            <a:spLocks noGrp="1"/>
+          </p:cNvSpPr>
+          <p:nvPr>
+            <p:ph type="sldNum" sz="quarter" idx="12"/>
+          </p:nvPr>
+        </p:nvSpPr>
+        <p:spPr/>
+        <p:txBody>
+          <a:bodyPr/>
+          <a:lstStyle/>
+          <a:p>
+            <a:fld id="{762A593B-48AA-4375-A704-2049C4AF33B6}" type="slidenum">
+              <a:rPr lang="en-IN" smtClean="0"/>
+              <a:t>13</a:t>
+            </a:fld>
+            <a:endParaRPr lang="en-IN"/>
+          </a:p>
+        </p:txBody>
+      </p:sp>
+    </p:spTree>
+    <p:extLst>
+      <p:ext uri="{BB962C8B-B14F-4D97-AF65-F5344CB8AC3E}">
+        <p14:creationId xmlns:p14="http://schemas.microsoft.com/office/powerpoint/2010/main" val="7445261"/>
+      </p:ext>
+    </p:extLst>
+  </p:cSld>
+  <p:clrMapOvr>
+    <a:masterClrMapping/>
+  </p:clrMapOvr>
+</p:sld>
+</file>
+
+<file path=ppt/slides/slide14.xml><?xml version="1.0" encoding="utf-8"?>
+<p:sld xmlns:a="http://schemas.openxmlformats.org/drawingml/2006/main" xmlns:r="http://schemas.openxmlformats.org/officeDocument/2006/relationships" xmlns:p="http://schemas.openxmlformats.org/presentationml/2006/main">
+  <p:cSld>
+    <p:spTree>
+      <p:nvGrpSpPr>
+        <p:cNvPr id="1" name=""/>
+        <p:cNvGrpSpPr/>
+        <p:nvPr/>
+      </p:nvGrpSpPr>
+      <p:grpSpPr>
+        <a:xfrm>
+          <a:off x="0" y="0"/>
+          <a:ext cx="0" cy="0"/>
+          <a:chOff x="0" y="0"/>
+          <a:chExt cx="0" cy="0"/>
+        </a:xfrm>
+      </p:grpSpPr>
+      <p:sp>
+        <p:nvSpPr>
           <p:cNvPr id="4" name="Rectangle 3">
             <a:extLst>
               <a:ext uri="{FF2B5EF4-FFF2-40B4-BE49-F238E27FC236}">
@@ -4599,6 +5862,11 @@
             <a:r>
               <a:rPr lang="en-US" sz="5400" dirty="0">
                 <a:ln w="0"/>
+                <a:solidFill>
+                  <a:schemeClr val="bg2">
+                    <a:lumMod val="50000"/>
+                  </a:schemeClr>
+                </a:solidFill>
                 <a:effectLst>
                   <a:outerShdw blurRad="38100" dist="19050" dir="2700000" algn="tl" rotWithShape="0">
                     <a:schemeClr val="dk1">
@@ -4671,7 +5939,7 @@
           <a:p>
             <a:fld id="{762A593B-48AA-4375-A704-2049C4AF33B6}" type="slidenum">
               <a:rPr lang="en-IN" smtClean="0"/>
-              <a:t>10</a:t>
+              <a:t>14</a:t>
             </a:fld>
             <a:endParaRPr lang="en-IN"/>
           </a:p>
@@ -4709,265 +5977,39 @@
       </p:grpSpPr>
       <p:sp>
         <p:nvSpPr>
-          <p:cNvPr id="3" name="TextBox 2">
+          <p:cNvPr id="2" name="Slide Number Placeholder 1">
             <a:extLst>
               <a:ext uri="{FF2B5EF4-FFF2-40B4-BE49-F238E27FC236}">
-                <a16:creationId xmlns:a16="http://schemas.microsoft.com/office/drawing/2014/main" id="{4C795DFF-D477-AF4D-9829-3BD79572747C}"/>
+                <a16:creationId xmlns:a16="http://schemas.microsoft.com/office/drawing/2014/main" id="{33D7E456-6E04-F70B-95B0-84FEC23BB732}"/>
               </a:ext>
             </a:extLst>
           </p:cNvPr>
-          <p:cNvSpPr txBox="1"/>
-          <p:nvPr/>
-        </p:nvSpPr>
-        <p:spPr>
-          <a:xfrm>
-            <a:off x="594189" y="1024758"/>
-            <a:ext cx="11003622" cy="4955203"/>
-          </a:xfrm>
-          <a:prstGeom prst="rect">
-            <a:avLst/>
-          </a:prstGeom>
-          <a:noFill/>
-        </p:spPr>
-        <p:txBody>
-          <a:bodyPr wrap="square">
-            <a:spAutoFit/>
-          </a:bodyPr>
+          <p:cNvSpPr>
+            <a:spLocks noGrp="1"/>
+          </p:cNvSpPr>
+          <p:nvPr>
+            <p:ph type="sldNum" sz="quarter" idx="12"/>
+          </p:nvPr>
+        </p:nvSpPr>
+        <p:spPr/>
+        <p:txBody>
+          <a:bodyPr/>
           <a:lstStyle/>
           <a:p>
-            <a:pPr marL="285750" indent="-285750" algn="just">
-              <a:lnSpc>
-                <a:spcPct val="150000"/>
-              </a:lnSpc>
-              <a:buFont typeface="Arial" panose="020B0604020202020204" pitchFamily="34" charset="0"/>
-              <a:buChar char="•"/>
-            </a:pPr>
-            <a:r>
-              <a:rPr lang="en-US" sz="2000" b="0" i="0" dirty="0">
-                <a:solidFill>
-                  <a:srgbClr val="0D0D0D"/>
-                </a:solidFill>
-                <a:effectLst/>
-                <a:highlight>
-                  <a:srgbClr val="FFFFFF"/>
-                </a:highlight>
-                <a:latin typeface="Aptos Display" panose="020B0004020202020204" pitchFamily="34" charset="0"/>
-              </a:rPr>
-              <a:t>In today's fast-paced world, maintaining a healthy lifestyle is becoming increasingly challenging. </a:t>
-            </a:r>
-          </a:p>
-          <a:p>
-            <a:pPr marL="285750" indent="-285750" algn="just">
-              <a:lnSpc>
-                <a:spcPct val="150000"/>
-              </a:lnSpc>
-              <a:buFont typeface="Arial" panose="020B0604020202020204" pitchFamily="34" charset="0"/>
-              <a:buChar char="•"/>
-            </a:pPr>
-            <a:r>
-              <a:rPr lang="en-US" sz="2000" b="0" i="0" dirty="0">
-                <a:solidFill>
-                  <a:srgbClr val="0D0D0D"/>
-                </a:solidFill>
-                <a:effectLst/>
-                <a:highlight>
-                  <a:srgbClr val="FFFFFF"/>
-                </a:highlight>
-                <a:latin typeface="Aptos Display" panose="020B0004020202020204" pitchFamily="34" charset="0"/>
-              </a:rPr>
-              <a:t>Sedentary lifestyles and busy schedules often lead to neglect of physical fitness.</a:t>
-            </a:r>
-          </a:p>
-          <a:p>
-            <a:pPr marL="285750" indent="-285750" algn="just">
-              <a:lnSpc>
-                <a:spcPct val="150000"/>
-              </a:lnSpc>
-              <a:buFont typeface="Arial" panose="020B0604020202020204" pitchFamily="34" charset="0"/>
-              <a:buChar char="•"/>
-            </a:pPr>
-            <a:r>
-              <a:rPr lang="en-US" sz="2000" b="0" i="0" dirty="0">
-                <a:solidFill>
-                  <a:srgbClr val="0D0D0D"/>
-                </a:solidFill>
-                <a:effectLst/>
-                <a:highlight>
-                  <a:srgbClr val="FFFFFF"/>
-                </a:highlight>
-                <a:latin typeface="Aptos Display" panose="020B0004020202020204" pitchFamily="34" charset="0"/>
-              </a:rPr>
-              <a:t>To address this issue, the development of a fitness tracker application leveraging advanced technology becomes imperative. </a:t>
-            </a:r>
-            <a:endParaRPr lang="en-US" sz="2000" dirty="0">
-              <a:solidFill>
-                <a:srgbClr val="0D0D0D"/>
-              </a:solidFill>
-              <a:highlight>
-                <a:srgbClr val="FFFFFF"/>
-              </a:highlight>
-              <a:latin typeface="Aptos Display" panose="020B0004020202020204" pitchFamily="34" charset="0"/>
-            </a:endParaRPr>
-          </a:p>
-          <a:p>
-            <a:pPr algn="just">
-              <a:buFont typeface="Arial" panose="020B0604020202020204" pitchFamily="34" charset="0"/>
-              <a:buChar char="•"/>
-            </a:pPr>
-            <a:endParaRPr lang="en-US" sz="2000" b="0" i="0" dirty="0">
-              <a:solidFill>
-                <a:srgbClr val="0D0D0D"/>
-              </a:solidFill>
-              <a:effectLst/>
-              <a:highlight>
-                <a:srgbClr val="FFFFFF"/>
-              </a:highlight>
-              <a:latin typeface="Aptos Display" panose="020B0004020202020204" pitchFamily="34" charset="0"/>
-            </a:endParaRPr>
-          </a:p>
-          <a:p>
-            <a:pPr algn="just"/>
-            <a:r>
-              <a:rPr lang="en-US" sz="2000" b="1" i="0" dirty="0">
-                <a:solidFill>
-                  <a:srgbClr val="0D0D0D"/>
-                </a:solidFill>
-                <a:effectLst/>
-                <a:highlight>
-                  <a:srgbClr val="FFFFFF"/>
-                </a:highlight>
-                <a:latin typeface="Aptos Display" panose="020B0004020202020204" pitchFamily="34" charset="0"/>
-              </a:rPr>
-              <a:t>What is a Fitness Tracker?</a:t>
-            </a:r>
-          </a:p>
-          <a:p>
-            <a:pPr marL="742950" lvl="1" indent="-285750" algn="just">
-              <a:buFont typeface="Arial" panose="020B0604020202020204" pitchFamily="34" charset="0"/>
-              <a:buChar char="•"/>
-            </a:pPr>
-            <a:r>
-              <a:rPr lang="en-US" sz="2000" b="0" i="0" dirty="0">
-                <a:solidFill>
-                  <a:srgbClr val="0D0D0D"/>
-                </a:solidFill>
-                <a:effectLst/>
-                <a:highlight>
-                  <a:srgbClr val="FFFFFF"/>
-                </a:highlight>
-                <a:latin typeface="Aptos Display" panose="020B0004020202020204" pitchFamily="34" charset="0"/>
-              </a:rPr>
-              <a:t>A wearable device designed to monitor and track physical activity and health metrics. It promotes awareness of health habits and encourages a healthier lifestyle.</a:t>
-            </a:r>
-          </a:p>
-          <a:p>
-            <a:pPr marL="742950" lvl="1" indent="-285750" algn="just">
-              <a:buFont typeface="Arial" panose="020B0604020202020204" pitchFamily="34" charset="0"/>
-              <a:buChar char="•"/>
-            </a:pPr>
-            <a:endParaRPr lang="en-US" sz="2000" b="0" i="0" dirty="0">
-              <a:solidFill>
-                <a:srgbClr val="0D0D0D"/>
-              </a:solidFill>
-              <a:effectLst/>
-              <a:highlight>
-                <a:srgbClr val="FFFFFF"/>
-              </a:highlight>
-              <a:latin typeface="Aptos Display" panose="020B0004020202020204" pitchFamily="34" charset="0"/>
-            </a:endParaRPr>
-          </a:p>
-          <a:p>
-            <a:pPr marL="742950" lvl="1" indent="-285750" algn="just">
-              <a:buFont typeface="Arial" panose="020B0604020202020204" pitchFamily="34" charset="0"/>
-              <a:buChar char="•"/>
-            </a:pPr>
-            <a:r>
-              <a:rPr lang="en-US" sz="2000" b="1" i="0" dirty="0">
-                <a:solidFill>
-                  <a:srgbClr val="0D0D0D"/>
-                </a:solidFill>
-                <a:effectLst/>
-                <a:highlight>
-                  <a:srgbClr val="FFFFFF"/>
-                </a:highlight>
-                <a:latin typeface="Aptos Display" panose="020B0004020202020204" pitchFamily="34" charset="0"/>
-              </a:rPr>
-              <a:t>Types: </a:t>
-            </a:r>
-            <a:r>
-              <a:rPr lang="en-US" sz="2000" b="0" i="0" dirty="0">
-                <a:solidFill>
-                  <a:srgbClr val="0D0D0D"/>
-                </a:solidFill>
-                <a:effectLst/>
-                <a:highlight>
-                  <a:srgbClr val="FFFFFF"/>
-                </a:highlight>
-                <a:latin typeface="Aptos Display" panose="020B0004020202020204" pitchFamily="34" charset="0"/>
-              </a:rPr>
-              <a:t>Activity tracker, fitness band, smartwatch.</a:t>
-            </a:r>
-          </a:p>
-          <a:p>
-            <a:pPr lvl="1" algn="just"/>
-            <a:endParaRPr lang="en-US" sz="2000" b="0" i="0" dirty="0">
-              <a:solidFill>
-                <a:srgbClr val="0D0D0D"/>
-              </a:solidFill>
-              <a:effectLst/>
-              <a:highlight>
-                <a:srgbClr val="FFFFFF"/>
-              </a:highlight>
-              <a:latin typeface="Aptos Display" panose="020B0004020202020204" pitchFamily="34" charset="0"/>
-            </a:endParaRPr>
-          </a:p>
-          <a:p>
-            <a:pPr algn="just"/>
-            <a:r>
-              <a:rPr lang="en-US" sz="2000" b="1" i="0" dirty="0">
-                <a:solidFill>
-                  <a:srgbClr val="0D0D0D"/>
-                </a:solidFill>
-                <a:effectLst/>
-                <a:highlight>
-                  <a:srgbClr val="FFFFFF"/>
-                </a:highlight>
-                <a:latin typeface="Aptos Display" panose="020B0004020202020204" pitchFamily="34" charset="0"/>
-              </a:rPr>
-              <a:t>Key Functions:</a:t>
-            </a:r>
-          </a:p>
-          <a:p>
-            <a:endParaRPr lang="en-US" b="0" i="0" dirty="0">
-              <a:solidFill>
-                <a:srgbClr val="0D0D0D"/>
-              </a:solidFill>
-              <a:effectLst/>
-              <a:highlight>
-                <a:srgbClr val="FFFFFF"/>
-              </a:highlight>
-              <a:latin typeface="Söhne"/>
-            </a:endParaRPr>
-          </a:p>
-          <a:p>
-            <a:endParaRPr lang="en-US" dirty="0">
-              <a:solidFill>
-                <a:srgbClr val="0D0D0D"/>
-              </a:solidFill>
-              <a:highlight>
-                <a:srgbClr val="FFFFFF"/>
-              </a:highlight>
-              <a:latin typeface="Söhne"/>
-            </a:endParaRPr>
-          </a:p>
-        </p:txBody>
-      </p:sp>
-      <p:sp>
-        <p:nvSpPr>
-          <p:cNvPr id="4" name="Rectangle 3">
+            <a:fld id="{762A593B-48AA-4375-A704-2049C4AF33B6}" type="slidenum">
+              <a:rPr lang="en-IN" smtClean="0"/>
+              <a:t>2</a:t>
+            </a:fld>
+            <a:endParaRPr lang="en-IN"/>
+          </a:p>
+        </p:txBody>
+      </p:sp>
+      <p:sp>
+        <p:nvSpPr>
+          <p:cNvPr id="3" name="Rectangle 2">
             <a:extLst>
               <a:ext uri="{FF2B5EF4-FFF2-40B4-BE49-F238E27FC236}">
-                <a16:creationId xmlns:a16="http://schemas.microsoft.com/office/drawing/2014/main" id="{F7D20F5C-BB9C-3484-E8F1-74FA409BAD02}"/>
+                <a16:creationId xmlns:a16="http://schemas.microsoft.com/office/drawing/2014/main" id="{F9A9A010-BF46-3C3C-27A1-2DF35BC9F71F}"/>
               </a:ext>
             </a:extLst>
           </p:cNvPr>
@@ -4976,8 +6018,8 @@
         </p:nvSpPr>
         <p:spPr>
           <a:xfrm>
-            <a:off x="4351676" y="501538"/>
-            <a:ext cx="2598147" cy="523220"/>
+            <a:off x="3022476" y="857673"/>
+            <a:ext cx="5275803" cy="523220"/>
           </a:xfrm>
           <a:prstGeom prst="rect">
             <a:avLst/>
@@ -4992,8 +6034,11 @@
           <a:p>
             <a:pPr algn="ctr"/>
             <a:r>
-              <a:rPr lang="en-US" sz="2800" dirty="0">
+              <a:rPr lang="en-US" sz="2800" b="0" cap="none" spc="0" dirty="0">
                 <a:ln w="0"/>
+                <a:solidFill>
+                  <a:srgbClr val="00B050"/>
+                </a:solidFill>
                 <a:effectLst>
                   <a:outerShdw blurRad="38100" dist="19050" dir="2700000" algn="tl" rotWithShape="0">
                     <a:schemeClr val="dk1">
@@ -5003,31 +6048,136 @@
                 </a:effectLst>
                 <a:latin typeface="Arial Black" panose="020B0A04020102020204" pitchFamily="34" charset="0"/>
               </a:rPr>
+              <a:t>POINTS FOR DISCUSSION</a:t>
+            </a:r>
+          </a:p>
+        </p:txBody>
+      </p:sp>
+      <p:sp>
+        <p:nvSpPr>
+          <p:cNvPr id="4" name="TextBox 3">
+            <a:extLst>
+              <a:ext uri="{FF2B5EF4-FFF2-40B4-BE49-F238E27FC236}">
+                <a16:creationId xmlns:a16="http://schemas.microsoft.com/office/drawing/2014/main" id="{DC73F3F1-D678-7147-2E6E-9088091949C0}"/>
+              </a:ext>
+            </a:extLst>
+          </p:cNvPr>
+          <p:cNvSpPr txBox="1"/>
+          <p:nvPr/>
+        </p:nvSpPr>
+        <p:spPr>
+          <a:xfrm>
+            <a:off x="1453415" y="2204185"/>
+            <a:ext cx="5588389" cy="3231654"/>
+          </a:xfrm>
+          <a:prstGeom prst="rect">
+            <a:avLst/>
+          </a:prstGeom>
+          <a:noFill/>
+        </p:spPr>
+        <p:txBody>
+          <a:bodyPr wrap="none" rtlCol="0">
+            <a:spAutoFit/>
+          </a:bodyPr>
+          <a:lstStyle/>
+          <a:p>
+            <a:pPr marL="342900" indent="-342900">
+              <a:buFont typeface="+mj-lt"/>
+              <a:buAutoNum type="arabicPeriod"/>
+            </a:pPr>
+            <a:r>
+              <a:rPr lang="en-US" sz="2400" b="1" dirty="0">
+                <a:latin typeface="Aptos Display" panose="020B0004020202020204" pitchFamily="34" charset="0"/>
+              </a:rPr>
               <a:t>Introduction</a:t>
             </a:r>
-            <a:endParaRPr lang="en-US" sz="2800" b="0" cap="none" spc="0" dirty="0">
-              <a:ln w="0"/>
-              <a:solidFill>
-                <a:schemeClr val="tx1"/>
-              </a:solidFill>
-              <a:effectLst>
-                <a:outerShdw blurRad="38100" dist="19050" dir="2700000" algn="tl" rotWithShape="0">
-                  <a:schemeClr val="dk1">
-                    <a:alpha val="40000"/>
-                  </a:schemeClr>
-                </a:outerShdw>
-              </a:effectLst>
-              <a:latin typeface="Arial Black" panose="020B0A04020102020204" pitchFamily="34" charset="0"/>
-            </a:endParaRPr>
+          </a:p>
+          <a:p>
+            <a:pPr marL="342900" indent="-342900">
+              <a:buFont typeface="+mj-lt"/>
+              <a:buAutoNum type="arabicPeriod"/>
+            </a:pPr>
+            <a:r>
+              <a:rPr lang="en-US" sz="2400" b="1" dirty="0">
+                <a:latin typeface="Aptos Display" panose="020B0004020202020204" pitchFamily="34" charset="0"/>
+              </a:rPr>
+              <a:t>Problem Statement &amp; Objective</a:t>
+            </a:r>
+          </a:p>
+          <a:p>
+            <a:pPr marL="342900" indent="-342900">
+              <a:buFont typeface="+mj-lt"/>
+              <a:buAutoNum type="arabicPeriod"/>
+            </a:pPr>
+            <a:r>
+              <a:rPr lang="en-US" sz="2400" b="1" dirty="0">
+                <a:latin typeface="Aptos Display" panose="020B0004020202020204" pitchFamily="34" charset="0"/>
+              </a:rPr>
+              <a:t>Tech Stack used</a:t>
+            </a:r>
+          </a:p>
+          <a:p>
+            <a:pPr marL="342900" indent="-342900">
+              <a:buFont typeface="+mj-lt"/>
+              <a:buAutoNum type="arabicPeriod"/>
+            </a:pPr>
+            <a:r>
+              <a:rPr lang="en-US" sz="2400" b="1" dirty="0">
+                <a:latin typeface="Aptos Display" panose="020B0004020202020204" pitchFamily="34" charset="0"/>
+              </a:rPr>
+              <a:t>Data Description</a:t>
+            </a:r>
+          </a:p>
+          <a:p>
+            <a:pPr marL="342900" indent="-342900">
+              <a:buFont typeface="+mj-lt"/>
+              <a:buAutoNum type="arabicPeriod"/>
+            </a:pPr>
+            <a:r>
+              <a:rPr lang="en-US" sz="2400" b="1" dirty="0">
+                <a:latin typeface="Aptos Display" panose="020B0004020202020204" pitchFamily="34" charset="0"/>
+              </a:rPr>
+              <a:t>Model Development &amp; Implementation</a:t>
+            </a:r>
+          </a:p>
+          <a:p>
+            <a:pPr marL="342900" indent="-342900">
+              <a:buFont typeface="+mj-lt"/>
+              <a:buAutoNum type="arabicPeriod"/>
+            </a:pPr>
+            <a:r>
+              <a:rPr lang="en-US" sz="2400" b="1" dirty="0">
+                <a:latin typeface="Aptos Display" panose="020B0004020202020204" pitchFamily="34" charset="0"/>
+              </a:rPr>
+              <a:t>Conclusion</a:t>
+            </a:r>
+          </a:p>
+          <a:p>
+            <a:pPr marL="342900" indent="-342900">
+              <a:buFont typeface="+mj-lt"/>
+              <a:buAutoNum type="arabicPeriod"/>
+            </a:pPr>
+            <a:r>
+              <a:rPr lang="en-US" sz="2400" b="1" dirty="0">
+                <a:latin typeface="Aptos Display" panose="020B0004020202020204" pitchFamily="34" charset="0"/>
+              </a:rPr>
+              <a:t>Future Scope</a:t>
+            </a:r>
+          </a:p>
+          <a:p>
+            <a:endParaRPr lang="en-US" dirty="0"/>
+          </a:p>
+          <a:p>
+            <a:endParaRPr lang="en-IN" dirty="0"/>
           </a:p>
         </p:txBody>
       </p:sp>
       <p:pic>
         <p:nvPicPr>
-          <p:cNvPr id="11" name="Picture 10">
+          <p:cNvPr id="5" name="Picture 4">
             <a:extLst>
               <a:ext uri="{FF2B5EF4-FFF2-40B4-BE49-F238E27FC236}">
-                <a16:creationId xmlns:a16="http://schemas.microsoft.com/office/drawing/2014/main" id="{B5998428-1AC5-99A8-093D-49698B2C51B9}"/>
+                <a16:creationId xmlns:a16="http://schemas.microsoft.com/office/drawing/2014/main" id="{49217DB3-7145-F8B4-B770-4FDBFAFE1B26}"/>
               </a:ext>
             </a:extLst>
           </p:cNvPr>
@@ -5044,7 +6194,7 @@
         </p:blipFill>
         <p:spPr>
           <a:xfrm>
-            <a:off x="10324269" y="130868"/>
+            <a:off x="10189516" y="410728"/>
             <a:ext cx="1502028" cy="893890"/>
           </a:xfrm>
           <a:prstGeom prst="rect">
@@ -5052,69 +6202,10 @@
           </a:prstGeom>
         </p:spPr>
       </p:pic>
-      <p:pic>
-        <p:nvPicPr>
-          <p:cNvPr id="9" name="Picture 8">
-            <a:extLst>
-              <a:ext uri="{FF2B5EF4-FFF2-40B4-BE49-F238E27FC236}">
-                <a16:creationId xmlns:a16="http://schemas.microsoft.com/office/drawing/2014/main" id="{9F5893C2-5555-F2B7-9AE8-5C46F906CCC6}"/>
-              </a:ext>
-            </a:extLst>
-          </p:cNvPr>
-          <p:cNvPicPr>
-            <a:picLocks noChangeAspect="1"/>
-          </p:cNvPicPr>
-          <p:nvPr/>
-        </p:nvPicPr>
-        <p:blipFill>
-          <a:blip r:embed="rId3"/>
-          <a:stretch>
-            <a:fillRect/>
-          </a:stretch>
-        </p:blipFill>
-        <p:spPr>
-          <a:xfrm>
-            <a:off x="2674748" y="5255960"/>
-            <a:ext cx="7068536" cy="1448002"/>
-          </a:xfrm>
-          <a:prstGeom prst="rect">
-            <a:avLst/>
-          </a:prstGeom>
-        </p:spPr>
-      </p:pic>
-      <p:sp>
-        <p:nvSpPr>
-          <p:cNvPr id="12" name="Slide Number Placeholder 11">
-            <a:extLst>
-              <a:ext uri="{FF2B5EF4-FFF2-40B4-BE49-F238E27FC236}">
-                <a16:creationId xmlns:a16="http://schemas.microsoft.com/office/drawing/2014/main" id="{85CBDB89-BDF2-166E-B4A0-32D875FC6780}"/>
-              </a:ext>
-            </a:extLst>
-          </p:cNvPr>
-          <p:cNvSpPr>
-            <a:spLocks noGrp="1"/>
-          </p:cNvSpPr>
-          <p:nvPr>
-            <p:ph type="sldNum" sz="quarter" idx="12"/>
-          </p:nvPr>
-        </p:nvSpPr>
-        <p:spPr/>
-        <p:txBody>
-          <a:bodyPr/>
-          <a:lstStyle/>
-          <a:p>
-            <a:fld id="{762A593B-48AA-4375-A704-2049C4AF33B6}" type="slidenum">
-              <a:rPr lang="en-IN" smtClean="0"/>
-              <a:t>2</a:t>
-            </a:fld>
-            <a:endParaRPr lang="en-IN"/>
-          </a:p>
-        </p:txBody>
-      </p:sp>
     </p:spTree>
     <p:extLst>
       <p:ext uri="{BB962C8B-B14F-4D97-AF65-F5344CB8AC3E}">
-        <p14:creationId xmlns:p14="http://schemas.microsoft.com/office/powerpoint/2010/main" val="1817412249"/>
+        <p14:creationId xmlns:p14="http://schemas.microsoft.com/office/powerpoint/2010/main" val="1979524382"/>
       </p:ext>
     </p:extLst>
   </p:cSld>
@@ -5143,10 +6234,265 @@
       </p:grpSpPr>
       <p:sp>
         <p:nvSpPr>
-          <p:cNvPr id="2" name="Rectangle 1">
+          <p:cNvPr id="3" name="TextBox 2">
             <a:extLst>
               <a:ext uri="{FF2B5EF4-FFF2-40B4-BE49-F238E27FC236}">
-                <a16:creationId xmlns:a16="http://schemas.microsoft.com/office/drawing/2014/main" id="{854BF89F-D7C7-3D94-CBB6-AE8BEDDE50E2}"/>
+                <a16:creationId xmlns:a16="http://schemas.microsoft.com/office/drawing/2014/main" id="{4C795DFF-D477-AF4D-9829-3BD79572747C}"/>
+              </a:ext>
+            </a:extLst>
+          </p:cNvPr>
+          <p:cNvSpPr txBox="1"/>
+          <p:nvPr/>
+        </p:nvSpPr>
+        <p:spPr>
+          <a:xfrm>
+            <a:off x="594189" y="1024758"/>
+            <a:ext cx="11003622" cy="4955203"/>
+          </a:xfrm>
+          <a:prstGeom prst="rect">
+            <a:avLst/>
+          </a:prstGeom>
+          <a:noFill/>
+        </p:spPr>
+        <p:txBody>
+          <a:bodyPr wrap="square">
+            <a:spAutoFit/>
+          </a:bodyPr>
+          <a:lstStyle/>
+          <a:p>
+            <a:pPr marL="285750" indent="-285750" algn="just">
+              <a:lnSpc>
+                <a:spcPct val="150000"/>
+              </a:lnSpc>
+              <a:buFont typeface="Arial" panose="020B0604020202020204" pitchFamily="34" charset="0"/>
+              <a:buChar char="•"/>
+            </a:pPr>
+            <a:r>
+              <a:rPr lang="en-US" sz="2000" b="0" i="0" dirty="0">
+                <a:solidFill>
+                  <a:srgbClr val="0D0D0D"/>
+                </a:solidFill>
+                <a:effectLst/>
+                <a:highlight>
+                  <a:srgbClr val="FFFFFF"/>
+                </a:highlight>
+                <a:latin typeface="Aptos Display" panose="020B0004020202020204" pitchFamily="34" charset="0"/>
+              </a:rPr>
+              <a:t>In today's fast-paced world, maintaining a healthy lifestyle is becoming increasingly challenging. </a:t>
+            </a:r>
+          </a:p>
+          <a:p>
+            <a:pPr marL="285750" indent="-285750" algn="just">
+              <a:lnSpc>
+                <a:spcPct val="150000"/>
+              </a:lnSpc>
+              <a:buFont typeface="Arial" panose="020B0604020202020204" pitchFamily="34" charset="0"/>
+              <a:buChar char="•"/>
+            </a:pPr>
+            <a:r>
+              <a:rPr lang="en-US" sz="2000" b="0" i="0" dirty="0">
+                <a:solidFill>
+                  <a:srgbClr val="0D0D0D"/>
+                </a:solidFill>
+                <a:effectLst/>
+                <a:highlight>
+                  <a:srgbClr val="FFFFFF"/>
+                </a:highlight>
+                <a:latin typeface="Aptos Display" panose="020B0004020202020204" pitchFamily="34" charset="0"/>
+              </a:rPr>
+              <a:t>Sedentary lifestyles and busy schedules often lead to neglect of physical fitness.</a:t>
+            </a:r>
+          </a:p>
+          <a:p>
+            <a:pPr marL="285750" indent="-285750" algn="just">
+              <a:lnSpc>
+                <a:spcPct val="150000"/>
+              </a:lnSpc>
+              <a:buFont typeface="Arial" panose="020B0604020202020204" pitchFamily="34" charset="0"/>
+              <a:buChar char="•"/>
+            </a:pPr>
+            <a:r>
+              <a:rPr lang="en-US" sz="2000" b="0" i="0" dirty="0">
+                <a:solidFill>
+                  <a:srgbClr val="0D0D0D"/>
+                </a:solidFill>
+                <a:effectLst/>
+                <a:highlight>
+                  <a:srgbClr val="FFFFFF"/>
+                </a:highlight>
+                <a:latin typeface="Aptos Display" panose="020B0004020202020204" pitchFamily="34" charset="0"/>
+              </a:rPr>
+              <a:t>To address this issue, the development of a fitness tracker application leveraging advanced technology becomes imperative. </a:t>
+            </a:r>
+            <a:endParaRPr lang="en-US" sz="2000" dirty="0">
+              <a:solidFill>
+                <a:srgbClr val="0D0D0D"/>
+              </a:solidFill>
+              <a:highlight>
+                <a:srgbClr val="FFFFFF"/>
+              </a:highlight>
+              <a:latin typeface="Aptos Display" panose="020B0004020202020204" pitchFamily="34" charset="0"/>
+            </a:endParaRPr>
+          </a:p>
+          <a:p>
+            <a:pPr algn="just">
+              <a:buFont typeface="Arial" panose="020B0604020202020204" pitchFamily="34" charset="0"/>
+              <a:buChar char="•"/>
+            </a:pPr>
+            <a:endParaRPr lang="en-US" sz="2000" b="0" i="0" dirty="0">
+              <a:solidFill>
+                <a:srgbClr val="0D0D0D"/>
+              </a:solidFill>
+              <a:effectLst/>
+              <a:highlight>
+                <a:srgbClr val="FFFFFF"/>
+              </a:highlight>
+              <a:latin typeface="Aptos Display" panose="020B0004020202020204" pitchFamily="34" charset="0"/>
+            </a:endParaRPr>
+          </a:p>
+          <a:p>
+            <a:pPr algn="just"/>
+            <a:r>
+              <a:rPr lang="en-US" sz="2000" b="1" i="0" dirty="0">
+                <a:solidFill>
+                  <a:srgbClr val="0D0D0D"/>
+                </a:solidFill>
+                <a:effectLst/>
+                <a:highlight>
+                  <a:srgbClr val="FFFFFF"/>
+                </a:highlight>
+                <a:latin typeface="Aptos Display" panose="020B0004020202020204" pitchFamily="34" charset="0"/>
+              </a:rPr>
+              <a:t>What is a Fitness Tracker?</a:t>
+            </a:r>
+          </a:p>
+          <a:p>
+            <a:pPr marL="742950" lvl="1" indent="-285750" algn="just">
+              <a:buFont typeface="Arial" panose="020B0604020202020204" pitchFamily="34" charset="0"/>
+              <a:buChar char="•"/>
+            </a:pPr>
+            <a:r>
+              <a:rPr lang="en-US" sz="2000" b="0" i="0" dirty="0">
+                <a:solidFill>
+                  <a:srgbClr val="0D0D0D"/>
+                </a:solidFill>
+                <a:effectLst/>
+                <a:highlight>
+                  <a:srgbClr val="FFFFFF"/>
+                </a:highlight>
+                <a:latin typeface="Aptos Display" panose="020B0004020202020204" pitchFamily="34" charset="0"/>
+              </a:rPr>
+              <a:t>A wearable device designed to monitor and track physical activity and health metrics. It promotes awareness of health habits and encourages a healthier lifestyle.</a:t>
+            </a:r>
+          </a:p>
+          <a:p>
+            <a:pPr marL="742950" lvl="1" indent="-285750" algn="just">
+              <a:buFont typeface="Arial" panose="020B0604020202020204" pitchFamily="34" charset="0"/>
+              <a:buChar char="•"/>
+            </a:pPr>
+            <a:endParaRPr lang="en-US" sz="2000" b="0" i="0" dirty="0">
+              <a:solidFill>
+                <a:srgbClr val="0D0D0D"/>
+              </a:solidFill>
+              <a:effectLst/>
+              <a:highlight>
+                <a:srgbClr val="FFFFFF"/>
+              </a:highlight>
+              <a:latin typeface="Aptos Display" panose="020B0004020202020204" pitchFamily="34" charset="0"/>
+            </a:endParaRPr>
+          </a:p>
+          <a:p>
+            <a:pPr marL="742950" lvl="1" indent="-285750" algn="just">
+              <a:buFont typeface="Arial" panose="020B0604020202020204" pitchFamily="34" charset="0"/>
+              <a:buChar char="•"/>
+            </a:pPr>
+            <a:r>
+              <a:rPr lang="en-US" sz="2000" b="1" i="0" dirty="0">
+                <a:solidFill>
+                  <a:srgbClr val="0D0D0D"/>
+                </a:solidFill>
+                <a:effectLst/>
+                <a:highlight>
+                  <a:srgbClr val="FFFFFF"/>
+                </a:highlight>
+                <a:latin typeface="Aptos Display" panose="020B0004020202020204" pitchFamily="34" charset="0"/>
+              </a:rPr>
+              <a:t>Types: </a:t>
+            </a:r>
+            <a:r>
+              <a:rPr lang="en-US" sz="2000" b="0" i="0" dirty="0">
+                <a:solidFill>
+                  <a:srgbClr val="0D0D0D"/>
+                </a:solidFill>
+                <a:effectLst/>
+                <a:highlight>
+                  <a:srgbClr val="FFFFFF"/>
+                </a:highlight>
+                <a:latin typeface="Aptos Display" panose="020B0004020202020204" pitchFamily="34" charset="0"/>
+              </a:rPr>
+              <a:t>Activity tracker, fitness band, smartwatch.</a:t>
+            </a:r>
+          </a:p>
+          <a:p>
+            <a:pPr lvl="1" algn="just"/>
+            <a:endParaRPr lang="en-US" sz="2000" b="0" i="0" dirty="0">
+              <a:solidFill>
+                <a:srgbClr val="0D0D0D"/>
+              </a:solidFill>
+              <a:effectLst/>
+              <a:highlight>
+                <a:srgbClr val="FFFFFF"/>
+              </a:highlight>
+              <a:latin typeface="Aptos Display" panose="020B0004020202020204" pitchFamily="34" charset="0"/>
+            </a:endParaRPr>
+          </a:p>
+          <a:p>
+            <a:pPr algn="just"/>
+            <a:r>
+              <a:rPr lang="en-US" sz="2000" b="1" i="0" dirty="0">
+                <a:solidFill>
+                  <a:srgbClr val="0D0D0D"/>
+                </a:solidFill>
+                <a:effectLst/>
+                <a:highlight>
+                  <a:srgbClr val="FFFFFF"/>
+                </a:highlight>
+                <a:latin typeface="Aptos Display" panose="020B0004020202020204" pitchFamily="34" charset="0"/>
+              </a:rPr>
+              <a:t>Key Functions:</a:t>
+            </a:r>
+          </a:p>
+          <a:p>
+            <a:endParaRPr lang="en-US" b="0" i="0" dirty="0">
+              <a:solidFill>
+                <a:srgbClr val="0D0D0D"/>
+              </a:solidFill>
+              <a:effectLst/>
+              <a:highlight>
+                <a:srgbClr val="FFFFFF"/>
+              </a:highlight>
+              <a:latin typeface="Söhne"/>
+            </a:endParaRPr>
+          </a:p>
+          <a:p>
+            <a:endParaRPr lang="en-US" dirty="0">
+              <a:solidFill>
+                <a:srgbClr val="0D0D0D"/>
+              </a:solidFill>
+              <a:highlight>
+                <a:srgbClr val="FFFFFF"/>
+              </a:highlight>
+              <a:latin typeface="Söhne"/>
+            </a:endParaRPr>
+          </a:p>
+        </p:txBody>
+      </p:sp>
+      <p:sp>
+        <p:nvSpPr>
+          <p:cNvPr id="4" name="Rectangle 3">
+            <a:extLst>
+              <a:ext uri="{FF2B5EF4-FFF2-40B4-BE49-F238E27FC236}">
+                <a16:creationId xmlns:a16="http://schemas.microsoft.com/office/drawing/2014/main" id="{F7D20F5C-BB9C-3484-E8F1-74FA409BAD02}"/>
               </a:ext>
             </a:extLst>
           </p:cNvPr>
@@ -5155,8 +6501,8 @@
         </p:nvSpPr>
         <p:spPr>
           <a:xfrm>
-            <a:off x="4609022" y="439893"/>
-            <a:ext cx="2049279" cy="523220"/>
+            <a:off x="4351676" y="501538"/>
+            <a:ext cx="2598147" cy="523220"/>
           </a:xfrm>
           <a:prstGeom prst="rect">
             <a:avLst/>
@@ -5171,11 +6517,8 @@
           <a:p>
             <a:pPr algn="ctr"/>
             <a:r>
-              <a:rPr lang="en-US" sz="2800" b="0" cap="none" spc="0" dirty="0">
+              <a:rPr lang="en-US" sz="2800" dirty="0">
                 <a:ln w="0"/>
-                <a:solidFill>
-                  <a:schemeClr val="tx1"/>
-                </a:solidFill>
                 <a:effectLst>
                   <a:outerShdw blurRad="38100" dist="19050" dir="2700000" algn="tl" rotWithShape="0">
                     <a:schemeClr val="dk1">
@@ -5185,310 +6528,31 @@
                 </a:effectLst>
                 <a:latin typeface="Arial Black" panose="020B0A04020102020204" pitchFamily="34" charset="0"/>
               </a:rPr>
-              <a:t>Objective</a:t>
-            </a:r>
-          </a:p>
-        </p:txBody>
-      </p:sp>
-      <p:sp>
-        <p:nvSpPr>
-          <p:cNvPr id="4" name="TextBox 3">
+              <a:t>Introduction</a:t>
+            </a:r>
+            <a:endParaRPr lang="en-US" sz="2800" b="0" cap="none" spc="0" dirty="0">
+              <a:ln w="0"/>
+              <a:solidFill>
+                <a:schemeClr val="tx1"/>
+              </a:solidFill>
+              <a:effectLst>
+                <a:outerShdw blurRad="38100" dist="19050" dir="2700000" algn="tl" rotWithShape="0">
+                  <a:schemeClr val="dk1">
+                    <a:alpha val="40000"/>
+                  </a:schemeClr>
+                </a:outerShdw>
+              </a:effectLst>
+              <a:latin typeface="Arial Black" panose="020B0A04020102020204" pitchFamily="34" charset="0"/>
+            </a:endParaRPr>
+          </a:p>
+        </p:txBody>
+      </p:sp>
+      <p:pic>
+        <p:nvPicPr>
+          <p:cNvPr id="11" name="Picture 10">
             <a:extLst>
               <a:ext uri="{FF2B5EF4-FFF2-40B4-BE49-F238E27FC236}">
-                <a16:creationId xmlns:a16="http://schemas.microsoft.com/office/drawing/2014/main" id="{57B3F3DA-2EAC-2788-D00F-EA688EE2005A}"/>
-              </a:ext>
-            </a:extLst>
-          </p:cNvPr>
-          <p:cNvSpPr txBox="1"/>
-          <p:nvPr/>
-        </p:nvSpPr>
-        <p:spPr>
-          <a:xfrm>
-            <a:off x="523982" y="1312037"/>
-            <a:ext cx="11054993" cy="4801314"/>
-          </a:xfrm>
-          <a:prstGeom prst="rect">
-            <a:avLst/>
-          </a:prstGeom>
-          <a:noFill/>
-        </p:spPr>
-        <p:txBody>
-          <a:bodyPr wrap="square">
-            <a:spAutoFit/>
-          </a:bodyPr>
-          <a:lstStyle/>
-          <a:p>
-            <a:pPr marL="285750" indent="-285750" algn="just">
-              <a:buFont typeface="Arial" panose="020B0604020202020204" pitchFamily="34" charset="0"/>
-              <a:buChar char="•"/>
-            </a:pPr>
-            <a:r>
-              <a:rPr lang="en-US" sz="2400" b="1" i="0" dirty="0">
-                <a:solidFill>
-                  <a:srgbClr val="0D0D0D"/>
-                </a:solidFill>
-                <a:effectLst/>
-                <a:highlight>
-                  <a:srgbClr val="FFFFFF"/>
-                </a:highlight>
-                <a:latin typeface="Aptos Display" panose="020B0004020202020204" pitchFamily="34" charset="0"/>
-              </a:rPr>
-              <a:t>Problem: </a:t>
-            </a:r>
-            <a:r>
-              <a:rPr lang="en-US" sz="2400" b="0" i="0" dirty="0">
-                <a:solidFill>
-                  <a:srgbClr val="0D0D0D"/>
-                </a:solidFill>
-                <a:effectLst/>
-                <a:highlight>
-                  <a:srgbClr val="FFFFFF"/>
-                </a:highlight>
-                <a:latin typeface="Aptos Display" panose="020B0004020202020204" pitchFamily="34" charset="0"/>
-              </a:rPr>
-              <a:t>Current fitness tracking lacks personalized insights, hindering optimal results.</a:t>
-            </a:r>
-          </a:p>
-          <a:p>
-            <a:pPr marL="285750" indent="-285750" algn="just">
-              <a:buFont typeface="Arial" panose="020B0604020202020204" pitchFamily="34" charset="0"/>
-              <a:buChar char="•"/>
-            </a:pPr>
-            <a:endParaRPr lang="en-US" sz="2400" b="0" i="0" dirty="0">
-              <a:solidFill>
-                <a:srgbClr val="0D0D0D"/>
-              </a:solidFill>
-              <a:effectLst/>
-              <a:highlight>
-                <a:srgbClr val="FFFFFF"/>
-              </a:highlight>
-              <a:latin typeface="Aptos Display" panose="020B0004020202020204" pitchFamily="34" charset="0"/>
-            </a:endParaRPr>
-          </a:p>
-          <a:p>
-            <a:pPr marL="285750" indent="-285750" algn="just">
-              <a:buFont typeface="Arial" panose="020B0604020202020204" pitchFamily="34" charset="0"/>
-              <a:buChar char="•"/>
-            </a:pPr>
-            <a:r>
-              <a:rPr lang="en-US" sz="2400" b="1" i="0" dirty="0">
-                <a:solidFill>
-                  <a:srgbClr val="0D0D0D"/>
-                </a:solidFill>
-                <a:effectLst/>
-                <a:highlight>
-                  <a:srgbClr val="FFFFFF"/>
-                </a:highlight>
-                <a:latin typeface="Aptos Display" panose="020B0004020202020204" pitchFamily="34" charset="0"/>
-              </a:rPr>
-              <a:t>Challenge: </a:t>
-            </a:r>
-            <a:r>
-              <a:rPr lang="en-US" sz="2400" b="0" i="0" dirty="0">
-                <a:solidFill>
-                  <a:srgbClr val="0D0D0D"/>
-                </a:solidFill>
-                <a:effectLst/>
-                <a:highlight>
-                  <a:srgbClr val="FFFFFF"/>
-                </a:highlight>
-                <a:latin typeface="Aptos Display" panose="020B0004020202020204" pitchFamily="34" charset="0"/>
-              </a:rPr>
-              <a:t>Users struggle to interpret vast fitness data collected.</a:t>
-            </a:r>
-          </a:p>
-          <a:p>
-            <a:pPr marL="285750" indent="-285750" algn="just">
-              <a:buFont typeface="Arial" panose="020B0604020202020204" pitchFamily="34" charset="0"/>
-              <a:buChar char="•"/>
-            </a:pPr>
-            <a:endParaRPr lang="en-US" sz="2400" b="0" i="0" dirty="0">
-              <a:solidFill>
-                <a:srgbClr val="0D0D0D"/>
-              </a:solidFill>
-              <a:effectLst/>
-              <a:highlight>
-                <a:srgbClr val="FFFFFF"/>
-              </a:highlight>
-              <a:latin typeface="Aptos Display" panose="020B0004020202020204" pitchFamily="34" charset="0"/>
-            </a:endParaRPr>
-          </a:p>
-          <a:p>
-            <a:pPr marL="285750" indent="-285750" algn="just">
-              <a:buFont typeface="Arial" panose="020B0604020202020204" pitchFamily="34" charset="0"/>
-              <a:buChar char="•"/>
-            </a:pPr>
-            <a:r>
-              <a:rPr lang="en-US" sz="2400" b="1" i="0" dirty="0">
-                <a:solidFill>
-                  <a:srgbClr val="0D0D0D"/>
-                </a:solidFill>
-                <a:effectLst/>
-                <a:highlight>
-                  <a:srgbClr val="FFFFFF"/>
-                </a:highlight>
-                <a:latin typeface="Aptos Display" panose="020B0004020202020204" pitchFamily="34" charset="0"/>
-              </a:rPr>
-              <a:t>Solution gap: </a:t>
-            </a:r>
-            <a:r>
-              <a:rPr lang="en-US" sz="2400" b="0" i="0" dirty="0">
-                <a:solidFill>
-                  <a:srgbClr val="0D0D0D"/>
-                </a:solidFill>
-                <a:effectLst/>
-                <a:highlight>
-                  <a:srgbClr val="FFFFFF"/>
-                </a:highlight>
-                <a:latin typeface="Aptos Display" panose="020B0004020202020204" pitchFamily="34" charset="0"/>
-              </a:rPr>
-              <a:t>Market lacks a solution for intelligent analysis and tailored guidance.</a:t>
-            </a:r>
-          </a:p>
-          <a:p>
-            <a:pPr marL="285750" indent="-285750" algn="just">
-              <a:buFont typeface="Arial" panose="020B0604020202020204" pitchFamily="34" charset="0"/>
-              <a:buChar char="•"/>
-            </a:pPr>
-            <a:endParaRPr lang="en-US" sz="2400" b="0" i="0" dirty="0">
-              <a:solidFill>
-                <a:srgbClr val="0D0D0D"/>
-              </a:solidFill>
-              <a:effectLst/>
-              <a:highlight>
-                <a:srgbClr val="FFFFFF"/>
-              </a:highlight>
-              <a:latin typeface="Aptos Display" panose="020B0004020202020204" pitchFamily="34" charset="0"/>
-            </a:endParaRPr>
-          </a:p>
-          <a:p>
-            <a:pPr marL="285750" indent="-285750" algn="just">
-              <a:buFont typeface="Arial" panose="020B0604020202020204" pitchFamily="34" charset="0"/>
-              <a:buChar char="•"/>
-            </a:pPr>
-            <a:r>
-              <a:rPr lang="en-US" sz="2400" b="1" i="0" dirty="0">
-                <a:solidFill>
-                  <a:srgbClr val="0D0D0D"/>
-                </a:solidFill>
-                <a:effectLst/>
-                <a:highlight>
-                  <a:srgbClr val="FFFFFF"/>
-                </a:highlight>
-                <a:latin typeface="Aptos Display" panose="020B0004020202020204" pitchFamily="34" charset="0"/>
-              </a:rPr>
-              <a:t>Project goal: </a:t>
-            </a:r>
-            <a:r>
-              <a:rPr lang="en-US" sz="2400" i="0" dirty="0">
-                <a:solidFill>
-                  <a:srgbClr val="0D0D0D"/>
-                </a:solidFill>
-                <a:effectLst/>
-                <a:highlight>
-                  <a:srgbClr val="FFFFFF"/>
-                </a:highlight>
-                <a:latin typeface="Aptos Display" panose="020B0004020202020204" pitchFamily="34" charset="0"/>
-              </a:rPr>
-              <a:t>D</a:t>
-            </a:r>
-            <a:r>
-              <a:rPr lang="en-US" sz="2400" i="0" dirty="0">
-                <a:solidFill>
-                  <a:srgbClr val="0D0D0D"/>
-                </a:solidFill>
-                <a:effectLst/>
-                <a:highlight>
-                  <a:srgbClr val="FFFFFF"/>
-                </a:highlight>
-                <a:latin typeface="Söhne"/>
-              </a:rPr>
-              <a:t>evelop a fitness tracker application (</a:t>
-            </a:r>
-            <a:r>
-              <a:rPr lang="en-US" sz="2400" b="1" i="0" dirty="0">
-                <a:solidFill>
-                  <a:srgbClr val="0D0D0D"/>
-                </a:solidFill>
-                <a:effectLst/>
-                <a:highlight>
-                  <a:srgbClr val="FFFFFF"/>
-                </a:highlight>
-                <a:latin typeface="Söhne"/>
-              </a:rPr>
-              <a:t>Step Count predictor</a:t>
-            </a:r>
-            <a:r>
-              <a:rPr lang="en-US" sz="2400" i="0" dirty="0">
-                <a:solidFill>
-                  <a:srgbClr val="0D0D0D"/>
-                </a:solidFill>
-                <a:effectLst/>
-                <a:highlight>
-                  <a:srgbClr val="FFFFFF"/>
-                </a:highlight>
-                <a:latin typeface="Söhne"/>
-              </a:rPr>
-              <a:t>) that utilizes machine learning algorithms to offer personalized recommendations and predictions based on user data collected from Fitbit devices. </a:t>
-            </a:r>
-          </a:p>
-          <a:p>
-            <a:pPr algn="just"/>
-            <a:endParaRPr lang="en-US" sz="2400" i="0" dirty="0">
-              <a:solidFill>
-                <a:srgbClr val="0D0D0D"/>
-              </a:solidFill>
-              <a:effectLst/>
-              <a:highlight>
-                <a:srgbClr val="FFFFFF"/>
-              </a:highlight>
-              <a:latin typeface="Aptos Display" panose="020B0004020202020204" pitchFamily="34" charset="0"/>
-            </a:endParaRPr>
-          </a:p>
-          <a:p>
-            <a:pPr marL="285750" indent="-285750" algn="just">
-              <a:buFont typeface="Arial" panose="020B0604020202020204" pitchFamily="34" charset="0"/>
-              <a:buChar char="•"/>
-            </a:pPr>
-            <a:r>
-              <a:rPr lang="en-US" sz="2400" b="1" i="0" dirty="0">
-                <a:solidFill>
-                  <a:srgbClr val="0D0D0D"/>
-                </a:solidFill>
-                <a:effectLst/>
-                <a:highlight>
-                  <a:srgbClr val="FFFFFF"/>
-                </a:highlight>
-                <a:latin typeface="Aptos Display" panose="020B0004020202020204" pitchFamily="34" charset="0"/>
-              </a:rPr>
-              <a:t>Impact: </a:t>
-            </a:r>
-            <a:r>
-              <a:rPr lang="en-US" sz="2400" b="0" i="0" dirty="0">
-                <a:solidFill>
-                  <a:srgbClr val="0D0D0D"/>
-                </a:solidFill>
-                <a:effectLst/>
-                <a:highlight>
-                  <a:srgbClr val="FFFFFF"/>
-                </a:highlight>
-                <a:latin typeface="Aptos Display" panose="020B0004020202020204" pitchFamily="34" charset="0"/>
-              </a:rPr>
-              <a:t>Enhance user engagement and support in achieving fitness goals effectively.</a:t>
-            </a:r>
-          </a:p>
-          <a:p>
-            <a:pPr algn="just"/>
-            <a:endParaRPr lang="en-IN" dirty="0"/>
-          </a:p>
-        </p:txBody>
-      </p:sp>
-      <p:pic>
-        <p:nvPicPr>
-          <p:cNvPr id="5" name="Picture 4">
-            <a:extLst>
-              <a:ext uri="{FF2B5EF4-FFF2-40B4-BE49-F238E27FC236}">
-                <a16:creationId xmlns:a16="http://schemas.microsoft.com/office/drawing/2014/main" id="{FC547914-8CC1-212B-B9ED-1566604AF700}"/>
+                <a16:creationId xmlns:a16="http://schemas.microsoft.com/office/drawing/2014/main" id="{B5998428-1AC5-99A8-093D-49698B2C51B9}"/>
               </a:ext>
             </a:extLst>
           </p:cNvPr>
@@ -5505,7 +6569,7 @@
         </p:blipFill>
         <p:spPr>
           <a:xfrm>
-            <a:off x="10285768" y="254558"/>
+            <a:off x="10324269" y="130868"/>
             <a:ext cx="1502028" cy="893890"/>
           </a:xfrm>
           <a:prstGeom prst="rect">
@@ -5513,12 +6577,42 @@
           </a:prstGeom>
         </p:spPr>
       </p:pic>
-      <p:sp>
-        <p:nvSpPr>
-          <p:cNvPr id="6" name="Slide Number Placeholder 5">
+      <p:pic>
+        <p:nvPicPr>
+          <p:cNvPr id="9" name="Picture 8">
             <a:extLst>
               <a:ext uri="{FF2B5EF4-FFF2-40B4-BE49-F238E27FC236}">
-                <a16:creationId xmlns:a16="http://schemas.microsoft.com/office/drawing/2014/main" id="{3CA7E4A2-9251-2F46-6828-422F7F140B6D}"/>
+                <a16:creationId xmlns:a16="http://schemas.microsoft.com/office/drawing/2014/main" id="{9F5893C2-5555-F2B7-9AE8-5C46F906CCC6}"/>
+              </a:ext>
+            </a:extLst>
+          </p:cNvPr>
+          <p:cNvPicPr>
+            <a:picLocks noChangeAspect="1"/>
+          </p:cNvPicPr>
+          <p:nvPr/>
+        </p:nvPicPr>
+        <p:blipFill>
+          <a:blip r:embed="rId3"/>
+          <a:stretch>
+            <a:fillRect/>
+          </a:stretch>
+        </p:blipFill>
+        <p:spPr>
+          <a:xfrm>
+            <a:off x="2674748" y="5255960"/>
+            <a:ext cx="7068536" cy="1448002"/>
+          </a:xfrm>
+          <a:prstGeom prst="rect">
+            <a:avLst/>
+          </a:prstGeom>
+        </p:spPr>
+      </p:pic>
+      <p:sp>
+        <p:nvSpPr>
+          <p:cNvPr id="12" name="Slide Number Placeholder 11">
+            <a:extLst>
+              <a:ext uri="{FF2B5EF4-FFF2-40B4-BE49-F238E27FC236}">
+                <a16:creationId xmlns:a16="http://schemas.microsoft.com/office/drawing/2014/main" id="{85CBDB89-BDF2-166E-B4A0-32D875FC6780}"/>
               </a:ext>
             </a:extLst>
           </p:cNvPr>
@@ -5545,7 +6639,7 @@
     </p:spTree>
     <p:extLst>
       <p:ext uri="{BB962C8B-B14F-4D97-AF65-F5344CB8AC3E}">
-        <p14:creationId xmlns:p14="http://schemas.microsoft.com/office/powerpoint/2010/main" val="1546209367"/>
+        <p14:creationId xmlns:p14="http://schemas.microsoft.com/office/powerpoint/2010/main" val="1817412249"/>
       </p:ext>
     </p:extLst>
   </p:cSld>
@@ -5574,6 +6668,890 @@
       </p:grpSpPr>
       <p:sp>
         <p:nvSpPr>
+          <p:cNvPr id="2" name="Rectangle 1">
+            <a:extLst>
+              <a:ext uri="{FF2B5EF4-FFF2-40B4-BE49-F238E27FC236}">
+                <a16:creationId xmlns:a16="http://schemas.microsoft.com/office/drawing/2014/main" id="{854BF89F-D7C7-3D94-CBB6-AE8BEDDE50E2}"/>
+              </a:ext>
+            </a:extLst>
+          </p:cNvPr>
+          <p:cNvSpPr/>
+          <p:nvPr/>
+        </p:nvSpPr>
+        <p:spPr>
+          <a:xfrm>
+            <a:off x="2437152" y="439893"/>
+            <a:ext cx="6393032" cy="523220"/>
+          </a:xfrm>
+          <a:prstGeom prst="rect">
+            <a:avLst/>
+          </a:prstGeom>
+          <a:noFill/>
+        </p:spPr>
+        <p:txBody>
+          <a:bodyPr wrap="none" lIns="91440" tIns="45720" rIns="91440" bIns="45720">
+            <a:spAutoFit/>
+          </a:bodyPr>
+          <a:lstStyle/>
+          <a:p>
+            <a:pPr algn="ctr"/>
+            <a:r>
+              <a:rPr lang="en-US" sz="2800" b="0" cap="none" spc="0" dirty="0">
+                <a:ln w="0"/>
+                <a:solidFill>
+                  <a:schemeClr val="tx1"/>
+                </a:solidFill>
+                <a:effectLst>
+                  <a:outerShdw blurRad="38100" dist="19050" dir="2700000" algn="tl" rotWithShape="0">
+                    <a:schemeClr val="dk1">
+                      <a:alpha val="40000"/>
+                    </a:schemeClr>
+                  </a:outerShdw>
+                </a:effectLst>
+                <a:latin typeface="Arial Black" panose="020B0A04020102020204" pitchFamily="34" charset="0"/>
+              </a:rPr>
+              <a:t>Problem Statement &amp; Objective</a:t>
+            </a:r>
+          </a:p>
+        </p:txBody>
+      </p:sp>
+      <p:sp>
+        <p:nvSpPr>
+          <p:cNvPr id="4" name="TextBox 3">
+            <a:extLst>
+              <a:ext uri="{FF2B5EF4-FFF2-40B4-BE49-F238E27FC236}">
+                <a16:creationId xmlns:a16="http://schemas.microsoft.com/office/drawing/2014/main" id="{57B3F3DA-2EAC-2788-D00F-EA688EE2005A}"/>
+              </a:ext>
+            </a:extLst>
+          </p:cNvPr>
+          <p:cNvSpPr txBox="1"/>
+          <p:nvPr/>
+        </p:nvSpPr>
+        <p:spPr>
+          <a:xfrm>
+            <a:off x="523982" y="1312037"/>
+            <a:ext cx="11054993" cy="4801314"/>
+          </a:xfrm>
+          <a:prstGeom prst="rect">
+            <a:avLst/>
+          </a:prstGeom>
+          <a:noFill/>
+        </p:spPr>
+        <p:txBody>
+          <a:bodyPr wrap="square">
+            <a:spAutoFit/>
+          </a:bodyPr>
+          <a:lstStyle/>
+          <a:p>
+            <a:pPr marL="285750" indent="-285750" algn="just">
+              <a:buFont typeface="Arial" panose="020B0604020202020204" pitchFamily="34" charset="0"/>
+              <a:buChar char="•"/>
+            </a:pPr>
+            <a:r>
+              <a:rPr lang="en-US" sz="2400" b="1" i="0" dirty="0">
+                <a:solidFill>
+                  <a:srgbClr val="0D0D0D"/>
+                </a:solidFill>
+                <a:effectLst/>
+                <a:highlight>
+                  <a:srgbClr val="FFFFFF"/>
+                </a:highlight>
+                <a:latin typeface="Aptos Display" panose="020B0004020202020204" pitchFamily="34" charset="0"/>
+              </a:rPr>
+              <a:t>Problem: </a:t>
+            </a:r>
+            <a:r>
+              <a:rPr lang="en-US" sz="2400" b="0" i="0" dirty="0">
+                <a:solidFill>
+                  <a:srgbClr val="0D0D0D"/>
+                </a:solidFill>
+                <a:effectLst/>
+                <a:highlight>
+                  <a:srgbClr val="FFFFFF"/>
+                </a:highlight>
+                <a:latin typeface="Aptos Display" panose="020B0004020202020204" pitchFamily="34" charset="0"/>
+              </a:rPr>
+              <a:t>Current fitness tracking lacks personalized insights, hindering optimal results.</a:t>
+            </a:r>
+          </a:p>
+          <a:p>
+            <a:pPr marL="285750" indent="-285750" algn="just">
+              <a:buFont typeface="Arial" panose="020B0604020202020204" pitchFamily="34" charset="0"/>
+              <a:buChar char="•"/>
+            </a:pPr>
+            <a:endParaRPr lang="en-US" sz="2400" b="0" i="0" dirty="0">
+              <a:solidFill>
+                <a:srgbClr val="0D0D0D"/>
+              </a:solidFill>
+              <a:effectLst/>
+              <a:highlight>
+                <a:srgbClr val="FFFFFF"/>
+              </a:highlight>
+              <a:latin typeface="Aptos Display" panose="020B0004020202020204" pitchFamily="34" charset="0"/>
+            </a:endParaRPr>
+          </a:p>
+          <a:p>
+            <a:pPr marL="285750" indent="-285750" algn="just">
+              <a:buFont typeface="Arial" panose="020B0604020202020204" pitchFamily="34" charset="0"/>
+              <a:buChar char="•"/>
+            </a:pPr>
+            <a:r>
+              <a:rPr lang="en-US" sz="2400" b="1" i="0" dirty="0">
+                <a:solidFill>
+                  <a:srgbClr val="0D0D0D"/>
+                </a:solidFill>
+                <a:effectLst/>
+                <a:highlight>
+                  <a:srgbClr val="FFFFFF"/>
+                </a:highlight>
+                <a:latin typeface="Aptos Display" panose="020B0004020202020204" pitchFamily="34" charset="0"/>
+              </a:rPr>
+              <a:t>Challenge: </a:t>
+            </a:r>
+            <a:r>
+              <a:rPr lang="en-US" sz="2400" b="0" i="0" dirty="0">
+                <a:solidFill>
+                  <a:srgbClr val="0D0D0D"/>
+                </a:solidFill>
+                <a:effectLst/>
+                <a:highlight>
+                  <a:srgbClr val="FFFFFF"/>
+                </a:highlight>
+                <a:latin typeface="Aptos Display" panose="020B0004020202020204" pitchFamily="34" charset="0"/>
+              </a:rPr>
+              <a:t>Users struggle to interpret vast fitness data collected.</a:t>
+            </a:r>
+          </a:p>
+          <a:p>
+            <a:pPr marL="285750" indent="-285750" algn="just">
+              <a:buFont typeface="Arial" panose="020B0604020202020204" pitchFamily="34" charset="0"/>
+              <a:buChar char="•"/>
+            </a:pPr>
+            <a:endParaRPr lang="en-US" sz="2400" b="0" i="0" dirty="0">
+              <a:solidFill>
+                <a:srgbClr val="0D0D0D"/>
+              </a:solidFill>
+              <a:effectLst/>
+              <a:highlight>
+                <a:srgbClr val="FFFFFF"/>
+              </a:highlight>
+              <a:latin typeface="Aptos Display" panose="020B0004020202020204" pitchFamily="34" charset="0"/>
+            </a:endParaRPr>
+          </a:p>
+          <a:p>
+            <a:pPr marL="285750" indent="-285750" algn="just">
+              <a:buFont typeface="Arial" panose="020B0604020202020204" pitchFamily="34" charset="0"/>
+              <a:buChar char="•"/>
+            </a:pPr>
+            <a:r>
+              <a:rPr lang="en-US" sz="2400" b="1" i="0" dirty="0">
+                <a:solidFill>
+                  <a:srgbClr val="0D0D0D"/>
+                </a:solidFill>
+                <a:effectLst/>
+                <a:highlight>
+                  <a:srgbClr val="FFFFFF"/>
+                </a:highlight>
+                <a:latin typeface="Aptos Display" panose="020B0004020202020204" pitchFamily="34" charset="0"/>
+              </a:rPr>
+              <a:t>Solution gap: </a:t>
+            </a:r>
+            <a:r>
+              <a:rPr lang="en-US" sz="2400" b="0" i="0" dirty="0">
+                <a:solidFill>
+                  <a:srgbClr val="0D0D0D"/>
+                </a:solidFill>
+                <a:effectLst/>
+                <a:highlight>
+                  <a:srgbClr val="FFFFFF"/>
+                </a:highlight>
+                <a:latin typeface="Aptos Display" panose="020B0004020202020204" pitchFamily="34" charset="0"/>
+              </a:rPr>
+              <a:t>Market lacks a solution for intelligent analysis and tailored guidance.</a:t>
+            </a:r>
+          </a:p>
+          <a:p>
+            <a:pPr marL="285750" indent="-285750" algn="just">
+              <a:buFont typeface="Arial" panose="020B0604020202020204" pitchFamily="34" charset="0"/>
+              <a:buChar char="•"/>
+            </a:pPr>
+            <a:endParaRPr lang="en-US" sz="2400" b="0" i="0" dirty="0">
+              <a:solidFill>
+                <a:srgbClr val="0D0D0D"/>
+              </a:solidFill>
+              <a:effectLst/>
+              <a:highlight>
+                <a:srgbClr val="FFFFFF"/>
+              </a:highlight>
+              <a:latin typeface="Aptos Display" panose="020B0004020202020204" pitchFamily="34" charset="0"/>
+            </a:endParaRPr>
+          </a:p>
+          <a:p>
+            <a:pPr marL="285750" indent="-285750" algn="just">
+              <a:buFont typeface="Arial" panose="020B0604020202020204" pitchFamily="34" charset="0"/>
+              <a:buChar char="•"/>
+            </a:pPr>
+            <a:r>
+              <a:rPr lang="en-US" sz="2400" b="1" i="0" dirty="0">
+                <a:solidFill>
+                  <a:srgbClr val="0D0D0D"/>
+                </a:solidFill>
+                <a:effectLst/>
+                <a:highlight>
+                  <a:srgbClr val="FFFFFF"/>
+                </a:highlight>
+                <a:latin typeface="Aptos Display" panose="020B0004020202020204" pitchFamily="34" charset="0"/>
+              </a:rPr>
+              <a:t>Project goal: </a:t>
+            </a:r>
+            <a:r>
+              <a:rPr lang="en-US" sz="2400" i="0" dirty="0">
+                <a:solidFill>
+                  <a:srgbClr val="0D0D0D"/>
+                </a:solidFill>
+                <a:effectLst/>
+                <a:highlight>
+                  <a:srgbClr val="FFFFFF"/>
+                </a:highlight>
+                <a:latin typeface="Aptos Display" panose="020B0004020202020204" pitchFamily="34" charset="0"/>
+              </a:rPr>
+              <a:t>D</a:t>
+            </a:r>
+            <a:r>
+              <a:rPr lang="en-US" sz="2400" i="0" dirty="0">
+                <a:solidFill>
+                  <a:srgbClr val="0D0D0D"/>
+                </a:solidFill>
+                <a:effectLst/>
+                <a:highlight>
+                  <a:srgbClr val="FFFFFF"/>
+                </a:highlight>
+                <a:latin typeface="Söhne"/>
+              </a:rPr>
+              <a:t>evelop a fitness tracker application (</a:t>
+            </a:r>
+            <a:r>
+              <a:rPr lang="en-US" sz="2400" b="1" i="0" dirty="0">
+                <a:solidFill>
+                  <a:srgbClr val="0D0D0D"/>
+                </a:solidFill>
+                <a:effectLst/>
+                <a:highlight>
+                  <a:srgbClr val="FFFFFF"/>
+                </a:highlight>
+                <a:latin typeface="Söhne"/>
+              </a:rPr>
+              <a:t>Step Count predictor</a:t>
+            </a:r>
+            <a:r>
+              <a:rPr lang="en-US" sz="2400" i="0" dirty="0">
+                <a:solidFill>
+                  <a:srgbClr val="0D0D0D"/>
+                </a:solidFill>
+                <a:effectLst/>
+                <a:highlight>
+                  <a:srgbClr val="FFFFFF"/>
+                </a:highlight>
+                <a:latin typeface="Söhne"/>
+              </a:rPr>
+              <a:t>) that utilizes machine learning algorithms to offer personalized recommendations and predictions based on user data collected from Fitbit devices. </a:t>
+            </a:r>
+          </a:p>
+          <a:p>
+            <a:pPr algn="just"/>
+            <a:endParaRPr lang="en-US" sz="2400" i="0" dirty="0">
+              <a:solidFill>
+                <a:srgbClr val="0D0D0D"/>
+              </a:solidFill>
+              <a:effectLst/>
+              <a:highlight>
+                <a:srgbClr val="FFFFFF"/>
+              </a:highlight>
+              <a:latin typeface="Aptos Display" panose="020B0004020202020204" pitchFamily="34" charset="0"/>
+            </a:endParaRPr>
+          </a:p>
+          <a:p>
+            <a:pPr marL="285750" indent="-285750" algn="just">
+              <a:buFont typeface="Arial" panose="020B0604020202020204" pitchFamily="34" charset="0"/>
+              <a:buChar char="•"/>
+            </a:pPr>
+            <a:r>
+              <a:rPr lang="en-US" sz="2400" b="1" i="0" dirty="0">
+                <a:solidFill>
+                  <a:srgbClr val="0D0D0D"/>
+                </a:solidFill>
+                <a:effectLst/>
+                <a:highlight>
+                  <a:srgbClr val="FFFFFF"/>
+                </a:highlight>
+                <a:latin typeface="Aptos Display" panose="020B0004020202020204" pitchFamily="34" charset="0"/>
+              </a:rPr>
+              <a:t>Impact: </a:t>
+            </a:r>
+            <a:r>
+              <a:rPr lang="en-US" sz="2400" b="0" i="0" dirty="0">
+                <a:solidFill>
+                  <a:srgbClr val="0D0D0D"/>
+                </a:solidFill>
+                <a:effectLst/>
+                <a:highlight>
+                  <a:srgbClr val="FFFFFF"/>
+                </a:highlight>
+                <a:latin typeface="Aptos Display" panose="020B0004020202020204" pitchFamily="34" charset="0"/>
+              </a:rPr>
+              <a:t>Enhance user engagement and support in achieving fitness goals effectively.</a:t>
+            </a:r>
+          </a:p>
+          <a:p>
+            <a:pPr algn="just"/>
+            <a:endParaRPr lang="en-IN" dirty="0"/>
+          </a:p>
+        </p:txBody>
+      </p:sp>
+      <p:pic>
+        <p:nvPicPr>
+          <p:cNvPr id="5" name="Picture 4">
+            <a:extLst>
+              <a:ext uri="{FF2B5EF4-FFF2-40B4-BE49-F238E27FC236}">
+                <a16:creationId xmlns:a16="http://schemas.microsoft.com/office/drawing/2014/main" id="{FC547914-8CC1-212B-B9ED-1566604AF700}"/>
+              </a:ext>
+            </a:extLst>
+          </p:cNvPr>
+          <p:cNvPicPr>
+            <a:picLocks noChangeAspect="1"/>
+          </p:cNvPicPr>
+          <p:nvPr/>
+        </p:nvPicPr>
+        <p:blipFill>
+          <a:blip r:embed="rId2"/>
+          <a:stretch>
+            <a:fillRect/>
+          </a:stretch>
+        </p:blipFill>
+        <p:spPr>
+          <a:xfrm>
+            <a:off x="10285768" y="254558"/>
+            <a:ext cx="1502028" cy="893890"/>
+          </a:xfrm>
+          <a:prstGeom prst="rect">
+            <a:avLst/>
+          </a:prstGeom>
+        </p:spPr>
+      </p:pic>
+      <p:sp>
+        <p:nvSpPr>
+          <p:cNvPr id="6" name="Slide Number Placeholder 5">
+            <a:extLst>
+              <a:ext uri="{FF2B5EF4-FFF2-40B4-BE49-F238E27FC236}">
+                <a16:creationId xmlns:a16="http://schemas.microsoft.com/office/drawing/2014/main" id="{3CA7E4A2-9251-2F46-6828-422F7F140B6D}"/>
+              </a:ext>
+            </a:extLst>
+          </p:cNvPr>
+          <p:cNvSpPr>
+            <a:spLocks noGrp="1"/>
+          </p:cNvSpPr>
+          <p:nvPr>
+            <p:ph type="sldNum" sz="quarter" idx="12"/>
+          </p:nvPr>
+        </p:nvSpPr>
+        <p:spPr/>
+        <p:txBody>
+          <a:bodyPr/>
+          <a:lstStyle/>
+          <a:p>
+            <a:fld id="{762A593B-48AA-4375-A704-2049C4AF33B6}" type="slidenum">
+              <a:rPr lang="en-IN" smtClean="0"/>
+              <a:t>4</a:t>
+            </a:fld>
+            <a:endParaRPr lang="en-IN"/>
+          </a:p>
+        </p:txBody>
+      </p:sp>
+    </p:spTree>
+    <p:extLst>
+      <p:ext uri="{BB962C8B-B14F-4D97-AF65-F5344CB8AC3E}">
+        <p14:creationId xmlns:p14="http://schemas.microsoft.com/office/powerpoint/2010/main" val="1546209367"/>
+      </p:ext>
+    </p:extLst>
+  </p:cSld>
+  <p:clrMapOvr>
+    <a:masterClrMapping/>
+  </p:clrMapOvr>
+</p:sld>
+</file>
+
+<file path=ppt/slides/slide5.xml><?xml version="1.0" encoding="utf-8"?>
+<p:sld xmlns:a="http://schemas.openxmlformats.org/drawingml/2006/main" xmlns:r="http://schemas.openxmlformats.org/officeDocument/2006/relationships" xmlns:p="http://schemas.openxmlformats.org/presentationml/2006/main">
+  <p:cSld>
+    <p:spTree>
+      <p:nvGrpSpPr>
+        <p:cNvPr id="1" name=""/>
+        <p:cNvGrpSpPr/>
+        <p:nvPr/>
+      </p:nvGrpSpPr>
+      <p:grpSpPr>
+        <a:xfrm>
+          <a:off x="0" y="0"/>
+          <a:ext cx="0" cy="0"/>
+          <a:chOff x="0" y="0"/>
+          <a:chExt cx="0" cy="0"/>
+        </a:xfrm>
+      </p:grpSpPr>
+      <p:sp>
+        <p:nvSpPr>
+          <p:cNvPr id="2" name="Slide Number Placeholder 1">
+            <a:extLst>
+              <a:ext uri="{FF2B5EF4-FFF2-40B4-BE49-F238E27FC236}">
+                <a16:creationId xmlns:a16="http://schemas.microsoft.com/office/drawing/2014/main" id="{6D74F892-74D4-4587-162A-5F81B16F56B1}"/>
+              </a:ext>
+            </a:extLst>
+          </p:cNvPr>
+          <p:cNvSpPr>
+            <a:spLocks noGrp="1"/>
+          </p:cNvSpPr>
+          <p:nvPr>
+            <p:ph type="sldNum" sz="quarter" idx="12"/>
+          </p:nvPr>
+        </p:nvSpPr>
+        <p:spPr/>
+        <p:txBody>
+          <a:bodyPr/>
+          <a:lstStyle/>
+          <a:p>
+            <a:fld id="{762A593B-48AA-4375-A704-2049C4AF33B6}" type="slidenum">
+              <a:rPr lang="en-IN" smtClean="0"/>
+              <a:t>5</a:t>
+            </a:fld>
+            <a:endParaRPr lang="en-IN"/>
+          </a:p>
+        </p:txBody>
+      </p:sp>
+      <p:sp>
+        <p:nvSpPr>
+          <p:cNvPr id="7" name="Rectangle: Rounded Corners 6">
+            <a:extLst>
+              <a:ext uri="{FF2B5EF4-FFF2-40B4-BE49-F238E27FC236}">
+                <a16:creationId xmlns:a16="http://schemas.microsoft.com/office/drawing/2014/main" id="{B84980B9-8ADA-DAE7-3E58-66BCA153C29B}"/>
+              </a:ext>
+            </a:extLst>
+          </p:cNvPr>
+          <p:cNvSpPr/>
+          <p:nvPr/>
+        </p:nvSpPr>
+        <p:spPr>
+          <a:xfrm>
+            <a:off x="1489158" y="1386038"/>
+            <a:ext cx="8411300" cy="4783756"/>
+          </a:xfrm>
+          <a:prstGeom prst="roundRect">
+            <a:avLst/>
+          </a:prstGeom>
+        </p:spPr>
+        <p:style>
+          <a:lnRef idx="2">
+            <a:schemeClr val="accent6"/>
+          </a:lnRef>
+          <a:fillRef idx="1">
+            <a:schemeClr val="lt1"/>
+          </a:fillRef>
+          <a:effectRef idx="0">
+            <a:schemeClr val="accent6"/>
+          </a:effectRef>
+          <a:fontRef idx="minor">
+            <a:schemeClr val="dk1"/>
+          </a:fontRef>
+        </p:style>
+        <p:txBody>
+          <a:bodyPr rtlCol="0" anchor="ctr"/>
+          <a:lstStyle/>
+          <a:p>
+            <a:pPr algn="ctr"/>
+            <a:endParaRPr lang="en-IN"/>
+          </a:p>
+        </p:txBody>
+      </p:sp>
+      <p:pic>
+        <p:nvPicPr>
+          <p:cNvPr id="4" name="Picture 3">
+            <a:extLst>
+              <a:ext uri="{FF2B5EF4-FFF2-40B4-BE49-F238E27FC236}">
+                <a16:creationId xmlns:a16="http://schemas.microsoft.com/office/drawing/2014/main" id="{73C145F2-313F-4648-352B-E6523DF19A7F}"/>
+              </a:ext>
+            </a:extLst>
+          </p:cNvPr>
+          <p:cNvPicPr>
+            <a:picLocks noChangeAspect="1"/>
+          </p:cNvPicPr>
+          <p:nvPr/>
+        </p:nvPicPr>
+        <p:blipFill>
+          <a:blip r:embed="rId2"/>
+          <a:stretch>
+            <a:fillRect/>
+          </a:stretch>
+        </p:blipFill>
+        <p:spPr>
+          <a:xfrm>
+            <a:off x="1722922" y="1803572"/>
+            <a:ext cx="7950467" cy="3814496"/>
+          </a:xfrm>
+          <a:prstGeom prst="rect">
+            <a:avLst/>
+          </a:prstGeom>
+        </p:spPr>
+      </p:pic>
+      <p:sp>
+        <p:nvSpPr>
+          <p:cNvPr id="5" name="Rectangle 4">
+            <a:extLst>
+              <a:ext uri="{FF2B5EF4-FFF2-40B4-BE49-F238E27FC236}">
+                <a16:creationId xmlns:a16="http://schemas.microsoft.com/office/drawing/2014/main" id="{773502CA-9AEE-E3D4-6644-AF1124C25E46}"/>
+              </a:ext>
+            </a:extLst>
+          </p:cNvPr>
+          <p:cNvSpPr/>
+          <p:nvPr/>
+        </p:nvSpPr>
+        <p:spPr>
+          <a:xfrm>
+            <a:off x="3831531" y="531187"/>
+            <a:ext cx="3499484" cy="523220"/>
+          </a:xfrm>
+          <a:prstGeom prst="rect">
+            <a:avLst/>
+          </a:prstGeom>
+          <a:noFill/>
+        </p:spPr>
+        <p:txBody>
+          <a:bodyPr wrap="none" lIns="91440" tIns="45720" rIns="91440" bIns="45720">
+            <a:spAutoFit/>
+          </a:bodyPr>
+          <a:lstStyle/>
+          <a:p>
+            <a:pPr algn="ctr"/>
+            <a:r>
+              <a:rPr lang="en-US" sz="2800" dirty="0">
+                <a:ln w="0"/>
+                <a:solidFill>
+                  <a:srgbClr val="002060"/>
+                </a:solidFill>
+                <a:effectLst>
+                  <a:outerShdw blurRad="38100" dist="19050" dir="2700000" algn="tl" rotWithShape="0">
+                    <a:schemeClr val="dk1">
+                      <a:alpha val="40000"/>
+                    </a:schemeClr>
+                  </a:outerShdw>
+                </a:effectLst>
+                <a:latin typeface="Arial Black" panose="020B0A04020102020204" pitchFamily="34" charset="0"/>
+              </a:rPr>
+              <a:t>T</a:t>
+            </a:r>
+            <a:r>
+              <a:rPr lang="en-US" sz="2800" b="0" cap="none" spc="0" dirty="0">
+                <a:ln w="0"/>
+                <a:solidFill>
+                  <a:srgbClr val="002060"/>
+                </a:solidFill>
+                <a:effectLst>
+                  <a:outerShdw blurRad="38100" dist="19050" dir="2700000" algn="tl" rotWithShape="0">
+                    <a:schemeClr val="dk1">
+                      <a:alpha val="40000"/>
+                    </a:schemeClr>
+                  </a:outerShdw>
+                </a:effectLst>
+                <a:latin typeface="Arial Black" panose="020B0A04020102020204" pitchFamily="34" charset="0"/>
+              </a:rPr>
+              <a:t>ech Stack Used</a:t>
+            </a:r>
+          </a:p>
+        </p:txBody>
+      </p:sp>
+      <p:pic>
+        <p:nvPicPr>
+          <p:cNvPr id="6" name="Picture 5">
+            <a:extLst>
+              <a:ext uri="{FF2B5EF4-FFF2-40B4-BE49-F238E27FC236}">
+                <a16:creationId xmlns:a16="http://schemas.microsoft.com/office/drawing/2014/main" id="{4D72FA0A-A764-0FF6-F8D9-69F519FAD9B2}"/>
+              </a:ext>
+            </a:extLst>
+          </p:cNvPr>
+          <p:cNvPicPr>
+            <a:picLocks noChangeAspect="1"/>
+          </p:cNvPicPr>
+          <p:nvPr/>
+        </p:nvPicPr>
+        <p:blipFill>
+          <a:blip r:embed="rId3"/>
+          <a:stretch>
+            <a:fillRect/>
+          </a:stretch>
+        </p:blipFill>
+        <p:spPr>
+          <a:xfrm>
+            <a:off x="10362770" y="246371"/>
+            <a:ext cx="1502028" cy="893890"/>
+          </a:xfrm>
+          <a:prstGeom prst="rect">
+            <a:avLst/>
+          </a:prstGeom>
+        </p:spPr>
+      </p:pic>
+    </p:spTree>
+    <p:extLst>
+      <p:ext uri="{BB962C8B-B14F-4D97-AF65-F5344CB8AC3E}">
+        <p14:creationId xmlns:p14="http://schemas.microsoft.com/office/powerpoint/2010/main" val="1920979708"/>
+      </p:ext>
+    </p:extLst>
+  </p:cSld>
+  <p:clrMapOvr>
+    <a:masterClrMapping/>
+  </p:clrMapOvr>
+</p:sld>
+</file>
+
+<file path=ppt/slides/slide6.xml><?xml version="1.0" encoding="utf-8"?>
+<p:sld xmlns:a="http://schemas.openxmlformats.org/drawingml/2006/main" xmlns:r="http://schemas.openxmlformats.org/officeDocument/2006/relationships" xmlns:p="http://schemas.openxmlformats.org/presentationml/2006/main">
+  <p:cSld>
+    <p:spTree>
+      <p:nvGrpSpPr>
+        <p:cNvPr id="1" name=""/>
+        <p:cNvGrpSpPr/>
+        <p:nvPr/>
+      </p:nvGrpSpPr>
+      <p:grpSpPr>
+        <a:xfrm>
+          <a:off x="0" y="0"/>
+          <a:ext cx="0" cy="0"/>
+          <a:chOff x="0" y="0"/>
+          <a:chExt cx="0" cy="0"/>
+        </a:xfrm>
+      </p:grpSpPr>
+      <p:sp>
+        <p:nvSpPr>
+          <p:cNvPr id="2" name="Slide Number Placeholder 1">
+            <a:extLst>
+              <a:ext uri="{FF2B5EF4-FFF2-40B4-BE49-F238E27FC236}">
+                <a16:creationId xmlns:a16="http://schemas.microsoft.com/office/drawing/2014/main" id="{874820D2-05DE-7D46-06E2-49D860D5FE1F}"/>
+              </a:ext>
+            </a:extLst>
+          </p:cNvPr>
+          <p:cNvSpPr>
+            <a:spLocks noGrp="1"/>
+          </p:cNvSpPr>
+          <p:nvPr>
+            <p:ph type="sldNum" sz="quarter" idx="12"/>
+          </p:nvPr>
+        </p:nvSpPr>
+        <p:spPr/>
+        <p:txBody>
+          <a:bodyPr/>
+          <a:lstStyle/>
+          <a:p>
+            <a:fld id="{762A593B-48AA-4375-A704-2049C4AF33B6}" type="slidenum">
+              <a:rPr lang="en-IN" smtClean="0"/>
+              <a:t>6</a:t>
+            </a:fld>
+            <a:endParaRPr lang="en-IN"/>
+          </a:p>
+        </p:txBody>
+      </p:sp>
+      <p:sp>
+        <p:nvSpPr>
+          <p:cNvPr id="3" name="Rectangle 2">
+            <a:extLst>
+              <a:ext uri="{FF2B5EF4-FFF2-40B4-BE49-F238E27FC236}">
+                <a16:creationId xmlns:a16="http://schemas.microsoft.com/office/drawing/2014/main" id="{E57027B4-2A7D-D893-C8B6-C1D30F18F701}"/>
+              </a:ext>
+            </a:extLst>
+          </p:cNvPr>
+          <p:cNvSpPr/>
+          <p:nvPr/>
+        </p:nvSpPr>
+        <p:spPr>
+          <a:xfrm>
+            <a:off x="3901336" y="439893"/>
+            <a:ext cx="3464667" cy="523220"/>
+          </a:xfrm>
+          <a:prstGeom prst="rect">
+            <a:avLst/>
+          </a:prstGeom>
+          <a:noFill/>
+        </p:spPr>
+        <p:txBody>
+          <a:bodyPr wrap="none" lIns="91440" tIns="45720" rIns="91440" bIns="45720">
+            <a:spAutoFit/>
+          </a:bodyPr>
+          <a:lstStyle/>
+          <a:p>
+            <a:pPr algn="ctr"/>
+            <a:r>
+              <a:rPr lang="en-US" sz="2800" b="0" cap="none" spc="0" dirty="0">
+                <a:ln w="0"/>
+                <a:solidFill>
+                  <a:schemeClr val="tx1"/>
+                </a:solidFill>
+                <a:effectLst>
+                  <a:outerShdw blurRad="38100" dist="19050" dir="2700000" algn="tl" rotWithShape="0">
+                    <a:schemeClr val="dk1">
+                      <a:alpha val="40000"/>
+                    </a:schemeClr>
+                  </a:outerShdw>
+                </a:effectLst>
+                <a:latin typeface="Arial Black" panose="020B0A04020102020204" pitchFamily="34" charset="0"/>
+              </a:rPr>
+              <a:t>Data Description</a:t>
+            </a:r>
+          </a:p>
+        </p:txBody>
+      </p:sp>
+      <p:sp>
+        <p:nvSpPr>
+          <p:cNvPr id="5" name="TextBox 4">
+            <a:extLst>
+              <a:ext uri="{FF2B5EF4-FFF2-40B4-BE49-F238E27FC236}">
+                <a16:creationId xmlns:a16="http://schemas.microsoft.com/office/drawing/2014/main" id="{7A856ABD-C99A-76A7-3C8A-C7CD50E82CF0}"/>
+              </a:ext>
+            </a:extLst>
+          </p:cNvPr>
+          <p:cNvSpPr txBox="1"/>
+          <p:nvPr/>
+        </p:nvSpPr>
+        <p:spPr>
+          <a:xfrm>
+            <a:off x="673770" y="1324343"/>
+            <a:ext cx="10240330" cy="2246769"/>
+          </a:xfrm>
+          <a:prstGeom prst="rect">
+            <a:avLst/>
+          </a:prstGeom>
+          <a:noFill/>
+        </p:spPr>
+        <p:txBody>
+          <a:bodyPr wrap="square">
+            <a:spAutoFit/>
+          </a:bodyPr>
+          <a:lstStyle/>
+          <a:p>
+            <a:pPr algn="just"/>
+            <a:r>
+              <a:rPr lang="en-US" sz="2000" b="1" dirty="0">
+                <a:latin typeface="Aptos Display" panose="020B0004020202020204" pitchFamily="34" charset="0"/>
+              </a:rPr>
+              <a:t>About Dataset</a:t>
+            </a:r>
+          </a:p>
+          <a:p>
+            <a:pPr algn="just"/>
+            <a:endParaRPr lang="en-US" sz="2000" b="1" dirty="0">
+              <a:latin typeface="Aptos Display" panose="020B0004020202020204" pitchFamily="34" charset="0"/>
+            </a:endParaRPr>
+          </a:p>
+          <a:p>
+            <a:pPr algn="just"/>
+            <a:r>
+              <a:rPr lang="en-US" sz="2000" dirty="0">
+                <a:latin typeface="Aptos Display" panose="020B0004020202020204" pitchFamily="34" charset="0"/>
+              </a:rPr>
+              <a:t>	The dataset used in this project was obtained from a distributed survey conducted on Amazon Mechanical Turk. Thirty eligible Fitbit users consented to submit personal tracker data spanning from 03.12.2016 to 05.12.2016. The dataset comprises minutelevel output for physical activity, heart rate, sleep monitoring, and other relevant metrics. Each user's data is organized into multiple files, such as dailyActivity, dailyCalories, hourlySteps, etc. </a:t>
+            </a:r>
+            <a:endParaRPr lang="en-IN" sz="2000" dirty="0">
+              <a:latin typeface="Aptos Display" panose="020B0004020202020204" pitchFamily="34" charset="0"/>
+            </a:endParaRPr>
+          </a:p>
+        </p:txBody>
+      </p:sp>
+      <p:pic>
+        <p:nvPicPr>
+          <p:cNvPr id="7" name="Picture 6">
+            <a:extLst>
+              <a:ext uri="{FF2B5EF4-FFF2-40B4-BE49-F238E27FC236}">
+                <a16:creationId xmlns:a16="http://schemas.microsoft.com/office/drawing/2014/main" id="{CE7E8DFB-134E-F994-6ECB-BAE88C81C9B7}"/>
+              </a:ext>
+            </a:extLst>
+          </p:cNvPr>
+          <p:cNvPicPr>
+            <a:picLocks noChangeAspect="1"/>
+          </p:cNvPicPr>
+          <p:nvPr/>
+        </p:nvPicPr>
+        <p:blipFill>
+          <a:blip r:embed="rId2"/>
+          <a:stretch>
+            <a:fillRect/>
+          </a:stretch>
+        </p:blipFill>
+        <p:spPr>
+          <a:xfrm>
+            <a:off x="896099" y="3694681"/>
+            <a:ext cx="10240330" cy="2105959"/>
+          </a:xfrm>
+          <a:prstGeom prst="rect">
+            <a:avLst/>
+          </a:prstGeom>
+        </p:spPr>
+      </p:pic>
+      <p:pic>
+        <p:nvPicPr>
+          <p:cNvPr id="8" name="Picture 7">
+            <a:extLst>
+              <a:ext uri="{FF2B5EF4-FFF2-40B4-BE49-F238E27FC236}">
+                <a16:creationId xmlns:a16="http://schemas.microsoft.com/office/drawing/2014/main" id="{58E4B367-D56C-41EA-AECF-F0A0DCEA9EDA}"/>
+              </a:ext>
+            </a:extLst>
+          </p:cNvPr>
+          <p:cNvPicPr>
+            <a:picLocks noChangeAspect="1"/>
+          </p:cNvPicPr>
+          <p:nvPr/>
+        </p:nvPicPr>
+        <p:blipFill>
+          <a:blip r:embed="rId3"/>
+          <a:stretch>
+            <a:fillRect/>
+          </a:stretch>
+        </p:blipFill>
+        <p:spPr>
+          <a:xfrm>
+            <a:off x="10362770" y="246371"/>
+            <a:ext cx="1502028" cy="893890"/>
+          </a:xfrm>
+          <a:prstGeom prst="rect">
+            <a:avLst/>
+          </a:prstGeom>
+        </p:spPr>
+      </p:pic>
+    </p:spTree>
+    <p:extLst>
+      <p:ext uri="{BB962C8B-B14F-4D97-AF65-F5344CB8AC3E}">
+        <p14:creationId xmlns:p14="http://schemas.microsoft.com/office/powerpoint/2010/main" val="311202902"/>
+      </p:ext>
+    </p:extLst>
+  </p:cSld>
+  <p:clrMapOvr>
+    <a:masterClrMapping/>
+  </p:clrMapOvr>
+</p:sld>
+</file>
+
+<file path=ppt/slides/slide7.xml><?xml version="1.0" encoding="utf-8"?>
+<p:sld xmlns:a="http://schemas.openxmlformats.org/drawingml/2006/main" xmlns:r="http://schemas.openxmlformats.org/officeDocument/2006/relationships" xmlns:p="http://schemas.openxmlformats.org/presentationml/2006/main">
+  <p:cSld>
+    <p:spTree>
+      <p:nvGrpSpPr>
+        <p:cNvPr id="1" name=""/>
+        <p:cNvGrpSpPr/>
+        <p:nvPr/>
+      </p:nvGrpSpPr>
+      <p:grpSpPr>
+        <a:xfrm>
+          <a:off x="0" y="0"/>
+          <a:ext cx="0" cy="0"/>
+          <a:chOff x="0" y="0"/>
+          <a:chExt cx="0" cy="0"/>
+        </a:xfrm>
+      </p:grpSpPr>
+      <p:sp>
+        <p:nvSpPr>
           <p:cNvPr id="5" name="TextBox 4">
             <a:extLst>
               <a:ext uri="{FF2B5EF4-FFF2-40B4-BE49-F238E27FC236}">
@@ -5586,8 +7564,8 @@
         </p:nvSpPr>
         <p:spPr>
           <a:xfrm>
-            <a:off x="615616" y="685285"/>
-            <a:ext cx="10960768" cy="6172715"/>
+            <a:off x="451986" y="1436056"/>
+            <a:ext cx="10960768" cy="4326056"/>
           </a:xfrm>
           <a:prstGeom prst="rect">
             <a:avLst/>
@@ -5783,97 +7761,10 @@
             </a:r>
           </a:p>
           <a:p>
-            <a:pPr marL="457200" indent="-457200" algn="just">
+            <a:pPr lvl="1" algn="l">
               <a:lnSpc>
                 <a:spcPct val="150000"/>
               </a:lnSpc>
-              <a:buFont typeface="+mj-lt"/>
-              <a:buAutoNum type="arabicPeriod"/>
-            </a:pPr>
-            <a:r>
-              <a:rPr lang="en-US" sz="2000" b="1" i="0" dirty="0">
-                <a:solidFill>
-                  <a:srgbClr val="0D0D0D"/>
-                </a:solidFill>
-                <a:effectLst/>
-                <a:highlight>
-                  <a:srgbClr val="FFFFFF"/>
-                </a:highlight>
-                <a:latin typeface="Aptos Display" panose="020B0004020202020204" pitchFamily="34" charset="0"/>
-              </a:rPr>
-              <a:t>Model Training:</a:t>
-            </a:r>
-            <a:endParaRPr lang="en-US" sz="2000" b="0" i="0" dirty="0">
-              <a:solidFill>
-                <a:srgbClr val="0D0D0D"/>
-              </a:solidFill>
-              <a:effectLst/>
-              <a:highlight>
-                <a:srgbClr val="FFFFFF"/>
-              </a:highlight>
-              <a:latin typeface="Aptos Display" panose="020B0004020202020204" pitchFamily="34" charset="0"/>
-            </a:endParaRPr>
-          </a:p>
-          <a:p>
-            <a:pPr marL="914400" lvl="1" indent="-457200" algn="just">
-              <a:lnSpc>
-                <a:spcPct val="150000"/>
-              </a:lnSpc>
-              <a:buFont typeface="Arial" panose="020B0604020202020204" pitchFamily="34" charset="0"/>
-              <a:buChar char="•"/>
-            </a:pPr>
-            <a:r>
-              <a:rPr lang="en-US" sz="2000" b="0" i="0" dirty="0">
-                <a:solidFill>
-                  <a:srgbClr val="0D0D0D"/>
-                </a:solidFill>
-                <a:effectLst/>
-                <a:highlight>
-                  <a:srgbClr val="FFFFFF"/>
-                </a:highlight>
-                <a:latin typeface="Aptos Display" panose="020B0004020202020204" pitchFamily="34" charset="0"/>
-              </a:rPr>
-              <a:t>Utilize the ML algorithms like Linear Regression, Random Forest and XGBoost to train a regression model on the prepared dataset.</a:t>
-            </a:r>
-          </a:p>
-          <a:p>
-            <a:pPr marL="914400" lvl="1" indent="-457200" algn="just">
-              <a:lnSpc>
-                <a:spcPct val="150000"/>
-              </a:lnSpc>
-              <a:buFont typeface="Arial" panose="020B0604020202020204" pitchFamily="34" charset="0"/>
-              <a:buChar char="•"/>
-            </a:pPr>
-            <a:r>
-              <a:rPr lang="en-US" sz="2000" b="0" i="0" dirty="0">
-                <a:solidFill>
-                  <a:srgbClr val="0D0D0D"/>
-                </a:solidFill>
-                <a:effectLst/>
-                <a:highlight>
-                  <a:srgbClr val="FFFFFF"/>
-                </a:highlight>
-                <a:latin typeface="Aptos Display" panose="020B0004020202020204" pitchFamily="34" charset="0"/>
-              </a:rPr>
-              <a:t>Split the dataset into training and testing sets to evaluate model performance.</a:t>
-            </a:r>
-            <a:endParaRPr lang="en-US" sz="2000" dirty="0">
-              <a:solidFill>
-                <a:srgbClr val="0D0D0D"/>
-              </a:solidFill>
-              <a:highlight>
-                <a:srgbClr val="FFFFFF"/>
-              </a:highlight>
-              <a:latin typeface="Aptos Display" panose="020B0004020202020204" pitchFamily="34" charset="0"/>
-            </a:endParaRPr>
-          </a:p>
-          <a:p>
-            <a:pPr marL="742950" lvl="1" indent="-285750" algn="l">
-              <a:lnSpc>
-                <a:spcPct val="150000"/>
-              </a:lnSpc>
-              <a:buFont typeface="+mj-lt"/>
-              <a:buAutoNum type="arabicPeriod"/>
             </a:pPr>
             <a:endParaRPr lang="en-US" sz="2000" b="0" i="0" dirty="0">
               <a:solidFill>
@@ -5902,7 +7793,7 @@
         </p:nvSpPr>
         <p:spPr>
           <a:xfrm>
-            <a:off x="1797877" y="398797"/>
+            <a:off x="1817127" y="701007"/>
             <a:ext cx="7671588" cy="523220"/>
           </a:xfrm>
           <a:prstGeom prst="rect">
@@ -6004,7 +7895,7 @@
           <a:p>
             <a:fld id="{762A593B-48AA-4375-A704-2049C4AF33B6}" type="slidenum">
               <a:rPr lang="en-IN" smtClean="0"/>
-              <a:t>4</a:t>
+              <a:t>7</a:t>
             </a:fld>
             <a:endParaRPr lang="en-IN"/>
           </a:p>
@@ -6023,7 +7914,244 @@
 </p:sld>
 </file>
 
-<file path=ppt/slides/slide5.xml><?xml version="1.0" encoding="utf-8"?>
+<file path=ppt/slides/slide8.xml><?xml version="1.0" encoding="utf-8"?>
+<p:sld xmlns:a="http://schemas.openxmlformats.org/drawingml/2006/main" xmlns:r="http://schemas.openxmlformats.org/officeDocument/2006/relationships" xmlns:p="http://schemas.openxmlformats.org/presentationml/2006/main">
+  <p:cSld>
+    <p:spTree>
+      <p:nvGrpSpPr>
+        <p:cNvPr id="1" name=""/>
+        <p:cNvGrpSpPr/>
+        <p:nvPr/>
+      </p:nvGrpSpPr>
+      <p:grpSpPr>
+        <a:xfrm>
+          <a:off x="0" y="0"/>
+          <a:ext cx="0" cy="0"/>
+          <a:chOff x="0" y="0"/>
+          <a:chExt cx="0" cy="0"/>
+        </a:xfrm>
+      </p:grpSpPr>
+      <p:sp>
+        <p:nvSpPr>
+          <p:cNvPr id="2" name="Slide Number Placeholder 1">
+            <a:extLst>
+              <a:ext uri="{FF2B5EF4-FFF2-40B4-BE49-F238E27FC236}">
+                <a16:creationId xmlns:a16="http://schemas.microsoft.com/office/drawing/2014/main" id="{084B9E9F-41AE-0363-C6C7-38DAF2BCEE4B}"/>
+              </a:ext>
+            </a:extLst>
+          </p:cNvPr>
+          <p:cNvSpPr>
+            <a:spLocks noGrp="1"/>
+          </p:cNvSpPr>
+          <p:nvPr>
+            <p:ph type="sldNum" sz="quarter" idx="12"/>
+          </p:nvPr>
+        </p:nvSpPr>
+        <p:spPr/>
+        <p:txBody>
+          <a:bodyPr/>
+          <a:lstStyle/>
+          <a:p>
+            <a:fld id="{762A593B-48AA-4375-A704-2049C4AF33B6}" type="slidenum">
+              <a:rPr lang="en-IN" smtClean="0"/>
+              <a:t>8</a:t>
+            </a:fld>
+            <a:endParaRPr lang="en-IN"/>
+          </a:p>
+        </p:txBody>
+      </p:sp>
+      <p:pic>
+        <p:nvPicPr>
+          <p:cNvPr id="4" name="Picture 3">
+            <a:extLst>
+              <a:ext uri="{FF2B5EF4-FFF2-40B4-BE49-F238E27FC236}">
+                <a16:creationId xmlns:a16="http://schemas.microsoft.com/office/drawing/2014/main" id="{469CFDBF-A6D6-92FE-D5F4-7A88134E710B}"/>
+              </a:ext>
+            </a:extLst>
+          </p:cNvPr>
+          <p:cNvPicPr>
+            <a:picLocks noChangeAspect="1"/>
+          </p:cNvPicPr>
+          <p:nvPr/>
+        </p:nvPicPr>
+        <p:blipFill>
+          <a:blip r:embed="rId2"/>
+          <a:stretch>
+            <a:fillRect/>
+          </a:stretch>
+        </p:blipFill>
+        <p:spPr>
+          <a:xfrm>
+            <a:off x="7553739" y="716394"/>
+            <a:ext cx="3111158" cy="3405728"/>
+          </a:xfrm>
+          <a:prstGeom prst="rect">
+            <a:avLst/>
+          </a:prstGeom>
+        </p:spPr>
+      </p:pic>
+      <p:sp>
+        <p:nvSpPr>
+          <p:cNvPr id="6" name="TextBox 5">
+            <a:extLst>
+              <a:ext uri="{FF2B5EF4-FFF2-40B4-BE49-F238E27FC236}">
+                <a16:creationId xmlns:a16="http://schemas.microsoft.com/office/drawing/2014/main" id="{CBAACD2F-3B82-F83A-88E1-CCE5F763045A}"/>
+              </a:ext>
+            </a:extLst>
+          </p:cNvPr>
+          <p:cNvSpPr txBox="1"/>
+          <p:nvPr/>
+        </p:nvSpPr>
+        <p:spPr>
+          <a:xfrm>
+            <a:off x="666148" y="3908983"/>
+            <a:ext cx="10859703" cy="1894621"/>
+          </a:xfrm>
+          <a:prstGeom prst="rect">
+            <a:avLst/>
+          </a:prstGeom>
+          <a:noFill/>
+        </p:spPr>
+        <p:txBody>
+          <a:bodyPr wrap="square">
+            <a:spAutoFit/>
+          </a:bodyPr>
+          <a:lstStyle/>
+          <a:p>
+            <a:pPr algn="just">
+              <a:lnSpc>
+                <a:spcPct val="150000"/>
+              </a:lnSpc>
+            </a:pPr>
+            <a:r>
+              <a:rPr lang="en-US" sz="2000" b="1" i="0" dirty="0">
+                <a:solidFill>
+                  <a:srgbClr val="0D0D0D"/>
+                </a:solidFill>
+                <a:effectLst/>
+                <a:highlight>
+                  <a:srgbClr val="FFFFFF"/>
+                </a:highlight>
+                <a:latin typeface="Aptos Display" panose="020B0004020202020204" pitchFamily="34" charset="0"/>
+              </a:rPr>
+              <a:t>3.   Model Training:</a:t>
+            </a:r>
+            <a:endParaRPr lang="en-US" sz="2000" b="0" i="0" dirty="0">
+              <a:solidFill>
+                <a:srgbClr val="0D0D0D"/>
+              </a:solidFill>
+              <a:effectLst/>
+              <a:highlight>
+                <a:srgbClr val="FFFFFF"/>
+              </a:highlight>
+              <a:latin typeface="Aptos Display" panose="020B0004020202020204" pitchFamily="34" charset="0"/>
+            </a:endParaRPr>
+          </a:p>
+          <a:p>
+            <a:pPr marL="914400" lvl="1" indent="-457200" algn="just">
+              <a:lnSpc>
+                <a:spcPct val="150000"/>
+              </a:lnSpc>
+              <a:buFont typeface="Arial" panose="020B0604020202020204" pitchFamily="34" charset="0"/>
+              <a:buChar char="•"/>
+            </a:pPr>
+            <a:r>
+              <a:rPr lang="en-US" sz="2000" b="0" i="0" dirty="0">
+                <a:solidFill>
+                  <a:srgbClr val="0D0D0D"/>
+                </a:solidFill>
+                <a:effectLst/>
+                <a:highlight>
+                  <a:srgbClr val="FFFFFF"/>
+                </a:highlight>
+                <a:latin typeface="Aptos Display" panose="020B0004020202020204" pitchFamily="34" charset="0"/>
+              </a:rPr>
+              <a:t>Utilize the ML algorithms like Linear Regression, Random Forest and XGBoost to train a regression model on the prepared dataset.</a:t>
+            </a:r>
+          </a:p>
+          <a:p>
+            <a:pPr marL="914400" lvl="1" indent="-457200" algn="just">
+              <a:lnSpc>
+                <a:spcPct val="150000"/>
+              </a:lnSpc>
+              <a:buFont typeface="Arial" panose="020B0604020202020204" pitchFamily="34" charset="0"/>
+              <a:buChar char="•"/>
+            </a:pPr>
+            <a:r>
+              <a:rPr lang="en-US" sz="2000" b="0" i="0" dirty="0">
+                <a:solidFill>
+                  <a:srgbClr val="0D0D0D"/>
+                </a:solidFill>
+                <a:effectLst/>
+                <a:highlight>
+                  <a:srgbClr val="FFFFFF"/>
+                </a:highlight>
+                <a:latin typeface="Aptos Display" panose="020B0004020202020204" pitchFamily="34" charset="0"/>
+              </a:rPr>
+              <a:t>Split the dataset into training and testing sets to evaluate model performance.</a:t>
+            </a:r>
+            <a:endParaRPr lang="en-US" sz="2000" dirty="0">
+              <a:solidFill>
+                <a:srgbClr val="0D0D0D"/>
+              </a:solidFill>
+              <a:highlight>
+                <a:srgbClr val="FFFFFF"/>
+              </a:highlight>
+              <a:latin typeface="Aptos Display" panose="020B0004020202020204" pitchFamily="34" charset="0"/>
+            </a:endParaRPr>
+          </a:p>
+        </p:txBody>
+      </p:sp>
+      <p:sp>
+        <p:nvSpPr>
+          <p:cNvPr id="7" name="TextBox 6">
+            <a:extLst>
+              <a:ext uri="{FF2B5EF4-FFF2-40B4-BE49-F238E27FC236}">
+                <a16:creationId xmlns:a16="http://schemas.microsoft.com/office/drawing/2014/main" id="{99BFEDCD-6DB6-B9CE-77CD-27CA3148B3E1}"/>
+              </a:ext>
+            </a:extLst>
+          </p:cNvPr>
+          <p:cNvSpPr txBox="1"/>
+          <p:nvPr/>
+        </p:nvSpPr>
+        <p:spPr>
+          <a:xfrm>
+            <a:off x="666148" y="1920348"/>
+            <a:ext cx="6355814" cy="369332"/>
+          </a:xfrm>
+          <a:prstGeom prst="rect">
+            <a:avLst/>
+          </a:prstGeom>
+          <a:noFill/>
+        </p:spPr>
+        <p:txBody>
+          <a:bodyPr wrap="square" rtlCol="0">
+            <a:spAutoFit/>
+          </a:bodyPr>
+          <a:lstStyle/>
+          <a:p>
+            <a:r>
+              <a:rPr lang="en-US" dirty="0"/>
+              <a:t>Feature importance for prediction of target variable (step counts)</a:t>
+            </a:r>
+            <a:endParaRPr lang="en-IN" dirty="0"/>
+          </a:p>
+        </p:txBody>
+      </p:sp>
+    </p:spTree>
+    <p:extLst>
+      <p:ext uri="{BB962C8B-B14F-4D97-AF65-F5344CB8AC3E}">
+        <p14:creationId xmlns:p14="http://schemas.microsoft.com/office/powerpoint/2010/main" val="3111847583"/>
+      </p:ext>
+    </p:extLst>
+  </p:cSld>
+  <p:clrMapOvr>
+    <a:masterClrMapping/>
+  </p:clrMapOvr>
+</p:sld>
+</file>
+
+<file path=ppt/slides/slide9.xml><?xml version="1.0" encoding="utf-8"?>
 <p:sld xmlns:a="http://schemas.openxmlformats.org/drawingml/2006/main" xmlns:r="http://schemas.openxmlformats.org/officeDocument/2006/relationships" xmlns:p="http://schemas.openxmlformats.org/presentationml/2006/main">
   <p:cSld>
     <p:spTree>
@@ -6069,8 +8197,8 @@
         </p:blipFill>
         <p:spPr bwMode="auto">
           <a:xfrm>
-            <a:off x="323516" y="2190879"/>
-            <a:ext cx="3539567" cy="2858566"/>
+            <a:off x="323517" y="2190879"/>
+            <a:ext cx="2910572" cy="2350588"/>
           </a:xfrm>
           <a:prstGeom prst="rect">
             <a:avLst/>
@@ -6117,7 +8245,7 @@
         <p:spPr bwMode="auto">
           <a:xfrm>
             <a:off x="4207146" y="2181252"/>
-            <a:ext cx="3539565" cy="2858566"/>
+            <a:ext cx="3021427" cy="2440116"/>
           </a:xfrm>
           <a:prstGeom prst="rect">
             <a:avLst/>
@@ -6164,7 +8292,7 @@
         <p:spPr bwMode="auto">
           <a:xfrm>
             <a:off x="8087072" y="2123502"/>
-            <a:ext cx="3625466" cy="2927940"/>
+            <a:ext cx="3125411" cy="2524094"/>
           </a:xfrm>
           <a:prstGeom prst="rect">
             <a:avLst/>
@@ -6203,7 +8331,7 @@
         </p:blipFill>
         <p:spPr>
           <a:xfrm>
-            <a:off x="995818" y="5049445"/>
+            <a:off x="979517" y="4621368"/>
             <a:ext cx="5553850" cy="1686160"/>
           </a:xfrm>
           <a:prstGeom prst="rect">
@@ -6397,7 +8525,7 @@
           <a:p>
             <a:fld id="{762A593B-48AA-4375-A704-2049C4AF33B6}" type="slidenum">
               <a:rPr lang="en-IN" smtClean="0"/>
-              <a:t>5</a:t>
+              <a:t>9</a:t>
             </a:fld>
             <a:endParaRPr lang="en-IN"/>
           </a:p>
@@ -6407,1200 +8535,6 @@
     <p:extLst>
       <p:ext uri="{BB962C8B-B14F-4D97-AF65-F5344CB8AC3E}">
         <p14:creationId xmlns:p14="http://schemas.microsoft.com/office/powerpoint/2010/main" val="2742066193"/>
-      </p:ext>
-    </p:extLst>
-  </p:cSld>
-  <p:clrMapOvr>
-    <a:masterClrMapping/>
-  </p:clrMapOvr>
-</p:sld>
-</file>
-
-<file path=ppt/slides/slide6.xml><?xml version="1.0" encoding="utf-8"?>
-<p:sld xmlns:a="http://schemas.openxmlformats.org/drawingml/2006/main" xmlns:r="http://schemas.openxmlformats.org/officeDocument/2006/relationships" xmlns:p="http://schemas.openxmlformats.org/presentationml/2006/main">
-  <p:cSld>
-    <p:spTree>
-      <p:nvGrpSpPr>
-        <p:cNvPr id="1" name=""/>
-        <p:cNvGrpSpPr/>
-        <p:nvPr/>
-      </p:nvGrpSpPr>
-      <p:grpSpPr>
-        <a:xfrm>
-          <a:off x="0" y="0"/>
-          <a:ext cx="0" cy="0"/>
-          <a:chOff x="0" y="0"/>
-          <a:chExt cx="0" cy="0"/>
-        </a:xfrm>
-      </p:grpSpPr>
-      <p:sp>
-        <p:nvSpPr>
-          <p:cNvPr id="3" name="TextBox 2">
-            <a:extLst>
-              <a:ext uri="{FF2B5EF4-FFF2-40B4-BE49-F238E27FC236}">
-                <a16:creationId xmlns:a16="http://schemas.microsoft.com/office/drawing/2014/main" id="{BC74DD8E-D424-9DEB-9387-86EAA1FC9C57}"/>
-              </a:ext>
-            </a:extLst>
-          </p:cNvPr>
-          <p:cNvSpPr txBox="1"/>
-          <p:nvPr/>
-        </p:nvSpPr>
-        <p:spPr>
-          <a:xfrm>
-            <a:off x="532544" y="130868"/>
-            <a:ext cx="11126912" cy="6217087"/>
-          </a:xfrm>
-          <a:prstGeom prst="rect">
-            <a:avLst/>
-          </a:prstGeom>
-          <a:noFill/>
-        </p:spPr>
-        <p:txBody>
-          <a:bodyPr wrap="square">
-            <a:spAutoFit/>
-          </a:bodyPr>
-          <a:lstStyle/>
-          <a:p>
-            <a:pPr marL="742950" lvl="1" indent="-285750" algn="l">
-              <a:buFont typeface="+mj-lt"/>
-              <a:buAutoNum type="arabicPeriod"/>
-            </a:pPr>
-            <a:endParaRPr lang="en-US" b="0" i="0" dirty="0">
-              <a:solidFill>
-                <a:srgbClr val="0D0D0D"/>
-              </a:solidFill>
-              <a:effectLst/>
-              <a:highlight>
-                <a:srgbClr val="FFFFFF"/>
-              </a:highlight>
-              <a:latin typeface="Söhne"/>
-            </a:endParaRPr>
-          </a:p>
-          <a:p>
-            <a:pPr algn="l"/>
-            <a:r>
-              <a:rPr lang="en-US" sz="2000" b="1" i="0" dirty="0">
-                <a:solidFill>
-                  <a:srgbClr val="0D0D0D"/>
-                </a:solidFill>
-                <a:effectLst/>
-                <a:highlight>
-                  <a:srgbClr val="FFFFFF"/>
-                </a:highlight>
-                <a:latin typeface="Aptos Display" panose="020B0004020202020204" pitchFamily="34" charset="0"/>
-              </a:rPr>
-              <a:t>5 . Integration with Streamlit:</a:t>
-            </a:r>
-            <a:endParaRPr lang="en-US" sz="2000" b="0" i="0" dirty="0">
-              <a:solidFill>
-                <a:srgbClr val="0D0D0D"/>
-              </a:solidFill>
-              <a:effectLst/>
-              <a:highlight>
-                <a:srgbClr val="FFFFFF"/>
-              </a:highlight>
-              <a:latin typeface="Aptos Display" panose="020B0004020202020204" pitchFamily="34" charset="0"/>
-            </a:endParaRPr>
-          </a:p>
-          <a:p>
-            <a:pPr marL="742950" lvl="1" indent="-285750" algn="l">
-              <a:buFont typeface="Arial" panose="020B0604020202020204" pitchFamily="34" charset="0"/>
-              <a:buChar char="•"/>
-            </a:pPr>
-            <a:r>
-              <a:rPr lang="en-US" sz="2000" b="0" i="0" dirty="0">
-                <a:solidFill>
-                  <a:srgbClr val="0D0D0D"/>
-                </a:solidFill>
-                <a:effectLst/>
-                <a:highlight>
-                  <a:srgbClr val="FFFFFF"/>
-                </a:highlight>
-                <a:latin typeface="Aptos Display" panose="020B0004020202020204" pitchFamily="34" charset="0"/>
-              </a:rPr>
-              <a:t>Develop a user interface using Streamlit to collect user inputs such as age group, gender, weight, height, sleep minutes, sedentary minutes, total active minutes, and total distance covered.</a:t>
-            </a:r>
-          </a:p>
-          <a:p>
-            <a:pPr marL="742950" lvl="1" indent="-285750" algn="l">
-              <a:buFont typeface="Arial" panose="020B0604020202020204" pitchFamily="34" charset="0"/>
-              <a:buChar char="•"/>
-            </a:pPr>
-            <a:r>
-              <a:rPr lang="en-US" sz="2000" b="0" i="0" dirty="0">
-                <a:solidFill>
-                  <a:srgbClr val="0D0D0D"/>
-                </a:solidFill>
-                <a:effectLst/>
-                <a:highlight>
-                  <a:srgbClr val="FFFFFF"/>
-                </a:highlight>
-                <a:latin typeface="Aptos Display" panose="020B0004020202020204" pitchFamily="34" charset="0"/>
-              </a:rPr>
-              <a:t>Pass these inputs to the trained XGBoost model to predict the step count for the user.</a:t>
-            </a:r>
-          </a:p>
-          <a:p>
-            <a:pPr lvl="1" algn="l"/>
-            <a:endParaRPr lang="en-US" sz="2000" b="0" i="0" dirty="0">
-              <a:solidFill>
-                <a:srgbClr val="0D0D0D"/>
-              </a:solidFill>
-              <a:effectLst/>
-              <a:highlight>
-                <a:srgbClr val="FFFFFF"/>
-              </a:highlight>
-              <a:latin typeface="Aptos Display" panose="020B0004020202020204" pitchFamily="34" charset="0"/>
-            </a:endParaRPr>
-          </a:p>
-          <a:p>
-            <a:pPr algn="l"/>
-            <a:r>
-              <a:rPr lang="en-US" sz="2000" b="1" i="0" dirty="0">
-                <a:solidFill>
-                  <a:srgbClr val="0D0D0D"/>
-                </a:solidFill>
-                <a:effectLst/>
-                <a:highlight>
-                  <a:srgbClr val="FFFFFF"/>
-                </a:highlight>
-                <a:latin typeface="Aptos Display" panose="020B0004020202020204" pitchFamily="34" charset="0"/>
-              </a:rPr>
-              <a:t>6. Frontend Design:</a:t>
-            </a:r>
-            <a:endParaRPr lang="en-US" sz="2000" b="0" i="0" dirty="0">
-              <a:solidFill>
-                <a:srgbClr val="0D0D0D"/>
-              </a:solidFill>
-              <a:effectLst/>
-              <a:highlight>
-                <a:srgbClr val="FFFFFF"/>
-              </a:highlight>
-              <a:latin typeface="Aptos Display" panose="020B0004020202020204" pitchFamily="34" charset="0"/>
-            </a:endParaRPr>
-          </a:p>
-          <a:p>
-            <a:pPr marL="742950" lvl="1" indent="-285750" algn="l">
-              <a:buFont typeface="Arial" panose="020B0604020202020204" pitchFamily="34" charset="0"/>
-              <a:buChar char="•"/>
-            </a:pPr>
-            <a:r>
-              <a:rPr lang="en-US" sz="2000" b="0" i="0" dirty="0">
-                <a:solidFill>
-                  <a:srgbClr val="0D0D0D"/>
-                </a:solidFill>
-                <a:effectLst/>
-                <a:highlight>
-                  <a:srgbClr val="FFFFFF"/>
-                </a:highlight>
-                <a:latin typeface="Aptos Display" panose="020B0004020202020204" pitchFamily="34" charset="0"/>
-              </a:rPr>
-              <a:t>Design an intuitive and user-friendly frontend interface using Streamlit, ensuring smooth navigation and a visually appealing layout.</a:t>
-            </a:r>
-          </a:p>
-          <a:p>
-            <a:pPr marL="742950" lvl="1" indent="-285750" algn="l">
-              <a:buFont typeface="Arial" panose="020B0604020202020204" pitchFamily="34" charset="0"/>
-              <a:buChar char="•"/>
-            </a:pPr>
-            <a:r>
-              <a:rPr lang="en-US" sz="2000" b="0" i="0" dirty="0">
-                <a:solidFill>
-                  <a:srgbClr val="0D0D0D"/>
-                </a:solidFill>
-                <a:effectLst/>
-                <a:highlight>
-                  <a:srgbClr val="FFFFFF"/>
-                </a:highlight>
-                <a:latin typeface="Aptos Display" panose="020B0004020202020204" pitchFamily="34" charset="0"/>
-              </a:rPr>
-              <a:t>Include features for input validation and error handling to enhance user experience.</a:t>
-            </a:r>
-          </a:p>
-          <a:p>
-            <a:pPr marL="742950" lvl="1" indent="-285750" algn="l">
-              <a:buFont typeface="Arial" panose="020B0604020202020204" pitchFamily="34" charset="0"/>
-              <a:buChar char="•"/>
-            </a:pPr>
-            <a:endParaRPr lang="en-US" sz="2000" b="0" i="0" dirty="0">
-              <a:solidFill>
-                <a:srgbClr val="0D0D0D"/>
-              </a:solidFill>
-              <a:effectLst/>
-              <a:highlight>
-                <a:srgbClr val="FFFFFF"/>
-              </a:highlight>
-              <a:latin typeface="Aptos Display" panose="020B0004020202020204" pitchFamily="34" charset="0"/>
-            </a:endParaRPr>
-          </a:p>
-          <a:p>
-            <a:pPr algn="l"/>
-            <a:r>
-              <a:rPr lang="en-US" sz="2000" b="1" i="0" dirty="0">
-                <a:solidFill>
-                  <a:srgbClr val="0D0D0D"/>
-                </a:solidFill>
-                <a:effectLst/>
-                <a:highlight>
-                  <a:srgbClr val="FFFFFF"/>
-                </a:highlight>
-                <a:latin typeface="Aptos Display" panose="020B0004020202020204" pitchFamily="34" charset="0"/>
-              </a:rPr>
-              <a:t>7. Deployment:</a:t>
-            </a:r>
-            <a:endParaRPr lang="en-US" sz="2000" b="0" i="0" dirty="0">
-              <a:solidFill>
-                <a:srgbClr val="0D0D0D"/>
-              </a:solidFill>
-              <a:effectLst/>
-              <a:highlight>
-                <a:srgbClr val="FFFFFF"/>
-              </a:highlight>
-              <a:latin typeface="Aptos Display" panose="020B0004020202020204" pitchFamily="34" charset="0"/>
-            </a:endParaRPr>
-          </a:p>
-          <a:p>
-            <a:pPr marL="742950" lvl="1" indent="-285750" algn="l">
-              <a:buFont typeface="Arial" panose="020B0604020202020204" pitchFamily="34" charset="0"/>
-              <a:buChar char="•"/>
-            </a:pPr>
-            <a:r>
-              <a:rPr lang="en-US" sz="2000" b="0" i="0" dirty="0">
-                <a:solidFill>
-                  <a:srgbClr val="0D0D0D"/>
-                </a:solidFill>
-                <a:effectLst/>
-                <a:highlight>
-                  <a:srgbClr val="FFFFFF"/>
-                </a:highlight>
-                <a:latin typeface="Aptos Display" panose="020B0004020202020204" pitchFamily="34" charset="0"/>
-              </a:rPr>
-              <a:t>Deploy the Streamlit application along with the trained XGBoost model on a server or cloud platform to make it accessible to users.</a:t>
-            </a:r>
-          </a:p>
-          <a:p>
-            <a:pPr marL="742950" lvl="1" indent="-285750" algn="l">
-              <a:buFont typeface="Arial" panose="020B0604020202020204" pitchFamily="34" charset="0"/>
-              <a:buChar char="•"/>
-            </a:pPr>
-            <a:r>
-              <a:rPr lang="en-US" sz="2000" b="0" i="0" dirty="0">
-                <a:solidFill>
-                  <a:srgbClr val="0D0D0D"/>
-                </a:solidFill>
-                <a:effectLst/>
-                <a:highlight>
-                  <a:srgbClr val="FFFFFF"/>
-                </a:highlight>
-                <a:latin typeface="Aptos Display" panose="020B0004020202020204" pitchFamily="34" charset="0"/>
-              </a:rPr>
-              <a:t>Ensure scalability and reliability of the deployed application to handle potential user traffic.</a:t>
-            </a:r>
-          </a:p>
-          <a:p>
-            <a:pPr marL="742950" lvl="1" indent="-285750" algn="l">
-              <a:buFont typeface="Arial" panose="020B0604020202020204" pitchFamily="34" charset="0"/>
-              <a:buChar char="•"/>
-            </a:pPr>
-            <a:endParaRPr lang="en-US" sz="2000" b="0" i="0" dirty="0">
-              <a:solidFill>
-                <a:srgbClr val="0D0D0D"/>
-              </a:solidFill>
-              <a:effectLst/>
-              <a:highlight>
-                <a:srgbClr val="FFFFFF"/>
-              </a:highlight>
-              <a:latin typeface="Aptos Display" panose="020B0004020202020204" pitchFamily="34" charset="0"/>
-            </a:endParaRPr>
-          </a:p>
-          <a:p>
-            <a:pPr algn="l"/>
-            <a:r>
-              <a:rPr lang="en-US" sz="2000" b="1" i="0" dirty="0">
-                <a:solidFill>
-                  <a:srgbClr val="0D0D0D"/>
-                </a:solidFill>
-                <a:effectLst/>
-                <a:highlight>
-                  <a:srgbClr val="FFFFFF"/>
-                </a:highlight>
-                <a:latin typeface="Aptos Display" panose="020B0004020202020204" pitchFamily="34" charset="0"/>
-              </a:rPr>
-              <a:t>8. Testing and Iteration:</a:t>
-            </a:r>
-            <a:endParaRPr lang="en-US" sz="2000" b="0" i="0" dirty="0">
-              <a:solidFill>
-                <a:srgbClr val="0D0D0D"/>
-              </a:solidFill>
-              <a:effectLst/>
-              <a:highlight>
-                <a:srgbClr val="FFFFFF"/>
-              </a:highlight>
-              <a:latin typeface="Aptos Display" panose="020B0004020202020204" pitchFamily="34" charset="0"/>
-            </a:endParaRPr>
-          </a:p>
-          <a:p>
-            <a:pPr marL="742950" lvl="1" indent="-285750" algn="l">
-              <a:buFont typeface="Arial" panose="020B0604020202020204" pitchFamily="34" charset="0"/>
-              <a:buChar char="•"/>
-            </a:pPr>
-            <a:r>
-              <a:rPr lang="en-US" sz="2000" b="0" i="0" dirty="0">
-                <a:solidFill>
-                  <a:srgbClr val="0D0D0D"/>
-                </a:solidFill>
-                <a:effectLst/>
-                <a:highlight>
-                  <a:srgbClr val="FFFFFF"/>
-                </a:highlight>
-                <a:latin typeface="Aptos Display" panose="020B0004020202020204" pitchFamily="34" charset="0"/>
-              </a:rPr>
-              <a:t>Conduct thorough testing of the integrated system to identify any bugs or issues.</a:t>
-            </a:r>
-          </a:p>
-          <a:p>
-            <a:pPr marL="742950" lvl="1" indent="-285750" algn="l">
-              <a:buFont typeface="Arial" panose="020B0604020202020204" pitchFamily="34" charset="0"/>
-              <a:buChar char="•"/>
-            </a:pPr>
-            <a:r>
-              <a:rPr lang="en-US" sz="2000" b="0" i="0" dirty="0">
-                <a:solidFill>
-                  <a:srgbClr val="0D0D0D"/>
-                </a:solidFill>
-                <a:effectLst/>
-                <a:highlight>
-                  <a:srgbClr val="FFFFFF"/>
-                </a:highlight>
-                <a:latin typeface="Aptos Display" panose="020B0004020202020204" pitchFamily="34" charset="0"/>
-              </a:rPr>
-              <a:t>Gather feedback from users to understand their experience and make necessary iterations to improve the application's functionality and usability.</a:t>
-            </a:r>
-          </a:p>
-        </p:txBody>
-      </p:sp>
-      <p:pic>
-        <p:nvPicPr>
-          <p:cNvPr id="4" name="Picture 3">
-            <a:extLst>
-              <a:ext uri="{FF2B5EF4-FFF2-40B4-BE49-F238E27FC236}">
-                <a16:creationId xmlns:a16="http://schemas.microsoft.com/office/drawing/2014/main" id="{9C2E400A-581B-1C04-5A55-4094E138B3A1}"/>
-              </a:ext>
-            </a:extLst>
-          </p:cNvPr>
-          <p:cNvPicPr>
-            <a:picLocks noChangeAspect="1"/>
-          </p:cNvPicPr>
-          <p:nvPr/>
-        </p:nvPicPr>
-        <p:blipFill>
-          <a:blip r:embed="rId2"/>
-          <a:stretch>
-            <a:fillRect/>
-          </a:stretch>
-        </p:blipFill>
-        <p:spPr>
-          <a:xfrm>
-            <a:off x="10799545" y="130868"/>
-            <a:ext cx="1026752" cy="611043"/>
-          </a:xfrm>
-          <a:prstGeom prst="rect">
-            <a:avLst/>
-          </a:prstGeom>
-        </p:spPr>
-      </p:pic>
-      <p:sp>
-        <p:nvSpPr>
-          <p:cNvPr id="5" name="Slide Number Placeholder 4">
-            <a:extLst>
-              <a:ext uri="{FF2B5EF4-FFF2-40B4-BE49-F238E27FC236}">
-                <a16:creationId xmlns:a16="http://schemas.microsoft.com/office/drawing/2014/main" id="{32CF112E-C685-0DCD-A271-D01432AEDC8F}"/>
-              </a:ext>
-            </a:extLst>
-          </p:cNvPr>
-          <p:cNvSpPr>
-            <a:spLocks noGrp="1"/>
-          </p:cNvSpPr>
-          <p:nvPr>
-            <p:ph type="sldNum" sz="quarter" idx="12"/>
-          </p:nvPr>
-        </p:nvSpPr>
-        <p:spPr/>
-        <p:txBody>
-          <a:bodyPr/>
-          <a:lstStyle/>
-          <a:p>
-            <a:fld id="{762A593B-48AA-4375-A704-2049C4AF33B6}" type="slidenum">
-              <a:rPr lang="en-IN" smtClean="0"/>
-              <a:t>6</a:t>
-            </a:fld>
-            <a:endParaRPr lang="en-IN"/>
-          </a:p>
-        </p:txBody>
-      </p:sp>
-    </p:spTree>
-    <p:extLst>
-      <p:ext uri="{BB962C8B-B14F-4D97-AF65-F5344CB8AC3E}">
-        <p14:creationId xmlns:p14="http://schemas.microsoft.com/office/powerpoint/2010/main" val="1954770952"/>
-      </p:ext>
-    </p:extLst>
-  </p:cSld>
-  <p:clrMapOvr>
-    <a:masterClrMapping/>
-  </p:clrMapOvr>
-</p:sld>
-</file>
-
-<file path=ppt/slides/slide7.xml><?xml version="1.0" encoding="utf-8"?>
-<p:sld xmlns:a="http://schemas.openxmlformats.org/drawingml/2006/main" xmlns:r="http://schemas.openxmlformats.org/officeDocument/2006/relationships" xmlns:p="http://schemas.openxmlformats.org/presentationml/2006/main">
-  <p:cSld>
-    <p:spTree>
-      <p:nvGrpSpPr>
-        <p:cNvPr id="1" name=""/>
-        <p:cNvGrpSpPr/>
-        <p:nvPr/>
-      </p:nvGrpSpPr>
-      <p:grpSpPr>
-        <a:xfrm>
-          <a:off x="0" y="0"/>
-          <a:ext cx="0" cy="0"/>
-          <a:chOff x="0" y="0"/>
-          <a:chExt cx="0" cy="0"/>
-        </a:xfrm>
-      </p:grpSpPr>
-      <p:pic>
-        <p:nvPicPr>
-          <p:cNvPr id="3" name="Picture 2">
-            <a:extLst>
-              <a:ext uri="{FF2B5EF4-FFF2-40B4-BE49-F238E27FC236}">
-                <a16:creationId xmlns:a16="http://schemas.microsoft.com/office/drawing/2014/main" id="{EEE00361-364C-9D8D-4433-BF82657337D3}"/>
-              </a:ext>
-            </a:extLst>
-          </p:cNvPr>
-          <p:cNvPicPr>
-            <a:picLocks noChangeAspect="1"/>
-          </p:cNvPicPr>
-          <p:nvPr/>
-        </p:nvPicPr>
-        <p:blipFill>
-          <a:blip r:embed="rId2"/>
-          <a:stretch>
-            <a:fillRect/>
-          </a:stretch>
-        </p:blipFill>
-        <p:spPr>
-          <a:xfrm>
-            <a:off x="1680518" y="396248"/>
-            <a:ext cx="8522262" cy="5055579"/>
-          </a:xfrm>
-          <a:prstGeom prst="rect">
-            <a:avLst/>
-          </a:prstGeom>
-        </p:spPr>
-      </p:pic>
-      <p:sp>
-        <p:nvSpPr>
-          <p:cNvPr id="4" name="TextBox 3">
-            <a:extLst>
-              <a:ext uri="{FF2B5EF4-FFF2-40B4-BE49-F238E27FC236}">
-                <a16:creationId xmlns:a16="http://schemas.microsoft.com/office/drawing/2014/main" id="{9AB045ED-602C-0950-7707-23A64A7194DC}"/>
-              </a:ext>
-            </a:extLst>
-          </p:cNvPr>
-          <p:cNvSpPr txBox="1"/>
-          <p:nvPr/>
-        </p:nvSpPr>
-        <p:spPr>
-          <a:xfrm>
-            <a:off x="1578543" y="5794408"/>
-            <a:ext cx="7964103" cy="369332"/>
-          </a:xfrm>
-          <a:prstGeom prst="rect">
-            <a:avLst/>
-          </a:prstGeom>
-          <a:noFill/>
-        </p:spPr>
-        <p:txBody>
-          <a:bodyPr wrap="none" rtlCol="0">
-            <a:spAutoFit/>
-          </a:bodyPr>
-          <a:lstStyle/>
-          <a:p>
-            <a:r>
-              <a:rPr lang="en-US" b="1" dirty="0"/>
-              <a:t>Streamlit Link </a:t>
-            </a:r>
-            <a:r>
-              <a:rPr lang="en-US" dirty="0"/>
-              <a:t>:  </a:t>
-            </a:r>
-            <a:r>
-              <a:rPr lang="en-US" u="sng" dirty="0">
-                <a:solidFill>
-                  <a:srgbClr val="0070C0"/>
-                </a:solidFill>
-              </a:rPr>
-              <a:t>https://mrudulaapscifor-6wofqwzdrwd7ybsf2djvph.streamlit.app/ </a:t>
-            </a:r>
-            <a:endParaRPr lang="en-IN" u="sng" dirty="0">
-              <a:solidFill>
-                <a:srgbClr val="0070C0"/>
-              </a:solidFill>
-            </a:endParaRPr>
-          </a:p>
-        </p:txBody>
-      </p:sp>
-      <p:sp>
-        <p:nvSpPr>
-          <p:cNvPr id="5" name="Slide Number Placeholder 4">
-            <a:extLst>
-              <a:ext uri="{FF2B5EF4-FFF2-40B4-BE49-F238E27FC236}">
-                <a16:creationId xmlns:a16="http://schemas.microsoft.com/office/drawing/2014/main" id="{430D8362-DF44-89D1-CFCA-2C0241F3A1E5}"/>
-              </a:ext>
-            </a:extLst>
-          </p:cNvPr>
-          <p:cNvSpPr>
-            <a:spLocks noGrp="1"/>
-          </p:cNvSpPr>
-          <p:nvPr>
-            <p:ph type="sldNum" sz="quarter" idx="12"/>
-          </p:nvPr>
-        </p:nvSpPr>
-        <p:spPr/>
-        <p:txBody>
-          <a:bodyPr/>
-          <a:lstStyle/>
-          <a:p>
-            <a:fld id="{762A593B-48AA-4375-A704-2049C4AF33B6}" type="slidenum">
-              <a:rPr lang="en-IN" smtClean="0"/>
-              <a:t>7</a:t>
-            </a:fld>
-            <a:endParaRPr lang="en-IN"/>
-          </a:p>
-        </p:txBody>
-      </p:sp>
-    </p:spTree>
-    <p:extLst>
-      <p:ext uri="{BB962C8B-B14F-4D97-AF65-F5344CB8AC3E}">
-        <p14:creationId xmlns:p14="http://schemas.microsoft.com/office/powerpoint/2010/main" val="2312934239"/>
-      </p:ext>
-    </p:extLst>
-  </p:cSld>
-  <p:clrMapOvr>
-    <a:masterClrMapping/>
-  </p:clrMapOvr>
-</p:sld>
-</file>
-
-<file path=ppt/slides/slide8.xml><?xml version="1.0" encoding="utf-8"?>
-<p:sld xmlns:a="http://schemas.openxmlformats.org/drawingml/2006/main" xmlns:r="http://schemas.openxmlformats.org/officeDocument/2006/relationships" xmlns:p="http://schemas.openxmlformats.org/presentationml/2006/main">
-  <p:cSld>
-    <p:spTree>
-      <p:nvGrpSpPr>
-        <p:cNvPr id="1" name=""/>
-        <p:cNvGrpSpPr/>
-        <p:nvPr/>
-      </p:nvGrpSpPr>
-      <p:grpSpPr>
-        <a:xfrm>
-          <a:off x="0" y="0"/>
-          <a:ext cx="0" cy="0"/>
-          <a:chOff x="0" y="0"/>
-          <a:chExt cx="0" cy="0"/>
-        </a:xfrm>
-      </p:grpSpPr>
-      <p:sp>
-        <p:nvSpPr>
-          <p:cNvPr id="2" name="Rectangle 1">
-            <a:extLst>
-              <a:ext uri="{FF2B5EF4-FFF2-40B4-BE49-F238E27FC236}">
-                <a16:creationId xmlns:a16="http://schemas.microsoft.com/office/drawing/2014/main" id="{BE831F22-835A-0C56-C438-BA6AECA54F71}"/>
-              </a:ext>
-            </a:extLst>
-          </p:cNvPr>
-          <p:cNvSpPr/>
-          <p:nvPr/>
-        </p:nvSpPr>
-        <p:spPr>
-          <a:xfrm>
-            <a:off x="638729" y="591302"/>
-            <a:ext cx="2347437" cy="523220"/>
-          </a:xfrm>
-          <a:prstGeom prst="rect">
-            <a:avLst/>
-          </a:prstGeom>
-          <a:noFill/>
-        </p:spPr>
-        <p:txBody>
-          <a:bodyPr wrap="none" lIns="91440" tIns="45720" rIns="91440" bIns="45720">
-            <a:spAutoFit/>
-          </a:bodyPr>
-          <a:lstStyle/>
-          <a:p>
-            <a:pPr algn="ctr"/>
-            <a:r>
-              <a:rPr lang="en-US" sz="2800" dirty="0">
-                <a:ln w="0"/>
-                <a:effectLst>
-                  <a:outerShdw blurRad="38100" dist="19050" dir="2700000" algn="tl" rotWithShape="0">
-                    <a:schemeClr val="dk1">
-                      <a:alpha val="40000"/>
-                    </a:schemeClr>
-                  </a:outerShdw>
-                </a:effectLst>
-                <a:latin typeface="Arial Black" panose="020B0A04020102020204" pitchFamily="34" charset="0"/>
-              </a:rPr>
-              <a:t>Conclusion</a:t>
-            </a:r>
-            <a:endParaRPr lang="en-US" sz="2800" b="0" cap="none" spc="0" dirty="0">
-              <a:ln w="0"/>
-              <a:solidFill>
-                <a:schemeClr val="tx1"/>
-              </a:solidFill>
-              <a:effectLst>
-                <a:outerShdw blurRad="38100" dist="19050" dir="2700000" algn="tl" rotWithShape="0">
-                  <a:schemeClr val="dk1">
-                    <a:alpha val="40000"/>
-                  </a:schemeClr>
-                </a:outerShdw>
-              </a:effectLst>
-              <a:latin typeface="Arial Black" panose="020B0A04020102020204" pitchFamily="34" charset="0"/>
-            </a:endParaRPr>
-          </a:p>
-        </p:txBody>
-      </p:sp>
-      <p:sp>
-        <p:nvSpPr>
-          <p:cNvPr id="6" name="TextBox 5">
-            <a:extLst>
-              <a:ext uri="{FF2B5EF4-FFF2-40B4-BE49-F238E27FC236}">
-                <a16:creationId xmlns:a16="http://schemas.microsoft.com/office/drawing/2014/main" id="{BADDB024-ABD3-9F96-BB8C-4135DC29E047}"/>
-              </a:ext>
-            </a:extLst>
-          </p:cNvPr>
-          <p:cNvSpPr txBox="1"/>
-          <p:nvPr/>
-        </p:nvSpPr>
-        <p:spPr>
-          <a:xfrm>
-            <a:off x="510138" y="1230224"/>
-            <a:ext cx="10385659" cy="4664610"/>
-          </a:xfrm>
-          <a:prstGeom prst="rect">
-            <a:avLst/>
-          </a:prstGeom>
-          <a:noFill/>
-        </p:spPr>
-        <p:txBody>
-          <a:bodyPr wrap="square">
-            <a:spAutoFit/>
-          </a:bodyPr>
-          <a:lstStyle/>
-          <a:p>
-            <a:pPr marL="285750" indent="-285750" algn="just">
-              <a:lnSpc>
-                <a:spcPct val="150000"/>
-              </a:lnSpc>
-              <a:buFont typeface="Arial" panose="020B0604020202020204" pitchFamily="34" charset="0"/>
-              <a:buChar char="•"/>
-            </a:pPr>
-            <a:r>
-              <a:rPr lang="en-US" sz="2000" dirty="0">
-                <a:solidFill>
-                  <a:srgbClr val="0D0D0D"/>
-                </a:solidFill>
-                <a:highlight>
-                  <a:srgbClr val="FFFFFF"/>
-                </a:highlight>
-                <a:latin typeface="Aptos Display" panose="020B0004020202020204" pitchFamily="34" charset="0"/>
-              </a:rPr>
-              <a:t>T</a:t>
-            </a:r>
-            <a:r>
-              <a:rPr lang="en-US" sz="2000" b="0" i="0" dirty="0">
-                <a:solidFill>
-                  <a:srgbClr val="0D0D0D"/>
-                </a:solidFill>
-                <a:effectLst/>
-                <a:highlight>
-                  <a:srgbClr val="FFFFFF"/>
-                </a:highlight>
-                <a:latin typeface="Aptos Display" panose="020B0004020202020204" pitchFamily="34" charset="0"/>
-              </a:rPr>
-              <a:t>he fitness tracker app using machine learning algorithms offers a data-driven approach to personalized fitness tracking and exercise recommendations. </a:t>
-            </a:r>
-          </a:p>
-          <a:p>
-            <a:pPr marL="285750" indent="-285750" algn="just">
-              <a:lnSpc>
-                <a:spcPct val="150000"/>
-              </a:lnSpc>
-              <a:buFont typeface="Arial" panose="020B0604020202020204" pitchFamily="34" charset="0"/>
-              <a:buChar char="•"/>
-            </a:pPr>
-            <a:endParaRPr lang="en-US" sz="2000" b="0" i="0" dirty="0">
-              <a:solidFill>
-                <a:srgbClr val="0D0D0D"/>
-              </a:solidFill>
-              <a:effectLst/>
-              <a:highlight>
-                <a:srgbClr val="FFFFFF"/>
-              </a:highlight>
-              <a:latin typeface="Aptos Display" panose="020B0004020202020204" pitchFamily="34" charset="0"/>
-            </a:endParaRPr>
-          </a:p>
-          <a:p>
-            <a:pPr marL="285750" indent="-285750" algn="just">
-              <a:lnSpc>
-                <a:spcPct val="150000"/>
-              </a:lnSpc>
-              <a:buFont typeface="Arial" panose="020B0604020202020204" pitchFamily="34" charset="0"/>
-              <a:buChar char="•"/>
-            </a:pPr>
-            <a:r>
-              <a:rPr lang="en-US" sz="2000" b="0" i="0" dirty="0">
-                <a:solidFill>
-                  <a:srgbClr val="0D0D0D"/>
-                </a:solidFill>
-                <a:effectLst/>
-                <a:highlight>
-                  <a:srgbClr val="FFFFFF"/>
-                </a:highlight>
-                <a:latin typeface="Aptos Display" panose="020B0004020202020204" pitchFamily="34" charset="0"/>
-              </a:rPr>
-              <a:t>By analyzing user data collected from Fitbit devices and employing machine learning models, the app aims to enhance user experience and support users in achieving their fitness goals more effectively. </a:t>
-            </a:r>
-          </a:p>
-          <a:p>
-            <a:pPr marL="285750" indent="-285750" algn="just">
-              <a:lnSpc>
-                <a:spcPct val="150000"/>
-              </a:lnSpc>
-              <a:buFont typeface="Arial" panose="020B0604020202020204" pitchFamily="34" charset="0"/>
-              <a:buChar char="•"/>
-            </a:pPr>
-            <a:endParaRPr lang="en-US" sz="2000" b="0" i="0" dirty="0">
-              <a:solidFill>
-                <a:srgbClr val="0D0D0D"/>
-              </a:solidFill>
-              <a:effectLst/>
-              <a:highlight>
-                <a:srgbClr val="FFFFFF"/>
-              </a:highlight>
-              <a:latin typeface="Aptos Display" panose="020B0004020202020204" pitchFamily="34" charset="0"/>
-            </a:endParaRPr>
-          </a:p>
-          <a:p>
-            <a:pPr marL="285750" indent="-285750" algn="just">
-              <a:lnSpc>
-                <a:spcPct val="150000"/>
-              </a:lnSpc>
-              <a:buFont typeface="Arial" panose="020B0604020202020204" pitchFamily="34" charset="0"/>
-              <a:buChar char="•"/>
-            </a:pPr>
-            <a:r>
-              <a:rPr lang="en-US" sz="2000" b="0" i="0" dirty="0">
-                <a:solidFill>
-                  <a:srgbClr val="0D0D0D"/>
-                </a:solidFill>
-                <a:effectLst/>
-                <a:highlight>
-                  <a:srgbClr val="FFFFFF"/>
-                </a:highlight>
-                <a:latin typeface="Aptos Display" panose="020B0004020202020204" pitchFamily="34" charset="0"/>
-              </a:rPr>
-              <a:t>Through data collection, preprocessing, exploratory data analysis, feature engineering, model development, evaluation, and personalized exercise recommendations, the app provides valuable insights and guidance to individuals on their fitness journey.</a:t>
-            </a:r>
-            <a:endParaRPr lang="en-IN" sz="2000" dirty="0">
-              <a:latin typeface="Aptos Display" panose="020B0004020202020204" pitchFamily="34" charset="0"/>
-            </a:endParaRPr>
-          </a:p>
-        </p:txBody>
-      </p:sp>
-      <p:pic>
-        <p:nvPicPr>
-          <p:cNvPr id="7" name="Picture 6">
-            <a:extLst>
-              <a:ext uri="{FF2B5EF4-FFF2-40B4-BE49-F238E27FC236}">
-                <a16:creationId xmlns:a16="http://schemas.microsoft.com/office/drawing/2014/main" id="{82D2C362-5209-1E6D-A1CE-BD11A9813197}"/>
-              </a:ext>
-            </a:extLst>
-          </p:cNvPr>
-          <p:cNvPicPr>
-            <a:picLocks noChangeAspect="1"/>
-          </p:cNvPicPr>
-          <p:nvPr/>
-        </p:nvPicPr>
-        <p:blipFill>
-          <a:blip r:embed="rId2"/>
-          <a:stretch>
-            <a:fillRect/>
-          </a:stretch>
-        </p:blipFill>
-        <p:spPr>
-          <a:xfrm>
-            <a:off x="10305019" y="224793"/>
-            <a:ext cx="1502028" cy="893890"/>
-          </a:xfrm>
-          <a:prstGeom prst="rect">
-            <a:avLst/>
-          </a:prstGeom>
-        </p:spPr>
-      </p:pic>
-      <p:sp>
-        <p:nvSpPr>
-          <p:cNvPr id="8" name="Slide Number Placeholder 7">
-            <a:extLst>
-              <a:ext uri="{FF2B5EF4-FFF2-40B4-BE49-F238E27FC236}">
-                <a16:creationId xmlns:a16="http://schemas.microsoft.com/office/drawing/2014/main" id="{C787574F-927C-C4E4-0D24-55742A8B5976}"/>
-              </a:ext>
-            </a:extLst>
-          </p:cNvPr>
-          <p:cNvSpPr>
-            <a:spLocks noGrp="1"/>
-          </p:cNvSpPr>
-          <p:nvPr>
-            <p:ph type="sldNum" sz="quarter" idx="12"/>
-          </p:nvPr>
-        </p:nvSpPr>
-        <p:spPr/>
-        <p:txBody>
-          <a:bodyPr/>
-          <a:lstStyle/>
-          <a:p>
-            <a:fld id="{762A593B-48AA-4375-A704-2049C4AF33B6}" type="slidenum">
-              <a:rPr lang="en-IN" smtClean="0"/>
-              <a:t>8</a:t>
-            </a:fld>
-            <a:endParaRPr lang="en-IN"/>
-          </a:p>
-        </p:txBody>
-      </p:sp>
-    </p:spTree>
-    <p:extLst>
-      <p:ext uri="{BB962C8B-B14F-4D97-AF65-F5344CB8AC3E}">
-        <p14:creationId xmlns:p14="http://schemas.microsoft.com/office/powerpoint/2010/main" val="4180310219"/>
-      </p:ext>
-    </p:extLst>
-  </p:cSld>
-  <p:clrMapOvr>
-    <a:masterClrMapping/>
-  </p:clrMapOvr>
-</p:sld>
-</file>
-
-<file path=ppt/slides/slide9.xml><?xml version="1.0" encoding="utf-8"?>
-<p:sld xmlns:a="http://schemas.openxmlformats.org/drawingml/2006/main" xmlns:r="http://schemas.openxmlformats.org/officeDocument/2006/relationships" xmlns:p="http://schemas.openxmlformats.org/presentationml/2006/main">
-  <p:cSld>
-    <p:spTree>
-      <p:nvGrpSpPr>
-        <p:cNvPr id="1" name=""/>
-        <p:cNvGrpSpPr/>
-        <p:nvPr/>
-      </p:nvGrpSpPr>
-      <p:grpSpPr>
-        <a:xfrm>
-          <a:off x="0" y="0"/>
-          <a:ext cx="0" cy="0"/>
-          <a:chOff x="0" y="0"/>
-          <a:chExt cx="0" cy="0"/>
-        </a:xfrm>
-      </p:grpSpPr>
-      <p:sp>
-        <p:nvSpPr>
-          <p:cNvPr id="3" name="TextBox 2">
-            <a:extLst>
-              <a:ext uri="{FF2B5EF4-FFF2-40B4-BE49-F238E27FC236}">
-                <a16:creationId xmlns:a16="http://schemas.microsoft.com/office/drawing/2014/main" id="{3B6E8776-52CF-D015-5DEA-578B6065A36C}"/>
-              </a:ext>
-            </a:extLst>
-          </p:cNvPr>
-          <p:cNvSpPr txBox="1"/>
-          <p:nvPr/>
-        </p:nvSpPr>
-        <p:spPr>
-          <a:xfrm>
-            <a:off x="368967" y="1287999"/>
-            <a:ext cx="11146055" cy="4401205"/>
-          </a:xfrm>
-          <a:prstGeom prst="rect">
-            <a:avLst/>
-          </a:prstGeom>
-          <a:noFill/>
-        </p:spPr>
-        <p:txBody>
-          <a:bodyPr wrap="square">
-            <a:spAutoFit/>
-          </a:bodyPr>
-          <a:lstStyle/>
-          <a:p>
-            <a:pPr algn="just"/>
-            <a:r>
-              <a:rPr lang="en-US" sz="2000" b="0" i="0" dirty="0">
-                <a:solidFill>
-                  <a:srgbClr val="0D0D0D"/>
-                </a:solidFill>
-                <a:effectLst/>
-                <a:highlight>
-                  <a:srgbClr val="FFFFFF"/>
-                </a:highlight>
-                <a:latin typeface="Aptos Display" panose="020B0004020202020204" pitchFamily="34" charset="0"/>
-              </a:rPr>
-              <a:t>While the current project aims to develop a robust fitness tracker application using machine learning techniques, there are several avenues for future enhancements and expansions:</a:t>
-            </a:r>
-          </a:p>
-          <a:p>
-            <a:pPr algn="just"/>
-            <a:endParaRPr lang="en-US" sz="2000" b="0" i="0" dirty="0">
-              <a:solidFill>
-                <a:srgbClr val="0D0D0D"/>
-              </a:solidFill>
-              <a:effectLst/>
-              <a:highlight>
-                <a:srgbClr val="FFFFFF"/>
-              </a:highlight>
-              <a:latin typeface="Aptos Display" panose="020B0004020202020204" pitchFamily="34" charset="0"/>
-            </a:endParaRPr>
-          </a:p>
-          <a:p>
-            <a:pPr algn="just">
-              <a:buFont typeface="+mj-lt"/>
-              <a:buAutoNum type="arabicPeriod"/>
-            </a:pPr>
-            <a:r>
-              <a:rPr lang="en-US" sz="2000" b="1" i="0" dirty="0">
-                <a:solidFill>
-                  <a:srgbClr val="0D0D0D"/>
-                </a:solidFill>
-                <a:effectLst/>
-                <a:highlight>
-                  <a:srgbClr val="FFFFFF"/>
-                </a:highlight>
-                <a:latin typeface="Aptos Display" panose="020B0004020202020204" pitchFamily="34" charset="0"/>
-              </a:rPr>
-              <a:t>Integration with More Wearable Devices:</a:t>
-            </a:r>
-            <a:r>
-              <a:rPr lang="en-US" sz="2000" b="0" i="0" dirty="0">
-                <a:solidFill>
-                  <a:srgbClr val="0D0D0D"/>
-                </a:solidFill>
-                <a:effectLst/>
-                <a:highlight>
-                  <a:srgbClr val="FFFFFF"/>
-                </a:highlight>
-                <a:latin typeface="Aptos Display" panose="020B0004020202020204" pitchFamily="34" charset="0"/>
-              </a:rPr>
-              <a:t> Expand the compatibility of the application to integrate with a wider range of wearable devices like smart clothing or biometric sensors beyond Fitbit. </a:t>
-            </a:r>
-          </a:p>
-          <a:p>
-            <a:pPr marL="457200" indent="-457200" algn="just">
-              <a:buFont typeface="+mj-lt"/>
-              <a:buAutoNum type="arabicPeriod"/>
-            </a:pPr>
-            <a:endParaRPr lang="en-US" sz="2000" b="0" i="0" dirty="0">
-              <a:solidFill>
-                <a:srgbClr val="0D0D0D"/>
-              </a:solidFill>
-              <a:effectLst/>
-              <a:highlight>
-                <a:srgbClr val="FFFFFF"/>
-              </a:highlight>
-              <a:latin typeface="Aptos Display" panose="020B0004020202020204" pitchFamily="34" charset="0"/>
-            </a:endParaRPr>
-          </a:p>
-          <a:p>
-            <a:pPr algn="just">
-              <a:buFont typeface="+mj-lt"/>
-              <a:buAutoNum type="arabicPeriod"/>
-            </a:pPr>
-            <a:r>
-              <a:rPr lang="en-US" sz="2000" b="1" i="0" dirty="0">
-                <a:solidFill>
-                  <a:srgbClr val="0D0D0D"/>
-                </a:solidFill>
-                <a:effectLst/>
-                <a:highlight>
-                  <a:srgbClr val="FFFFFF"/>
-                </a:highlight>
-                <a:latin typeface="Aptos Display" panose="020B0004020202020204" pitchFamily="34" charset="0"/>
-              </a:rPr>
-              <a:t>Real-time Data Processing:</a:t>
-            </a:r>
-            <a:r>
-              <a:rPr lang="en-US" sz="2000" b="0" i="0" dirty="0">
-                <a:solidFill>
-                  <a:srgbClr val="0D0D0D"/>
-                </a:solidFill>
-                <a:effectLst/>
-                <a:highlight>
-                  <a:srgbClr val="FFFFFF"/>
-                </a:highlight>
-                <a:latin typeface="Aptos Display" panose="020B0004020202020204" pitchFamily="34" charset="0"/>
-              </a:rPr>
-              <a:t> Incorporate real-time data processing capabilities to provide users with instant feedback and insights. This could involve streaming data from wearable devices and continuously updating the prediction models to adapt to changing user behavior and preferences.</a:t>
-            </a:r>
-          </a:p>
-          <a:p>
-            <a:pPr marL="457200" indent="-457200" algn="just">
-              <a:buFont typeface="+mj-lt"/>
-              <a:buAutoNum type="arabicPeriod"/>
-            </a:pPr>
-            <a:endParaRPr lang="en-US" sz="2000" b="0" i="0" dirty="0">
-              <a:solidFill>
-                <a:srgbClr val="0D0D0D"/>
-              </a:solidFill>
-              <a:effectLst/>
-              <a:highlight>
-                <a:srgbClr val="FFFFFF"/>
-              </a:highlight>
-              <a:latin typeface="Aptos Display" panose="020B0004020202020204" pitchFamily="34" charset="0"/>
-            </a:endParaRPr>
-          </a:p>
-          <a:p>
-            <a:pPr algn="just">
-              <a:buFont typeface="+mj-lt"/>
-              <a:buAutoNum type="arabicPeriod"/>
-            </a:pPr>
-            <a:r>
-              <a:rPr lang="en-US" sz="2000" b="1" i="0" dirty="0">
-                <a:solidFill>
-                  <a:srgbClr val="0D0D0D"/>
-                </a:solidFill>
-                <a:effectLst/>
-                <a:highlight>
-                  <a:srgbClr val="FFFFFF"/>
-                </a:highlight>
-                <a:latin typeface="Aptos Display" panose="020B0004020202020204" pitchFamily="34" charset="0"/>
-              </a:rPr>
-              <a:t>Enhanced Personalization:</a:t>
-            </a:r>
-            <a:r>
-              <a:rPr lang="en-US" sz="2000" b="0" i="0" dirty="0">
-                <a:solidFill>
-                  <a:srgbClr val="0D0D0D"/>
-                </a:solidFill>
-                <a:effectLst/>
-                <a:highlight>
-                  <a:srgbClr val="FFFFFF"/>
-                </a:highlight>
-                <a:latin typeface="Aptos Display" panose="020B0004020202020204" pitchFamily="34" charset="0"/>
-              </a:rPr>
-              <a:t> Further enhance the level of personalization in recommendations by incorporating additional user data, such as dietary preferences, fitness history, or health conditions. Utilize techniques like collaborative filtering or contextual bandits to tailor recommendations to individual users' unique contexts.</a:t>
-            </a:r>
-          </a:p>
-        </p:txBody>
-      </p:sp>
-      <p:sp>
-        <p:nvSpPr>
-          <p:cNvPr id="4" name="TextBox 3">
-            <a:extLst>
-              <a:ext uri="{FF2B5EF4-FFF2-40B4-BE49-F238E27FC236}">
-                <a16:creationId xmlns:a16="http://schemas.microsoft.com/office/drawing/2014/main" id="{C056DE4D-476F-62BF-4CAF-41E65F1BC1AB}"/>
-              </a:ext>
-            </a:extLst>
-          </p:cNvPr>
-          <p:cNvSpPr txBox="1"/>
-          <p:nvPr/>
-        </p:nvSpPr>
-        <p:spPr>
-          <a:xfrm>
-            <a:off x="4319337" y="418270"/>
-            <a:ext cx="2889985" cy="523220"/>
-          </a:xfrm>
-          <a:prstGeom prst="rect">
-            <a:avLst/>
-          </a:prstGeom>
-          <a:noFill/>
-        </p:spPr>
-        <p:txBody>
-          <a:bodyPr wrap="square">
-            <a:spAutoFit/>
-          </a:bodyPr>
-          <a:lstStyle/>
-          <a:p>
-            <a:r>
-              <a:rPr lang="en-US" sz="2800" dirty="0">
-                <a:ln w="0"/>
-                <a:effectLst>
-                  <a:outerShdw blurRad="38100" dist="19050" dir="2700000" algn="tl" rotWithShape="0">
-                    <a:schemeClr val="dk1">
-                      <a:alpha val="40000"/>
-                    </a:schemeClr>
-                  </a:outerShdw>
-                </a:effectLst>
-                <a:latin typeface="Arial Black" panose="020B0A04020102020204" pitchFamily="34" charset="0"/>
-              </a:rPr>
-              <a:t>Future Scope</a:t>
-            </a:r>
-            <a:endParaRPr lang="en-IN" sz="2800" dirty="0"/>
-          </a:p>
-        </p:txBody>
-      </p:sp>
-      <p:pic>
-        <p:nvPicPr>
-          <p:cNvPr id="5" name="Picture 4">
-            <a:extLst>
-              <a:ext uri="{FF2B5EF4-FFF2-40B4-BE49-F238E27FC236}">
-                <a16:creationId xmlns:a16="http://schemas.microsoft.com/office/drawing/2014/main" id="{39E55317-5198-B03A-4498-E5FA8D08F08D}"/>
-              </a:ext>
-            </a:extLst>
-          </p:cNvPr>
-          <p:cNvPicPr>
-            <a:picLocks noChangeAspect="1"/>
-          </p:cNvPicPr>
-          <p:nvPr/>
-        </p:nvPicPr>
-        <p:blipFill>
-          <a:blip r:embed="rId2"/>
-          <a:stretch>
-            <a:fillRect/>
-          </a:stretch>
-        </p:blipFill>
-        <p:spPr>
-          <a:xfrm>
-            <a:off x="10295393" y="220855"/>
-            <a:ext cx="1502028" cy="893890"/>
-          </a:xfrm>
-          <a:prstGeom prst="rect">
-            <a:avLst/>
-          </a:prstGeom>
-        </p:spPr>
-      </p:pic>
-      <p:sp>
-        <p:nvSpPr>
-          <p:cNvPr id="6" name="Slide Number Placeholder 5">
-            <a:extLst>
-              <a:ext uri="{FF2B5EF4-FFF2-40B4-BE49-F238E27FC236}">
-                <a16:creationId xmlns:a16="http://schemas.microsoft.com/office/drawing/2014/main" id="{AED5FC53-07AF-9C21-A85F-C782719A4CBE}"/>
-              </a:ext>
-            </a:extLst>
-          </p:cNvPr>
-          <p:cNvSpPr>
-            <a:spLocks noGrp="1"/>
-          </p:cNvSpPr>
-          <p:nvPr>
-            <p:ph type="sldNum" sz="quarter" idx="12"/>
-          </p:nvPr>
-        </p:nvSpPr>
-        <p:spPr/>
-        <p:txBody>
-          <a:bodyPr/>
-          <a:lstStyle/>
-          <a:p>
-            <a:fld id="{762A593B-48AA-4375-A704-2049C4AF33B6}" type="slidenum">
-              <a:rPr lang="en-IN" smtClean="0"/>
-              <a:t>9</a:t>
-            </a:fld>
-            <a:endParaRPr lang="en-IN"/>
-          </a:p>
-        </p:txBody>
-      </p:sp>
-    </p:spTree>
-    <p:extLst>
-      <p:ext uri="{BB962C8B-B14F-4D97-AF65-F5344CB8AC3E}">
-        <p14:creationId xmlns:p14="http://schemas.microsoft.com/office/powerpoint/2010/main" val="7445261"/>
       </p:ext>
     </p:extLst>
   </p:cSld>
